--- a/Presentation Materials/Capstone Presentation.pptx
+++ b/Presentation Materials/Capstone Presentation.pptx
@@ -4775,7 +4775,7 @@
         </p:nvSpPr>
         <p:spPr>
           <a:xfrm>
-            <a:off x="601282" y="1603940"/>
+            <a:off x="601282" y="1265107"/>
             <a:ext cx="7628318" cy="4524315"/>
           </a:xfrm>
           <a:prstGeom prst="rect">

--- a/Presentation Materials/Capstone Presentation.pptx
+++ b/Presentation Materials/Capstone Presentation.pptx
@@ -120,6 +120,22 @@
       </a:defRPr>
     </a:lvl9pPr>
   </p:defaultTextStyle>
+  <p:extLst>
+    <p:ext uri="{EFAFB233-063F-42B5-8137-9DF3F51BA10A}">
+      <p15:sldGuideLst xmlns:p15="http://schemas.microsoft.com/office/powerpoint/2012/main">
+        <p15:guide id="1" orient="horz" pos="2160">
+          <p15:clr>
+            <a:srgbClr val="A4A3A4"/>
+          </p15:clr>
+        </p15:guide>
+        <p15:guide id="2" pos="2880">
+          <p15:clr>
+            <a:srgbClr val="A4A3A4"/>
+          </p15:clr>
+        </p15:guide>
+      </p15:sldGuideLst>
+    </p:ext>
+  </p:extLst>
 </p:presentation>
 </file>
 
@@ -164,10 +180,9 @@
           <a:lstStyle/>
           <a:p>
             <a:r>
-              <a:rPr lang="en-US" smtClean="0"/>
+              <a:rPr lang="en-US"/>
               <a:t>Click to edit Master title style</a:t>
             </a:r>
-            <a:endParaRPr lang="en-US"/>
           </a:p>
         </p:txBody>
       </p:sp>
@@ -232,10 +247,9 @@
           </a:lstStyle>
           <a:p>
             <a:r>
-              <a:rPr lang="en-US" smtClean="0"/>
+              <a:rPr lang="en-US"/>
               <a:t>Click to edit Master subtitle style</a:t>
             </a:r>
-            <a:endParaRPr lang="en-US"/>
           </a:p>
         </p:txBody>
       </p:sp>
@@ -389,10 +403,9 @@
           <a:lstStyle/>
           <a:p>
             <a:r>
-              <a:rPr lang="en-US" smtClean="0"/>
+              <a:rPr lang="en-US"/>
               <a:t>Click to edit Master title style</a:t>
             </a:r>
-            <a:endParaRPr lang="en-US"/>
           </a:p>
         </p:txBody>
       </p:sp>
@@ -421,38 +434,37 @@
           <a:p>
             <a:pPr lvl="0"/>
             <a:r>
-              <a:rPr lang="en-US" smtClean="0"/>
+              <a:rPr lang="en-US"/>
               <a:t>Click to edit Master text styles</a:t>
             </a:r>
           </a:p>
           <a:p>
             <a:pPr lvl="1"/>
             <a:r>
-              <a:rPr lang="en-US" smtClean="0"/>
+              <a:rPr lang="en-US"/>
               <a:t>Second level</a:t>
             </a:r>
           </a:p>
           <a:p>
             <a:pPr lvl="2"/>
             <a:r>
-              <a:rPr lang="en-US" smtClean="0"/>
+              <a:rPr lang="en-US"/>
               <a:t>Third level</a:t>
             </a:r>
           </a:p>
           <a:p>
             <a:pPr lvl="3"/>
             <a:r>
-              <a:rPr lang="en-US" smtClean="0"/>
+              <a:rPr lang="en-US"/>
               <a:t>Fourth level</a:t>
             </a:r>
           </a:p>
           <a:p>
             <a:pPr lvl="4"/>
             <a:r>
-              <a:rPr lang="en-US" smtClean="0"/>
+              <a:rPr lang="en-US"/>
               <a:t>Fifth level</a:t>
             </a:r>
-            <a:endParaRPr lang="en-US"/>
           </a:p>
         </p:txBody>
       </p:sp>
@@ -606,10 +618,9 @@
           <a:lstStyle/>
           <a:p>
             <a:r>
-              <a:rPr lang="en-US" smtClean="0"/>
+              <a:rPr lang="en-US"/>
               <a:t>Click to edit Master title style</a:t>
             </a:r>
-            <a:endParaRPr lang="en-US"/>
           </a:p>
         </p:txBody>
       </p:sp>
@@ -638,38 +649,37 @@
           <a:p>
             <a:pPr lvl="0"/>
             <a:r>
-              <a:rPr lang="en-US" smtClean="0"/>
+              <a:rPr lang="en-US"/>
               <a:t>Click to edit Master text styles</a:t>
             </a:r>
           </a:p>
           <a:p>
             <a:pPr lvl="1"/>
             <a:r>
-              <a:rPr lang="en-US" smtClean="0"/>
+              <a:rPr lang="en-US"/>
               <a:t>Second level</a:t>
             </a:r>
           </a:p>
           <a:p>
             <a:pPr lvl="2"/>
             <a:r>
-              <a:rPr lang="en-US" smtClean="0"/>
+              <a:rPr lang="en-US"/>
               <a:t>Third level</a:t>
             </a:r>
           </a:p>
           <a:p>
             <a:pPr lvl="3"/>
             <a:r>
-              <a:rPr lang="en-US" smtClean="0"/>
+              <a:rPr lang="en-US"/>
               <a:t>Fourth level</a:t>
             </a:r>
           </a:p>
           <a:p>
             <a:pPr lvl="4"/>
             <a:r>
-              <a:rPr lang="en-US" smtClean="0"/>
+              <a:rPr lang="en-US"/>
               <a:t>Fifth level</a:t>
             </a:r>
-            <a:endParaRPr lang="en-US"/>
           </a:p>
         </p:txBody>
       </p:sp>
@@ -823,10 +833,9 @@
           <a:lstStyle/>
           <a:p>
             <a:r>
-              <a:rPr lang="en-US" smtClean="0"/>
+              <a:rPr lang="en-US"/>
               <a:t>Click to edit Master title style</a:t>
             </a:r>
-            <a:endParaRPr lang="en-US"/>
           </a:p>
         </p:txBody>
       </p:sp>
@@ -855,38 +864,37 @@
           <a:p>
             <a:pPr lvl="0"/>
             <a:r>
-              <a:rPr lang="en-US" smtClean="0"/>
+              <a:rPr lang="en-US"/>
               <a:t>Click to edit Master text styles</a:t>
             </a:r>
           </a:p>
           <a:p>
             <a:pPr lvl="1"/>
             <a:r>
-              <a:rPr lang="en-US" smtClean="0"/>
+              <a:rPr lang="en-US"/>
               <a:t>Second level</a:t>
             </a:r>
           </a:p>
           <a:p>
             <a:pPr lvl="2"/>
             <a:r>
-              <a:rPr lang="en-US" smtClean="0"/>
+              <a:rPr lang="en-US"/>
               <a:t>Third level</a:t>
             </a:r>
           </a:p>
           <a:p>
             <a:pPr lvl="3"/>
             <a:r>
-              <a:rPr lang="en-US" smtClean="0"/>
+              <a:rPr lang="en-US"/>
               <a:t>Fourth level</a:t>
             </a:r>
           </a:p>
           <a:p>
             <a:pPr lvl="4"/>
             <a:r>
-              <a:rPr lang="en-US" smtClean="0"/>
+              <a:rPr lang="en-US"/>
               <a:t>Fifth level</a:t>
             </a:r>
-            <a:endParaRPr lang="en-US"/>
           </a:p>
         </p:txBody>
       </p:sp>
@@ -1044,10 +1052,9 @@
           </a:lstStyle>
           <a:p>
             <a:r>
-              <a:rPr lang="en-US" smtClean="0"/>
+              <a:rPr lang="en-US"/>
               <a:t>Click to edit Master title style</a:t>
             </a:r>
-            <a:endParaRPr lang="en-US"/>
           </a:p>
         </p:txBody>
       </p:sp>
@@ -1113,7 +1120,7 @@
           <a:p>
             <a:pPr lvl="0"/>
             <a:r>
-              <a:rPr lang="en-US" smtClean="0"/>
+              <a:rPr lang="en-US"/>
               <a:t>Click to edit Master text styles</a:t>
             </a:r>
           </a:p>
@@ -1269,10 +1276,9 @@
           <a:lstStyle/>
           <a:p>
             <a:r>
-              <a:rPr lang="en-US" smtClean="0"/>
+              <a:rPr lang="en-US"/>
               <a:t>Click to edit Master title style</a:t>
             </a:r>
-            <a:endParaRPr lang="en-US"/>
           </a:p>
         </p:txBody>
       </p:sp>
@@ -1329,38 +1335,37 @@
           <a:p>
             <a:pPr lvl="0"/>
             <a:r>
-              <a:rPr lang="en-US" smtClean="0"/>
+              <a:rPr lang="en-US"/>
               <a:t>Click to edit Master text styles</a:t>
             </a:r>
           </a:p>
           <a:p>
             <a:pPr lvl="1"/>
             <a:r>
-              <a:rPr lang="en-US" smtClean="0"/>
+              <a:rPr lang="en-US"/>
               <a:t>Second level</a:t>
             </a:r>
           </a:p>
           <a:p>
             <a:pPr lvl="2"/>
             <a:r>
-              <a:rPr lang="en-US" smtClean="0"/>
+              <a:rPr lang="en-US"/>
               <a:t>Third level</a:t>
             </a:r>
           </a:p>
           <a:p>
             <a:pPr lvl="3"/>
             <a:r>
-              <a:rPr lang="en-US" smtClean="0"/>
+              <a:rPr lang="en-US"/>
               <a:t>Fourth level</a:t>
             </a:r>
           </a:p>
           <a:p>
             <a:pPr lvl="4"/>
             <a:r>
-              <a:rPr lang="en-US" smtClean="0"/>
+              <a:rPr lang="en-US"/>
               <a:t>Fifth level</a:t>
             </a:r>
-            <a:endParaRPr lang="en-US"/>
           </a:p>
         </p:txBody>
       </p:sp>
@@ -1417,38 +1422,37 @@
           <a:p>
             <a:pPr lvl="0"/>
             <a:r>
-              <a:rPr lang="en-US" smtClean="0"/>
+              <a:rPr lang="en-US"/>
               <a:t>Click to edit Master text styles</a:t>
             </a:r>
           </a:p>
           <a:p>
             <a:pPr lvl="1"/>
             <a:r>
-              <a:rPr lang="en-US" smtClean="0"/>
+              <a:rPr lang="en-US"/>
               <a:t>Second level</a:t>
             </a:r>
           </a:p>
           <a:p>
             <a:pPr lvl="2"/>
             <a:r>
-              <a:rPr lang="en-US" smtClean="0"/>
+              <a:rPr lang="en-US"/>
               <a:t>Third level</a:t>
             </a:r>
           </a:p>
           <a:p>
             <a:pPr lvl="3"/>
             <a:r>
-              <a:rPr lang="en-US" smtClean="0"/>
+              <a:rPr lang="en-US"/>
               <a:t>Fourth level</a:t>
             </a:r>
           </a:p>
           <a:p>
             <a:pPr lvl="4"/>
             <a:r>
-              <a:rPr lang="en-US" smtClean="0"/>
+              <a:rPr lang="en-US"/>
               <a:t>Fifth level</a:t>
             </a:r>
-            <a:endParaRPr lang="en-US"/>
           </a:p>
         </p:txBody>
       </p:sp>
@@ -1606,10 +1610,9 @@
           </a:lstStyle>
           <a:p>
             <a:r>
-              <a:rPr lang="en-US" smtClean="0"/>
+              <a:rPr lang="en-US"/>
               <a:t>Click to edit Master title style</a:t>
             </a:r>
-            <a:endParaRPr lang="en-US"/>
           </a:p>
         </p:txBody>
       </p:sp>
@@ -1675,7 +1678,7 @@
           <a:p>
             <a:pPr lvl="0"/>
             <a:r>
-              <a:rPr lang="en-US" smtClean="0"/>
+              <a:rPr lang="en-US"/>
               <a:t>Click to edit Master text styles</a:t>
             </a:r>
           </a:p>
@@ -1734,38 +1737,37 @@
           <a:p>
             <a:pPr lvl="0"/>
             <a:r>
-              <a:rPr lang="en-US" smtClean="0"/>
+              <a:rPr lang="en-US"/>
               <a:t>Click to edit Master text styles</a:t>
             </a:r>
           </a:p>
           <a:p>
             <a:pPr lvl="1"/>
             <a:r>
-              <a:rPr lang="en-US" smtClean="0"/>
+              <a:rPr lang="en-US"/>
               <a:t>Second level</a:t>
             </a:r>
           </a:p>
           <a:p>
             <a:pPr lvl="2"/>
             <a:r>
-              <a:rPr lang="en-US" smtClean="0"/>
+              <a:rPr lang="en-US"/>
               <a:t>Third level</a:t>
             </a:r>
           </a:p>
           <a:p>
             <a:pPr lvl="3"/>
             <a:r>
-              <a:rPr lang="en-US" smtClean="0"/>
+              <a:rPr lang="en-US"/>
               <a:t>Fourth level</a:t>
             </a:r>
           </a:p>
           <a:p>
             <a:pPr lvl="4"/>
             <a:r>
-              <a:rPr lang="en-US" smtClean="0"/>
+              <a:rPr lang="en-US"/>
               <a:t>Fifth level</a:t>
             </a:r>
-            <a:endParaRPr lang="en-US"/>
           </a:p>
         </p:txBody>
       </p:sp>
@@ -1831,7 +1833,7 @@
           <a:p>
             <a:pPr lvl="0"/>
             <a:r>
-              <a:rPr lang="en-US" smtClean="0"/>
+              <a:rPr lang="en-US"/>
               <a:t>Click to edit Master text styles</a:t>
             </a:r>
           </a:p>
@@ -1890,38 +1892,37 @@
           <a:p>
             <a:pPr lvl="0"/>
             <a:r>
-              <a:rPr lang="en-US" smtClean="0"/>
+              <a:rPr lang="en-US"/>
               <a:t>Click to edit Master text styles</a:t>
             </a:r>
           </a:p>
           <a:p>
             <a:pPr lvl="1"/>
             <a:r>
-              <a:rPr lang="en-US" smtClean="0"/>
+              <a:rPr lang="en-US"/>
               <a:t>Second level</a:t>
             </a:r>
           </a:p>
           <a:p>
             <a:pPr lvl="2"/>
             <a:r>
-              <a:rPr lang="en-US" smtClean="0"/>
+              <a:rPr lang="en-US"/>
               <a:t>Third level</a:t>
             </a:r>
           </a:p>
           <a:p>
             <a:pPr lvl="3"/>
             <a:r>
-              <a:rPr lang="en-US" smtClean="0"/>
+              <a:rPr lang="en-US"/>
               <a:t>Fourth level</a:t>
             </a:r>
           </a:p>
           <a:p>
             <a:pPr lvl="4"/>
             <a:r>
-              <a:rPr lang="en-US" smtClean="0"/>
+              <a:rPr lang="en-US"/>
               <a:t>Fifth level</a:t>
             </a:r>
-            <a:endParaRPr lang="en-US"/>
           </a:p>
         </p:txBody>
       </p:sp>
@@ -2075,10 +2076,9 @@
           <a:lstStyle/>
           <a:p>
             <a:r>
-              <a:rPr lang="en-US" smtClean="0"/>
+              <a:rPr lang="en-US"/>
               <a:t>Click to edit Master title style</a:t>
             </a:r>
-            <a:endParaRPr lang="en-US"/>
           </a:p>
         </p:txBody>
       </p:sp>
@@ -2362,10 +2362,9 @@
           </a:lstStyle>
           <a:p>
             <a:r>
-              <a:rPr lang="en-US" smtClean="0"/>
+              <a:rPr lang="en-US"/>
               <a:t>Click to edit Master title style</a:t>
             </a:r>
-            <a:endParaRPr lang="en-US"/>
           </a:p>
         </p:txBody>
       </p:sp>
@@ -2422,38 +2421,37 @@
           <a:p>
             <a:pPr lvl="0"/>
             <a:r>
-              <a:rPr lang="en-US" smtClean="0"/>
+              <a:rPr lang="en-US"/>
               <a:t>Click to edit Master text styles</a:t>
             </a:r>
           </a:p>
           <a:p>
             <a:pPr lvl="1"/>
             <a:r>
-              <a:rPr lang="en-US" smtClean="0"/>
+              <a:rPr lang="en-US"/>
               <a:t>Second level</a:t>
             </a:r>
           </a:p>
           <a:p>
             <a:pPr lvl="2"/>
             <a:r>
-              <a:rPr lang="en-US" smtClean="0"/>
+              <a:rPr lang="en-US"/>
               <a:t>Third level</a:t>
             </a:r>
           </a:p>
           <a:p>
             <a:pPr lvl="3"/>
             <a:r>
-              <a:rPr lang="en-US" smtClean="0"/>
+              <a:rPr lang="en-US"/>
               <a:t>Fourth level</a:t>
             </a:r>
           </a:p>
           <a:p>
             <a:pPr lvl="4"/>
             <a:r>
-              <a:rPr lang="en-US" smtClean="0"/>
+              <a:rPr lang="en-US"/>
               <a:t>Fifth level</a:t>
             </a:r>
-            <a:endParaRPr lang="en-US"/>
           </a:p>
         </p:txBody>
       </p:sp>
@@ -2519,7 +2517,7 @@
           <a:p>
             <a:pPr lvl="0"/>
             <a:r>
-              <a:rPr lang="en-US" smtClean="0"/>
+              <a:rPr lang="en-US"/>
               <a:t>Click to edit Master text styles</a:t>
             </a:r>
           </a:p>
@@ -2679,10 +2677,9 @@
           </a:lstStyle>
           <a:p>
             <a:r>
-              <a:rPr lang="en-US" smtClean="0"/>
+              <a:rPr lang="en-US"/>
               <a:t>Click to edit Master title style</a:t>
             </a:r>
-            <a:endParaRPr lang="en-US"/>
           </a:p>
         </p:txBody>
       </p:sp>
@@ -2747,7 +2744,7 @@
           </a:lstStyle>
           <a:p>
             <a:pPr lvl="0"/>
-            <a:endParaRPr lang="en-US" noProof="0" smtClean="0"/>
+            <a:endParaRPr lang="en-US" noProof="0"/>
           </a:p>
         </p:txBody>
       </p:sp>
@@ -2813,7 +2810,7 @@
           <a:p>
             <a:pPr lvl="0"/>
             <a:r>
-              <a:rPr lang="en-US" smtClean="0"/>
+              <a:rPr lang="en-US"/>
               <a:t>Click to edit Master text styles</a:t>
             </a:r>
           </a:p>
@@ -3421,13 +3418,6 @@
     <p:sldLayoutId id="2147483670" r:id="rId10"/>
     <p:sldLayoutId id="2147483671" r:id="rId11"/>
   </p:sldLayoutIdLst>
-  <p:timing>
-    <p:tnLst>
-      <p:par>
-        <p:cTn id="1" dur="indefinite" restart="never" nodeType="tmRoot"/>
-      </p:par>
-    </p:tnLst>
-  </p:timing>
   <p:txStyles>
     <p:titleStyle>
       <a:lvl1pPr algn="ctr" rtl="0" eaLnBrk="0" fontAlgn="base" hangingPunct="0">
@@ -3876,7 +3866,7 @@
           <a:p>
             <a:pPr algn="ctr"/>
             <a:r>
-              <a:rPr lang="en-US" sz="6000" b="1" cap="none" spc="50" dirty="0" smtClean="0">
+              <a:rPr lang="en-US" sz="6000" b="1" cap="none" spc="50" dirty="0">
                 <a:ln w="11430"/>
                 <a:gradFill>
                   <a:gsLst>
@@ -3904,32 +3894,6 @@
               </a:rPr>
               <a:t>Game Display Team</a:t>
             </a:r>
-            <a:endParaRPr lang="en-US" sz="6000" b="1" cap="none" spc="50" dirty="0">
-              <a:ln w="11430"/>
-              <a:gradFill>
-                <a:gsLst>
-                  <a:gs pos="25000">
-                    <a:schemeClr val="accent2">
-                      <a:satMod val="155000"/>
-                    </a:schemeClr>
-                  </a:gs>
-                  <a:gs pos="100000">
-                    <a:schemeClr val="accent2">
-                      <a:shade val="45000"/>
-                      <a:satMod val="165000"/>
-                    </a:schemeClr>
-                  </a:gs>
-                </a:gsLst>
-                <a:lin ang="5400000"/>
-              </a:gradFill>
-              <a:effectLst>
-                <a:outerShdw blurRad="76200" dist="50800" dir="5400000" algn="tl" rotWithShape="0">
-                  <a:srgbClr val="000000">
-                    <a:alpha val="65000"/>
-                  </a:srgbClr>
-                </a:outerShdw>
-              </a:effectLst>
-            </a:endParaRPr>
           </a:p>
         </p:txBody>
       </p:sp>
@@ -3941,8 +3905,8 @@
         </p:nvSpPr>
         <p:spPr>
           <a:xfrm>
-            <a:off x="3581181" y="2286000"/>
-            <a:ext cx="1981633" cy="3170099"/>
+            <a:off x="2640220" y="2286000"/>
+            <a:ext cx="3863558" cy="3170099"/>
           </a:xfrm>
           <a:prstGeom prst="rect">
             <a:avLst/>
@@ -3957,7 +3921,7 @@
           <a:p>
             <a:pPr algn="ctr"/>
             <a:r>
-              <a:rPr lang="en-US" sz="4000" b="1" cap="none" spc="0" dirty="0" smtClean="0">
+              <a:rPr lang="en-US" sz="4000" b="1" cap="none" spc="0" dirty="0">
                 <a:ln w="24500" cmpd="dbl">
                   <a:solidFill>
                     <a:schemeClr val="accent2">
@@ -3999,13 +3963,100 @@
                   </a:outerShdw>
                 </a:effectLst>
               </a:rPr>
-              <a:t>Josiah</a:t>
+              <a:t>Josiah </a:t>
             </a:r>
+            <a:r>
+              <a:rPr lang="en-US" sz="4000" b="1" cap="none" spc="0" dirty="0" err="1">
+                <a:ln w="24500" cmpd="dbl">
+                  <a:solidFill>
+                    <a:schemeClr val="accent2">
+                      <a:shade val="85000"/>
+                      <a:satMod val="155000"/>
+                    </a:schemeClr>
+                  </a:solidFill>
+                  <a:prstDash val="solid"/>
+                  <a:miter lim="800000"/>
+                </a:ln>
+                <a:gradFill>
+                  <a:gsLst>
+                    <a:gs pos="10000">
+                      <a:schemeClr val="accent2">
+                        <a:tint val="10000"/>
+                        <a:satMod val="155000"/>
+                      </a:schemeClr>
+                    </a:gs>
+                    <a:gs pos="60000">
+                      <a:schemeClr val="accent2">
+                        <a:tint val="30000"/>
+                        <a:satMod val="155000"/>
+                      </a:schemeClr>
+                    </a:gs>
+                    <a:gs pos="100000">
+                      <a:schemeClr val="accent2">
+                        <a:tint val="73000"/>
+                        <a:satMod val="155000"/>
+                      </a:schemeClr>
+                    </a:gs>
+                  </a:gsLst>
+                  <a:lin ang="5400000"/>
+                </a:gradFill>
+                <a:effectLst>
+                  <a:outerShdw blurRad="38100" dist="38100" dir="7020000" algn="tl">
+                    <a:srgbClr val="000000">
+                      <a:alpha val="35000"/>
+                    </a:srgbClr>
+                  </a:outerShdw>
+                </a:effectLst>
+              </a:rPr>
+              <a:t>Hertzler</a:t>
+            </a:r>
+            <a:endParaRPr lang="en-US" sz="4000" b="1" cap="none" spc="0" dirty="0">
+              <a:ln w="24500" cmpd="dbl">
+                <a:solidFill>
+                  <a:schemeClr val="accent2">
+                    <a:shade val="85000"/>
+                    <a:satMod val="155000"/>
+                  </a:schemeClr>
+                </a:solidFill>
+                <a:prstDash val="solid"/>
+                <a:miter lim="800000"/>
+              </a:ln>
+              <a:gradFill>
+                <a:gsLst>
+                  <a:gs pos="10000">
+                    <a:schemeClr val="accent2">
+                      <a:tint val="10000"/>
+                      <a:satMod val="155000"/>
+                    </a:schemeClr>
+                  </a:gs>
+                  <a:gs pos="60000">
+                    <a:schemeClr val="accent2">
+                      <a:tint val="30000"/>
+                      <a:satMod val="155000"/>
+                    </a:schemeClr>
+                  </a:gs>
+                  <a:gs pos="100000">
+                    <a:schemeClr val="accent2">
+                      <a:tint val="73000"/>
+                      <a:satMod val="155000"/>
+                    </a:schemeClr>
+                  </a:gs>
+                </a:gsLst>
+                <a:lin ang="5400000"/>
+              </a:gradFill>
+              <a:effectLst>
+                <a:outerShdw blurRad="38100" dist="38100" dir="7020000" algn="tl">
+                  <a:srgbClr val="000000">
+                    <a:alpha val="35000"/>
+                  </a:srgbClr>
+                </a:outerShdw>
+              </a:effectLst>
+            </a:endParaRPr>
           </a:p>
           <a:p>
             <a:pPr algn="ctr"/>
             <a:r>
-              <a:rPr lang="en-US" sz="4000" b="1" dirty="0" err="1" smtClean="0">
+              <a:rPr lang="en-US" sz="4000" b="1" dirty="0" err="1">
                 <a:ln w="24500" cmpd="dbl">
                   <a:solidFill>
                     <a:schemeClr val="accent2">
@@ -4050,7 +4101,7 @@
               <a:t>Taha</a:t>
             </a:r>
             <a:r>
-              <a:rPr lang="en-US" sz="4000" b="1" dirty="0" smtClean="0">
+              <a:rPr lang="en-US" sz="4000" b="1" dirty="0">
                 <a:ln w="24500" cmpd="dbl">
                   <a:solidFill>
                     <a:schemeClr val="accent2">
@@ -4092,13 +4143,13 @@
                   </a:outerShdw>
                 </a:effectLst>
               </a:rPr>
-              <a:t> </a:t>
+              <a:t> Siddique</a:t>
             </a:r>
           </a:p>
           <a:p>
             <a:pPr algn="ctr"/>
             <a:r>
-              <a:rPr lang="en-US" sz="4000" b="1" cap="none" spc="0" dirty="0" smtClean="0">
+              <a:rPr lang="en-US" sz="4000" b="1" cap="none" spc="0" dirty="0">
                 <a:ln w="24500" cmpd="dbl">
                   <a:solidFill>
                     <a:schemeClr val="accent2">
@@ -4140,13 +4191,10 @@
                   </a:outerShdw>
                 </a:effectLst>
               </a:rPr>
-              <a:t>Jack</a:t>
+              <a:t>Jack </a:t>
             </a:r>
-          </a:p>
-          <a:p>
-            <a:pPr algn="ctr"/>
             <a:r>
-              <a:rPr lang="en-US" sz="4000" b="1" dirty="0" smtClean="0">
+              <a:rPr lang="en-US" sz="4000" b="1" cap="none" spc="0" dirty="0" err="1">
                 <a:ln w="24500" cmpd="dbl">
                   <a:solidFill>
                     <a:schemeClr val="accent2">
@@ -4188,13 +4236,55 @@
                   </a:outerShdw>
                 </a:effectLst>
               </a:rPr>
-              <a:t>Tom</a:t>
+              <a:t>McFann</a:t>
             </a:r>
+            <a:endParaRPr lang="en-US" sz="4000" b="1" cap="none" spc="0" dirty="0">
+              <a:ln w="24500" cmpd="dbl">
+                <a:solidFill>
+                  <a:schemeClr val="accent2">
+                    <a:shade val="85000"/>
+                    <a:satMod val="155000"/>
+                  </a:schemeClr>
+                </a:solidFill>
+                <a:prstDash val="solid"/>
+                <a:miter lim="800000"/>
+              </a:ln>
+              <a:gradFill>
+                <a:gsLst>
+                  <a:gs pos="10000">
+                    <a:schemeClr val="accent2">
+                      <a:tint val="10000"/>
+                      <a:satMod val="155000"/>
+                    </a:schemeClr>
+                  </a:gs>
+                  <a:gs pos="60000">
+                    <a:schemeClr val="accent2">
+                      <a:tint val="30000"/>
+                      <a:satMod val="155000"/>
+                    </a:schemeClr>
+                  </a:gs>
+                  <a:gs pos="100000">
+                    <a:schemeClr val="accent2">
+                      <a:tint val="73000"/>
+                      <a:satMod val="155000"/>
+                    </a:schemeClr>
+                  </a:gs>
+                </a:gsLst>
+                <a:lin ang="5400000"/>
+              </a:gradFill>
+              <a:effectLst>
+                <a:outerShdw blurRad="38100" dist="38100" dir="7020000" algn="tl">
+                  <a:srgbClr val="000000">
+                    <a:alpha val="35000"/>
+                  </a:srgbClr>
+                </a:outerShdw>
+              </a:effectLst>
+            </a:endParaRPr>
           </a:p>
           <a:p>
             <a:pPr algn="ctr"/>
             <a:r>
-              <a:rPr lang="en-US" sz="4000" b="1" cap="none" spc="0" dirty="0" smtClean="0">
+              <a:rPr lang="en-US" sz="4000" b="1" dirty="0">
                 <a:ln w="24500" cmpd="dbl">
                   <a:solidFill>
                     <a:schemeClr val="accent2">
@@ -4236,50 +4326,56 @@
                   </a:outerShdw>
                 </a:effectLst>
               </a:rPr>
-              <a:t>Sawyer</a:t>
+              <a:t>Tom Hoffman</a:t>
             </a:r>
-            <a:endParaRPr lang="en-US" sz="4000" b="1" cap="none" spc="0" dirty="0">
-              <a:ln w="24500" cmpd="dbl">
-                <a:solidFill>
-                  <a:schemeClr val="accent2">
-                    <a:shade val="85000"/>
-                    <a:satMod val="155000"/>
-                  </a:schemeClr>
-                </a:solidFill>
-                <a:prstDash val="solid"/>
-                <a:miter lim="800000"/>
-              </a:ln>
-              <a:gradFill>
-                <a:gsLst>
-                  <a:gs pos="10000">
+          </a:p>
+          <a:p>
+            <a:pPr algn="ctr"/>
+            <a:r>
+              <a:rPr lang="en-US" sz="4000" b="1" cap="none" spc="0" dirty="0">
+                <a:ln w="24500" cmpd="dbl">
+                  <a:solidFill>
                     <a:schemeClr val="accent2">
-                      <a:tint val="10000"/>
+                      <a:shade val="85000"/>
                       <a:satMod val="155000"/>
                     </a:schemeClr>
-                  </a:gs>
-                  <a:gs pos="60000">
-                    <a:schemeClr val="accent2">
-                      <a:tint val="30000"/>
-                      <a:satMod val="155000"/>
-                    </a:schemeClr>
-                  </a:gs>
-                  <a:gs pos="100000">
-                    <a:schemeClr val="accent2">
-                      <a:tint val="73000"/>
-                      <a:satMod val="155000"/>
-                    </a:schemeClr>
-                  </a:gs>
-                </a:gsLst>
-                <a:lin ang="5400000"/>
-              </a:gradFill>
-              <a:effectLst>
-                <a:outerShdw blurRad="38100" dist="38100" dir="7020000" algn="tl">
-                  <a:srgbClr val="000000">
-                    <a:alpha val="35000"/>
-                  </a:srgbClr>
-                </a:outerShdw>
-              </a:effectLst>
-            </a:endParaRPr>
+                  </a:solidFill>
+                  <a:prstDash val="solid"/>
+                  <a:miter lim="800000"/>
+                </a:ln>
+                <a:gradFill>
+                  <a:gsLst>
+                    <a:gs pos="10000">
+                      <a:schemeClr val="accent2">
+                        <a:tint val="10000"/>
+                        <a:satMod val="155000"/>
+                      </a:schemeClr>
+                    </a:gs>
+                    <a:gs pos="60000">
+                      <a:schemeClr val="accent2">
+                        <a:tint val="30000"/>
+                        <a:satMod val="155000"/>
+                      </a:schemeClr>
+                    </a:gs>
+                    <a:gs pos="100000">
+                      <a:schemeClr val="accent2">
+                        <a:tint val="73000"/>
+                        <a:satMod val="155000"/>
+                      </a:schemeClr>
+                    </a:gs>
+                  </a:gsLst>
+                  <a:lin ang="5400000"/>
+                </a:gradFill>
+                <a:effectLst>
+                  <a:outerShdw blurRad="38100" dist="38100" dir="7020000" algn="tl">
+                    <a:srgbClr val="000000">
+                      <a:alpha val="35000"/>
+                    </a:srgbClr>
+                  </a:outerShdw>
+                </a:effectLst>
+              </a:rPr>
+              <a:t>Sawyer Brown</a:t>
+            </a:r>
           </a:p>
         </p:txBody>
       </p:sp>
@@ -4293,13 +4389,6 @@
   <p:clrMapOvr>
     <a:masterClrMapping/>
   </p:clrMapOvr>
-  <p:timing>
-    <p:tnLst>
-      <p:par>
-        <p:cTn id="1" dur="indefinite" restart="never" nodeType="tmRoot"/>
-      </p:par>
-    </p:tnLst>
-  </p:timing>
 </p:sld>
 </file>
 
@@ -4643,13 +4732,6 @@
   <p:clrMapOvr>
     <a:masterClrMapping/>
   </p:clrMapOvr>
-  <p:timing>
-    <p:tnLst>
-      <p:par>
-        <p:cTn id="1" dur="indefinite" restart="never" nodeType="tmRoot"/>
-      </p:par>
-    </p:tnLst>
-  </p:timing>
 </p:sld>
 </file>
 
@@ -4694,7 +4776,7 @@
           <a:p>
             <a:pPr algn="ctr"/>
             <a:r>
-              <a:rPr lang="en-US" sz="5400" b="1" dirty="0" smtClean="0">
+              <a:rPr lang="en-US" sz="5400" b="1" dirty="0">
                 <a:ln w="1905"/>
                 <a:gradFill>
                   <a:gsLst>
@@ -4730,40 +4812,6 @@
               </a:rPr>
               <a:t>Testing Arena</a:t>
             </a:r>
-            <a:endParaRPr lang="en-US" sz="5400" b="1" dirty="0">
-              <a:ln w="1905"/>
-              <a:gradFill>
-                <a:gsLst>
-                  <a:gs pos="0">
-                    <a:schemeClr val="accent6">
-                      <a:shade val="20000"/>
-                      <a:satMod val="200000"/>
-                    </a:schemeClr>
-                  </a:gs>
-                  <a:gs pos="78000">
-                    <a:schemeClr val="accent6">
-                      <a:tint val="90000"/>
-                      <a:shade val="89000"/>
-                      <a:satMod val="220000"/>
-                    </a:schemeClr>
-                  </a:gs>
-                  <a:gs pos="100000">
-                    <a:schemeClr val="accent6">
-                      <a:tint val="12000"/>
-                      <a:satMod val="255000"/>
-                    </a:schemeClr>
-                  </a:gs>
-                </a:gsLst>
-                <a:lin ang="5400000"/>
-              </a:gradFill>
-              <a:effectLst>
-                <a:innerShdw blurRad="69850" dist="43180" dir="5400000">
-                  <a:srgbClr val="000000">
-                    <a:alpha val="65000"/>
-                  </a:srgbClr>
-                </a:innerShdw>
-              </a:effectLst>
-            </a:endParaRPr>
           </a:p>
         </p:txBody>
       </p:sp>
@@ -4794,10 +4842,9 @@
               <a:buChar char="•"/>
             </a:pPr>
             <a:r>
-              <a:rPr lang="en-US" sz="3600" b="1" dirty="0" smtClean="0"/>
+              <a:rPr lang="en-US" sz="3600" b="1" dirty="0"/>
               <a:t>Debugging Mode</a:t>
             </a:r>
-            <a:endParaRPr lang="en-US" sz="3600" b="1" dirty="0"/>
           </a:p>
           <a:p>
             <a:pPr marL="457200" indent="-457200">
@@ -4805,7 +4852,7 @@
               <a:buChar char="•"/>
             </a:pPr>
             <a:r>
-              <a:rPr lang="en-US" sz="3600" b="1" dirty="0" smtClean="0"/>
+              <a:rPr lang="en-US" sz="3600" b="1" dirty="0"/>
               <a:t>Update bot each turn</a:t>
             </a:r>
           </a:p>
@@ -4815,7 +4862,7 @@
               <a:buChar char="•"/>
             </a:pPr>
             <a:r>
-              <a:rPr lang="en-US" sz="3600" b="1" dirty="0" smtClean="0"/>
+              <a:rPr lang="en-US" sz="3600" b="1" dirty="0"/>
               <a:t>Upload File</a:t>
             </a:r>
           </a:p>
@@ -4825,7 +4872,7 @@
               <a:buChar char="•"/>
             </a:pPr>
             <a:r>
-              <a:rPr lang="en-US" sz="3600" b="1" dirty="0" smtClean="0"/>
+              <a:rPr lang="en-US" sz="3600" b="1" dirty="0"/>
               <a:t>Edit Code</a:t>
             </a:r>
           </a:p>
@@ -4835,7 +4882,7 @@
               <a:buChar char="•"/>
             </a:pPr>
             <a:r>
-              <a:rPr lang="en-US" sz="3600" b="1" dirty="0" smtClean="0"/>
+              <a:rPr lang="en-US" sz="3600" b="1" dirty="0"/>
               <a:t>Test against other bots</a:t>
             </a:r>
           </a:p>
@@ -4845,7 +4892,7 @@
               <a:buChar char="•"/>
             </a:pPr>
             <a:r>
-              <a:rPr lang="en-US" sz="3600" b="1" dirty="0" smtClean="0"/>
+              <a:rPr lang="en-US" sz="3600" b="1" dirty="0"/>
               <a:t>Public Bot</a:t>
             </a:r>
           </a:p>
@@ -4855,7 +4902,7 @@
               <a:buChar char="•"/>
             </a:pPr>
             <a:r>
-              <a:rPr lang="en-US" sz="3600" b="1" dirty="0" smtClean="0"/>
+              <a:rPr lang="en-US" sz="3600" b="1" dirty="0"/>
               <a:t>Default Bot</a:t>
             </a:r>
           </a:p>
@@ -4864,7 +4911,7 @@
               <a:buFont typeface="Arial" panose="020B0604020202020204" pitchFamily="34" charset="0"/>
               <a:buChar char="•"/>
             </a:pPr>
-            <a:endParaRPr lang="en-US" sz="3600" b="1" dirty="0" smtClean="0"/>
+            <a:endParaRPr lang="en-US" sz="3600" b="1" dirty="0"/>
           </a:p>
         </p:txBody>
       </p:sp>
@@ -4878,13 +4925,6 @@
   <p:clrMapOvr>
     <a:masterClrMapping/>
   </p:clrMapOvr>
-  <p:timing>
-    <p:tnLst>
-      <p:par>
-        <p:cTn id="1" dur="indefinite" restart="never" nodeType="tmRoot"/>
-      </p:par>
-    </p:tnLst>
-  </p:timing>
 </p:sld>
 </file>
 
@@ -4997,13 +5037,6 @@
   <p:clrMapOvr>
     <a:masterClrMapping/>
   </p:clrMapOvr>
-  <p:timing>
-    <p:tnLst>
-      <p:par>
-        <p:cTn id="1" dur="indefinite" restart="never" nodeType="tmRoot"/>
-      </p:par>
-    </p:tnLst>
-  </p:timing>
 </p:sld>
 </file>
 
@@ -5170,13 +5203,6 @@
   <p:clrMapOvr>
     <a:masterClrMapping/>
   </p:clrMapOvr>
-  <p:timing>
-    <p:tnLst>
-      <p:par>
-        <p:cTn id="1" dur="indefinite" restart="never" nodeType="tmRoot"/>
-      </p:par>
-    </p:tnLst>
-  </p:timing>
 </p:sld>
 </file>
 
@@ -5622,7 +5648,7 @@
               <a:tabLst/>
             </a:pPr>
             <a:r>
-              <a:rPr lang="en-US" sz="1600" dirty="0" smtClean="0">
+              <a:rPr lang="en-US" sz="1600" dirty="0">
                 <a:solidFill>
                   <a:srgbClr val="92D050"/>
                 </a:solidFill>
@@ -5650,7 +5676,7 @@
               <a:buNone/>
               <a:tabLst/>
             </a:pPr>
-            <a:endParaRPr lang="en-US" sz="1600" dirty="0" smtClean="0">
+            <a:endParaRPr lang="en-US" sz="1600" dirty="0">
               <a:solidFill>
                 <a:srgbClr val="92D050"/>
               </a:solidFill>
@@ -5688,24 +5714,10 @@
                 <a:ea typeface="ＭＳ Ｐゴシック" pitchFamily="-112" charset="-128"/>
                 <a:cs typeface="ＭＳ Ｐゴシック" pitchFamily="-112" charset="-128"/>
               </a:rPr>
-              <a:t>p</a:t>
+              <a:t>public static void main(String </a:t>
             </a:r>
             <a:r>
-              <a:rPr lang="en-US" sz="1600" dirty="0" smtClean="0">
-                <a:solidFill>
-                  <a:schemeClr val="bg2">
-                    <a:lumMod val="20000"/>
-                    <a:lumOff val="80000"/>
-                  </a:schemeClr>
-                </a:solidFill>
-                <a:latin typeface="Arial" pitchFamily="-112" charset="0"/>
-                <a:ea typeface="ＭＳ Ｐゴシック" pitchFamily="-112" charset="-128"/>
-                <a:cs typeface="ＭＳ Ｐゴシック" pitchFamily="-112" charset="-128"/>
-              </a:rPr>
-              <a:t>ublic static void main(String </a:t>
-            </a:r>
-            <a:r>
-              <a:rPr lang="en-US" sz="1600" dirty="0" err="1" smtClean="0">
+              <a:rPr lang="en-US" sz="1600" dirty="0" err="1">
                 <a:solidFill>
                   <a:schemeClr val="bg2">
                     <a:lumMod val="20000"/>
@@ -5719,7 +5731,7 @@
               <a:t>args</a:t>
             </a:r>
             <a:r>
-              <a:rPr lang="en-US" sz="1600" dirty="0" smtClean="0">
+              <a:rPr lang="en-US" sz="1600" dirty="0">
                 <a:solidFill>
                   <a:schemeClr val="bg2">
                     <a:lumMod val="20000"/>
@@ -5762,24 +5774,10 @@
                 <a:ea typeface="ＭＳ Ｐゴシック" pitchFamily="-112" charset="-128"/>
                 <a:cs typeface="ＭＳ Ｐゴシック" pitchFamily="-112" charset="-128"/>
               </a:rPr>
-              <a:t> </a:t>
+              <a:t>    </a:t>
             </a:r>
             <a:r>
-              <a:rPr lang="en-US" sz="1600" dirty="0" smtClean="0">
-                <a:solidFill>
-                  <a:schemeClr val="bg2">
-                    <a:lumMod val="20000"/>
-                    <a:lumOff val="80000"/>
-                  </a:schemeClr>
-                </a:solidFill>
-                <a:latin typeface="Arial" pitchFamily="-112" charset="0"/>
-                <a:ea typeface="ＭＳ Ｐゴシック" pitchFamily="-112" charset="-128"/>
-                <a:cs typeface="ＭＳ Ｐゴシック" pitchFamily="-112" charset="-128"/>
-              </a:rPr>
-              <a:t>   </a:t>
-            </a:r>
-            <a:r>
-              <a:rPr lang="en-US" sz="1600" dirty="0" err="1" smtClean="0">
+              <a:rPr lang="en-US" sz="1600" dirty="0" err="1">
                 <a:solidFill>
                   <a:schemeClr val="bg2">
                     <a:lumMod val="20000"/>
@@ -5793,7 +5791,7 @@
               <a:t>System.out.print</a:t>
             </a:r>
             <a:r>
-              <a:rPr lang="en-US" sz="1600" dirty="0" smtClean="0">
+              <a:rPr lang="en-US" sz="1600" dirty="0">
                 <a:solidFill>
                   <a:schemeClr val="bg2">
                     <a:lumMod val="20000"/>
@@ -5806,17 +5804,6 @@
               </a:rPr>
               <a:t>(“Hello!”);</a:t>
             </a:r>
-            <a:endParaRPr lang="en-US" sz="1600" dirty="0">
-              <a:solidFill>
-                <a:schemeClr val="bg2">
-                  <a:lumMod val="20000"/>
-                  <a:lumOff val="80000"/>
-                </a:schemeClr>
-              </a:solidFill>
-              <a:latin typeface="Arial" pitchFamily="-112" charset="0"/>
-              <a:ea typeface="ＭＳ Ｐゴシック" pitchFamily="-112" charset="-128"/>
-              <a:cs typeface="ＭＳ Ｐゴシック" pitchFamily="-112" charset="-128"/>
-            </a:endParaRPr>
           </a:p>
           <a:p>
             <a:pPr marL="0" marR="0" indent="0" algn="l" defTabSz="914400" rtl="0" eaLnBrk="0" fontAlgn="base" latinLnBrk="0" hangingPunct="0">
@@ -5836,7 +5823,7 @@
               <a:tabLst/>
             </a:pPr>
             <a:r>
-              <a:rPr lang="en-US" sz="1600" dirty="0" smtClean="0">
+              <a:rPr lang="en-US" sz="1600" dirty="0">
                 <a:solidFill>
                   <a:schemeClr val="bg2">
                     <a:lumMod val="20000"/>
@@ -5862,13 +5849,6 @@
   <p:clrMapOvr>
     <a:masterClrMapping/>
   </p:clrMapOvr>
-  <p:timing>
-    <p:tnLst>
-      <p:par>
-        <p:cTn id="1" dur="indefinite" restart="never" nodeType="tmRoot"/>
-      </p:par>
-    </p:tnLst>
-  </p:timing>
 </p:sld>
 </file>
 
@@ -6264,13 +6244,6 @@
   <p:clrMapOvr>
     <a:masterClrMapping/>
   </p:clrMapOvr>
-  <p:timing>
-    <p:tnLst>
-      <p:par>
-        <p:cTn id="1" dur="indefinite" restart="never" nodeType="tmRoot"/>
-      </p:par>
-    </p:tnLst>
-  </p:timing>
 </p:sld>
 </file>
 
@@ -6666,13 +6639,6 @@
   <p:clrMapOvr>
     <a:masterClrMapping/>
   </p:clrMapOvr>
-  <p:timing>
-    <p:tnLst>
-      <p:par>
-        <p:cTn id="1" dur="indefinite" restart="never" nodeType="tmRoot"/>
-      </p:par>
-    </p:tnLst>
-  </p:timing>
 </p:sld>
 </file>
 
@@ -6717,7 +6683,7 @@
           <a:p>
             <a:pPr algn="ctr"/>
             <a:r>
-              <a:rPr lang="en-US" sz="5400" b="1" dirty="0" smtClean="0">
+              <a:rPr lang="en-US" sz="5400" b="1" dirty="0">
                 <a:ln w="1905"/>
                 <a:gradFill>
                   <a:gsLst>
@@ -6753,40 +6719,6 @@
               </a:rPr>
               <a:t>Capture The Flag</a:t>
             </a:r>
-            <a:endParaRPr lang="en-US" sz="5400" b="1" dirty="0">
-              <a:ln w="1905"/>
-              <a:gradFill>
-                <a:gsLst>
-                  <a:gs pos="0">
-                    <a:schemeClr val="accent6">
-                      <a:shade val="20000"/>
-                      <a:satMod val="200000"/>
-                    </a:schemeClr>
-                  </a:gs>
-                  <a:gs pos="78000">
-                    <a:schemeClr val="accent6">
-                      <a:tint val="90000"/>
-                      <a:shade val="89000"/>
-                      <a:satMod val="220000"/>
-                    </a:schemeClr>
-                  </a:gs>
-                  <a:gs pos="100000">
-                    <a:schemeClr val="accent6">
-                      <a:tint val="12000"/>
-                      <a:satMod val="255000"/>
-                    </a:schemeClr>
-                  </a:gs>
-                </a:gsLst>
-                <a:lin ang="5400000"/>
-              </a:gradFill>
-              <a:effectLst>
-                <a:innerShdw blurRad="69850" dist="43180" dir="5400000">
-                  <a:srgbClr val="000000">
-                    <a:alpha val="65000"/>
-                  </a:srgbClr>
-                </a:innerShdw>
-              </a:effectLst>
-            </a:endParaRPr>
           </a:p>
         </p:txBody>
       </p:sp>
@@ -6817,10 +6749,9 @@
               <a:buChar char="•"/>
             </a:pPr>
             <a:r>
-              <a:rPr lang="en-US" sz="3600" b="1" dirty="0" smtClean="0"/>
+              <a:rPr lang="en-US" sz="3600" b="1" dirty="0"/>
               <a:t>Math Based Game Challenge</a:t>
             </a:r>
-            <a:endParaRPr lang="en-US" sz="3600" b="1" dirty="0"/>
           </a:p>
           <a:p>
             <a:pPr marL="457200" indent="-457200">
@@ -6828,7 +6759,7 @@
               <a:buChar char="•"/>
             </a:pPr>
             <a:r>
-              <a:rPr lang="en-US" sz="3600" b="1" dirty="0" smtClean="0"/>
+              <a:rPr lang="en-US" sz="3600" b="1" dirty="0"/>
               <a:t>Balance Attack and Defense</a:t>
             </a:r>
           </a:p>
@@ -6838,7 +6769,7 @@
               <a:buChar char="•"/>
             </a:pPr>
             <a:r>
-              <a:rPr lang="en-US" sz="3600" b="1" dirty="0" smtClean="0"/>
+              <a:rPr lang="en-US" sz="3600" b="1" dirty="0"/>
               <a:t>Many layers of strategy</a:t>
             </a:r>
           </a:p>
@@ -6848,7 +6779,7 @@
               <a:buChar char="•"/>
             </a:pPr>
             <a:r>
-              <a:rPr lang="en-US" sz="3600" b="1" dirty="0" smtClean="0"/>
+              <a:rPr lang="en-US" sz="3600" b="1" dirty="0"/>
               <a:t>Aggressive vs Conservative</a:t>
             </a:r>
           </a:p>
@@ -6858,7 +6789,7 @@
               <a:buChar char="•"/>
             </a:pPr>
             <a:r>
-              <a:rPr lang="en-US" sz="3600" b="1" dirty="0" smtClean="0"/>
+              <a:rPr lang="en-US" sz="3600" b="1" dirty="0"/>
               <a:t>Attack Focus vs Defense</a:t>
             </a:r>
           </a:p>
@@ -6867,7 +6798,7 @@
               <a:buFont typeface="Arial" panose="020B0604020202020204" pitchFamily="34" charset="0"/>
               <a:buChar char="•"/>
             </a:pPr>
-            <a:endParaRPr lang="en-US" sz="3600" b="1" dirty="0" smtClean="0"/>
+            <a:endParaRPr lang="en-US" sz="3600" b="1" dirty="0"/>
           </a:p>
         </p:txBody>
       </p:sp>
@@ -6881,13 +6812,6 @@
   <p:clrMapOvr>
     <a:masterClrMapping/>
   </p:clrMapOvr>
-  <p:timing>
-    <p:tnLst>
-      <p:par>
-        <p:cTn id="1" dur="indefinite" restart="never" nodeType="tmRoot"/>
-      </p:par>
-    </p:tnLst>
-  </p:timing>
 </p:sld>
 </file>
 
@@ -6932,7 +6856,7 @@
           <a:p>
             <a:pPr algn="ctr"/>
             <a:r>
-              <a:rPr lang="en-US" sz="5400" b="1" dirty="0" err="1" smtClean="0">
+              <a:rPr lang="en-US" sz="5400" b="1" dirty="0" err="1">
                 <a:ln w="1905"/>
                 <a:gradFill>
                   <a:gsLst>
@@ -6969,7 +6893,7 @@
               <a:t>Bot!Battle</a:t>
             </a:r>
             <a:r>
-              <a:rPr lang="en-US" sz="5400" b="1" dirty="0" smtClean="0">
+              <a:rPr lang="en-US" sz="5400" b="1" dirty="0">
                 <a:ln w="1905"/>
                 <a:gradFill>
                   <a:gsLst>
@@ -7005,40 +6929,6 @@
               </a:rPr>
               <a:t>! System</a:t>
             </a:r>
-            <a:endParaRPr lang="en-US" sz="5400" b="1" dirty="0">
-              <a:ln w="1905"/>
-              <a:gradFill>
-                <a:gsLst>
-                  <a:gs pos="0">
-                    <a:schemeClr val="accent6">
-                      <a:shade val="20000"/>
-                      <a:satMod val="200000"/>
-                    </a:schemeClr>
-                  </a:gs>
-                  <a:gs pos="78000">
-                    <a:schemeClr val="accent6">
-                      <a:tint val="90000"/>
-                      <a:shade val="89000"/>
-                      <a:satMod val="220000"/>
-                    </a:schemeClr>
-                  </a:gs>
-                  <a:gs pos="100000">
-                    <a:schemeClr val="accent6">
-                      <a:tint val="12000"/>
-                      <a:satMod val="255000"/>
-                    </a:schemeClr>
-                  </a:gs>
-                </a:gsLst>
-                <a:lin ang="5400000"/>
-              </a:gradFill>
-              <a:effectLst>
-                <a:innerShdw blurRad="69850" dist="43180" dir="5400000">
-                  <a:srgbClr val="000000">
-                    <a:alpha val="65000"/>
-                  </a:srgbClr>
-                </a:innerShdw>
-              </a:effectLst>
-            </a:endParaRPr>
           </a:p>
         </p:txBody>
       </p:sp>
@@ -7069,7 +6959,7 @@
               <a:buChar char="•"/>
             </a:pPr>
             <a:r>
-              <a:rPr lang="en-US" sz="2800" b="1" dirty="0" smtClean="0"/>
+              <a:rPr lang="en-US" sz="2800" b="1" dirty="0"/>
               <a:t>Game Evaluation</a:t>
             </a:r>
           </a:p>
@@ -7079,7 +6969,7 @@
               <a:buChar char="•"/>
             </a:pPr>
             <a:r>
-              <a:rPr lang="en-US" sz="2800" b="1" dirty="0" smtClean="0"/>
+              <a:rPr lang="en-US" sz="2800" b="1" dirty="0"/>
               <a:t>Playback Mode</a:t>
             </a:r>
           </a:p>
@@ -7089,7 +6979,7 @@
               <a:buChar char="•"/>
             </a:pPr>
             <a:r>
-              <a:rPr lang="en-US" sz="2800" b="1" dirty="0" smtClean="0"/>
+              <a:rPr lang="en-US" sz="2800" b="1" dirty="0"/>
               <a:t>Testing Mode</a:t>
             </a:r>
           </a:p>
@@ -7099,7 +6989,7 @@
               <a:buChar char="•"/>
             </a:pPr>
             <a:r>
-              <a:rPr lang="en-US" sz="2800" b="1" dirty="0" smtClean="0"/>
+              <a:rPr lang="en-US" sz="2800" b="1" dirty="0"/>
               <a:t>Contests</a:t>
             </a:r>
           </a:p>
@@ -7109,7 +6999,7 @@
               <a:buChar char="•"/>
             </a:pPr>
             <a:r>
-              <a:rPr lang="en-US" sz="2800" b="1" dirty="0" smtClean="0"/>
+              <a:rPr lang="en-US" sz="2800" b="1" dirty="0"/>
               <a:t>Web Development</a:t>
             </a:r>
           </a:p>
@@ -7119,10 +7009,9 @@
               <a:buChar char="•"/>
             </a:pPr>
             <a:r>
-              <a:rPr lang="en-US" sz="2800" b="1" dirty="0" smtClean="0"/>
+              <a:rPr lang="en-US" sz="2800" b="1" dirty="0"/>
               <a:t>Game Challenges</a:t>
             </a:r>
-            <a:endParaRPr lang="en-US" sz="2800" b="1" dirty="0"/>
           </a:p>
         </p:txBody>
       </p:sp>
@@ -7136,13 +7025,6 @@
   <p:clrMapOvr>
     <a:masterClrMapping/>
   </p:clrMapOvr>
-  <p:timing>
-    <p:tnLst>
-      <p:par>
-        <p:cTn id="1" dur="indefinite" restart="never" nodeType="tmRoot"/>
-      </p:par>
-    </p:tnLst>
-  </p:timing>
 </p:sld>
 </file>
 
@@ -7187,7 +7069,7 @@
           <a:p>
             <a:pPr algn="ctr"/>
             <a:r>
-              <a:rPr lang="en-US" sz="5400" b="1" dirty="0" smtClean="0">
+              <a:rPr lang="en-US" sz="5400" b="1" dirty="0">
                 <a:ln w="1905"/>
                 <a:gradFill>
                   <a:gsLst>
@@ -7223,40 +7105,6 @@
               </a:rPr>
               <a:t>Playback Mode</a:t>
             </a:r>
-            <a:endParaRPr lang="en-US" sz="5400" b="1" dirty="0">
-              <a:ln w="1905"/>
-              <a:gradFill>
-                <a:gsLst>
-                  <a:gs pos="0">
-                    <a:schemeClr val="accent6">
-                      <a:shade val="20000"/>
-                      <a:satMod val="200000"/>
-                    </a:schemeClr>
-                  </a:gs>
-                  <a:gs pos="78000">
-                    <a:schemeClr val="accent6">
-                      <a:tint val="90000"/>
-                      <a:shade val="89000"/>
-                      <a:satMod val="220000"/>
-                    </a:schemeClr>
-                  </a:gs>
-                  <a:gs pos="100000">
-                    <a:schemeClr val="accent6">
-                      <a:tint val="12000"/>
-                      <a:satMod val="255000"/>
-                    </a:schemeClr>
-                  </a:gs>
-                </a:gsLst>
-                <a:lin ang="5400000"/>
-              </a:gradFill>
-              <a:effectLst>
-                <a:innerShdw blurRad="69850" dist="43180" dir="5400000">
-                  <a:srgbClr val="000000">
-                    <a:alpha val="65000"/>
-                  </a:srgbClr>
-                </a:innerShdw>
-              </a:effectLst>
-            </a:endParaRPr>
           </a:p>
         </p:txBody>
       </p:sp>
@@ -7287,7 +7135,7 @@
               <a:buChar char="•"/>
             </a:pPr>
             <a:r>
-              <a:rPr lang="en-US" sz="3600" b="1" dirty="0" smtClean="0"/>
+              <a:rPr lang="en-US" sz="3600" b="1" dirty="0"/>
               <a:t>View completed matches</a:t>
             </a:r>
           </a:p>
@@ -7297,7 +7145,7 @@
               <a:buChar char="•"/>
             </a:pPr>
             <a:r>
-              <a:rPr lang="en-US" sz="3600" b="1" dirty="0" smtClean="0"/>
+              <a:rPr lang="en-US" sz="3600" b="1" dirty="0"/>
               <a:t>Speed Slider</a:t>
             </a:r>
           </a:p>
@@ -7307,7 +7155,7 @@
               <a:buChar char="•"/>
             </a:pPr>
             <a:r>
-              <a:rPr lang="en-US" sz="3600" b="1" dirty="0" smtClean="0"/>
+              <a:rPr lang="en-US" sz="3600" b="1" dirty="0"/>
               <a:t>Turn by turn</a:t>
             </a:r>
           </a:p>
@@ -7317,7 +7165,7 @@
               <a:buChar char="•"/>
             </a:pPr>
             <a:r>
-              <a:rPr lang="en-US" sz="3600" b="1" dirty="0" smtClean="0"/>
+              <a:rPr lang="en-US" sz="3600" b="1" dirty="0"/>
               <a:t>Easy to use</a:t>
             </a:r>
           </a:p>
@@ -7326,7 +7174,7 @@
               <a:buFont typeface="Arial" panose="020B0604020202020204" pitchFamily="34" charset="0"/>
               <a:buChar char="•"/>
             </a:pPr>
-            <a:endParaRPr lang="en-US" sz="3600" b="1" dirty="0" smtClean="0"/>
+            <a:endParaRPr lang="en-US" sz="3600" b="1" dirty="0"/>
           </a:p>
         </p:txBody>
       </p:sp>
@@ -7340,13 +7188,6 @@
   <p:clrMapOvr>
     <a:masterClrMapping/>
   </p:clrMapOvr>
-  <p:timing>
-    <p:tnLst>
-      <p:par>
-        <p:cTn id="1" dur="indefinite" restart="never" nodeType="tmRoot"/>
-      </p:par>
-    </p:tnLst>
-  </p:timing>
 </p:sld>
 </file>
 
@@ -8456,13 +8297,6 @@
   <p:clrMapOvr>
     <a:masterClrMapping/>
   </p:clrMapOvr>
-  <p:timing>
-    <p:tnLst>
-      <p:par>
-        <p:cTn id="1" dur="indefinite" restart="never" nodeType="tmRoot"/>
-      </p:par>
-    </p:tnLst>
-  </p:timing>
 </p:sld>
 </file>
 
@@ -9572,13 +9406,6 @@
   <p:clrMapOvr>
     <a:masterClrMapping/>
   </p:clrMapOvr>
-  <p:timing>
-    <p:tnLst>
-      <p:par>
-        <p:cTn id="1" dur="indefinite" restart="never" nodeType="tmRoot"/>
-      </p:par>
-    </p:tnLst>
-  </p:timing>
 </p:sld>
 </file>
 
@@ -10688,13 +10515,6 @@
   <p:clrMapOvr>
     <a:masterClrMapping/>
   </p:clrMapOvr>
-  <p:timing>
-    <p:tnLst>
-      <p:par>
-        <p:cTn id="1" dur="indefinite" restart="never" nodeType="tmRoot"/>
-      </p:par>
-    </p:tnLst>
-  </p:timing>
 </p:sld>
 </file>
 
@@ -11804,13 +11624,6 @@
   <p:clrMapOvr>
     <a:masterClrMapping/>
   </p:clrMapOvr>
-  <p:timing>
-    <p:tnLst>
-      <p:par>
-        <p:cTn id="1" dur="indefinite" restart="never" nodeType="tmRoot"/>
-      </p:par>
-    </p:tnLst>
-  </p:timing>
 </p:sld>
 </file>
 

--- a/Presentation Materials/Capstone Presentation.pptx
+++ b/Presentation Materials/Capstone Presentation.pptx
@@ -27,8 +27,9 @@
     <p:sldId id="272" r:id="rId21"/>
     <p:sldId id="273" r:id="rId22"/>
     <p:sldId id="275" r:id="rId23"/>
-    <p:sldId id="282" r:id="rId24"/>
-    <p:sldId id="284" r:id="rId25"/>
+    <p:sldId id="286" r:id="rId24"/>
+    <p:sldId id="282" r:id="rId25"/>
+    <p:sldId id="284" r:id="rId26"/>
   </p:sldIdLst>
   <p:sldSz cx="9144000" cy="6858000" type="screen4x3"/>
   <p:notesSz cx="6858000" cy="9144000"/>
@@ -3853,7 +3854,7 @@
         </p:nvSpPr>
         <p:spPr>
           <a:xfrm>
-            <a:off x="798081" y="228600"/>
+            <a:off x="798078" y="1752600"/>
             <a:ext cx="7547835" cy="1938992"/>
           </a:xfrm>
           <a:prstGeom prst="rect">
@@ -3912,7 +3913,7 @@
               <a:t>Bot!Battle</a:t>
             </a:r>
             <a:r>
-              <a:rPr lang="en-US" sz="6000" b="1" cap="none" spc="50" smtClean="0">
+              <a:rPr lang="en-US" sz="6000" b="1" cap="none" spc="50" dirty="0" smtClean="0">
                 <a:ln w="11430"/>
                 <a:gradFill>
                   <a:gsLst>
@@ -3940,32 +3941,6 @@
               </a:rPr>
               <a:t>!:</a:t>
             </a:r>
-            <a:endParaRPr lang="en-US" sz="6000" b="1" cap="none" spc="50" dirty="0" smtClean="0">
-              <a:ln w="11430"/>
-              <a:gradFill>
-                <a:gsLst>
-                  <a:gs pos="25000">
-                    <a:schemeClr val="accent2">
-                      <a:satMod val="155000"/>
-                    </a:schemeClr>
-                  </a:gs>
-                  <a:gs pos="100000">
-                    <a:schemeClr val="accent2">
-                      <a:shade val="45000"/>
-                      <a:satMod val="165000"/>
-                    </a:schemeClr>
-                  </a:gs>
-                </a:gsLst>
-                <a:lin ang="5400000"/>
-              </a:gradFill>
-              <a:effectLst>
-                <a:outerShdw blurRad="76200" dist="50800" dir="5400000" algn="tl" rotWithShape="0">
-                  <a:srgbClr val="000000">
-                    <a:alpha val="65000"/>
-                  </a:srgbClr>
-                </a:outerShdw>
-              </a:effectLst>
-            </a:endParaRPr>
           </a:p>
           <a:p>
             <a:pPr algn="ctr"/>
@@ -4035,8 +4010,8 @@
         </p:nvSpPr>
         <p:spPr>
           <a:xfrm>
-            <a:off x="2640220" y="2286000"/>
-            <a:ext cx="3863558" cy="3170099"/>
+            <a:off x="1650076" y="3962400"/>
+            <a:ext cx="5843844" cy="1384995"/>
           </a:xfrm>
           <a:prstGeom prst="rect">
             <a:avLst/>
@@ -4051,414 +4026,262 @@
           <a:p>
             <a:pPr algn="ctr"/>
             <a:r>
-              <a:rPr lang="en-US" sz="4000" b="1" cap="none" spc="0" dirty="0" smtClean="0">
-                <a:ln w="24500" cmpd="dbl">
-                  <a:solidFill>
-                    <a:schemeClr val="accent2">
-                      <a:shade val="85000"/>
-                      <a:satMod val="155000"/>
-                    </a:schemeClr>
-                  </a:solidFill>
-                  <a:prstDash val="solid"/>
-                  <a:miter lim="800000"/>
-                </a:ln>
+              <a:rPr lang="en-US" sz="2800" b="1" dirty="0" smtClean="0">
+                <a:ln w="1905"/>
                 <a:gradFill>
                   <a:gsLst>
-                    <a:gs pos="10000">
-                      <a:schemeClr val="accent2">
-                        <a:tint val="10000"/>
-                        <a:satMod val="155000"/>
+                    <a:gs pos="0">
+                      <a:schemeClr val="accent6">
+                        <a:shade val="20000"/>
+                        <a:satMod val="200000"/>
                       </a:schemeClr>
                     </a:gs>
-                    <a:gs pos="60000">
-                      <a:schemeClr val="accent2">
-                        <a:tint val="30000"/>
-                        <a:satMod val="155000"/>
+                    <a:gs pos="78000">
+                      <a:schemeClr val="accent6">
+                        <a:tint val="90000"/>
+                        <a:shade val="89000"/>
+                        <a:satMod val="220000"/>
                       </a:schemeClr>
                     </a:gs>
                     <a:gs pos="100000">
-                      <a:schemeClr val="accent2">
-                        <a:tint val="73000"/>
-                        <a:satMod val="155000"/>
+                      <a:schemeClr val="accent6">
+                        <a:tint val="12000"/>
+                        <a:satMod val="255000"/>
                       </a:schemeClr>
                     </a:gs>
                   </a:gsLst>
                   <a:lin ang="5400000"/>
                 </a:gradFill>
                 <a:effectLst>
-                  <a:outerShdw blurRad="38100" dist="38100" dir="7020000" algn="tl">
+                  <a:innerShdw blurRad="69850" dist="43180" dir="5400000">
                     <a:srgbClr val="000000">
-                      <a:alpha val="35000"/>
+                      <a:alpha val="65000"/>
                     </a:srgbClr>
-                  </a:outerShdw>
+                  </a:innerShdw>
                 </a:effectLst>
               </a:rPr>
               <a:t>Josiah </a:t>
             </a:r>
             <a:r>
-              <a:rPr lang="en-US" sz="4000" b="1" cap="none" spc="0" dirty="0" err="1" smtClean="0">
-                <a:ln w="24500" cmpd="dbl">
-                  <a:solidFill>
-                    <a:schemeClr val="accent2">
-                      <a:shade val="85000"/>
-                      <a:satMod val="155000"/>
-                    </a:schemeClr>
-                  </a:solidFill>
-                  <a:prstDash val="solid"/>
-                  <a:miter lim="800000"/>
-                </a:ln>
+              <a:rPr lang="en-US" sz="2800" b="1" dirty="0" err="1" smtClean="0">
+                <a:ln w="1905"/>
                 <a:gradFill>
                   <a:gsLst>
-                    <a:gs pos="10000">
-                      <a:schemeClr val="accent2">
-                        <a:tint val="10000"/>
-                        <a:satMod val="155000"/>
+                    <a:gs pos="0">
+                      <a:schemeClr val="accent6">
+                        <a:shade val="20000"/>
+                        <a:satMod val="200000"/>
                       </a:schemeClr>
                     </a:gs>
-                    <a:gs pos="60000">
-                      <a:schemeClr val="accent2">
-                        <a:tint val="30000"/>
-                        <a:satMod val="155000"/>
+                    <a:gs pos="78000">
+                      <a:schemeClr val="accent6">
+                        <a:tint val="90000"/>
+                        <a:shade val="89000"/>
+                        <a:satMod val="220000"/>
                       </a:schemeClr>
                     </a:gs>
                     <a:gs pos="100000">
-                      <a:schemeClr val="accent2">
-                        <a:tint val="73000"/>
-                        <a:satMod val="155000"/>
+                      <a:schemeClr val="accent6">
+                        <a:tint val="12000"/>
+                        <a:satMod val="255000"/>
                       </a:schemeClr>
                     </a:gs>
                   </a:gsLst>
                   <a:lin ang="5400000"/>
                 </a:gradFill>
                 <a:effectLst>
-                  <a:outerShdw blurRad="38100" dist="38100" dir="7020000" algn="tl">
+                  <a:innerShdw blurRad="69850" dist="43180" dir="5400000">
                     <a:srgbClr val="000000">
-                      <a:alpha val="35000"/>
+                      <a:alpha val="65000"/>
                     </a:srgbClr>
-                  </a:outerShdw>
+                  </a:innerShdw>
                 </a:effectLst>
               </a:rPr>
               <a:t>Hertzler</a:t>
             </a:r>
-            <a:endParaRPr lang="en-US" sz="4000" b="1" cap="none" spc="0" dirty="0" smtClean="0">
-              <a:ln w="24500" cmpd="dbl">
-                <a:solidFill>
-                  <a:schemeClr val="accent2">
-                    <a:shade val="85000"/>
-                    <a:satMod val="155000"/>
-                  </a:schemeClr>
-                </a:solidFill>
-                <a:prstDash val="solid"/>
-                <a:miter lim="800000"/>
-              </a:ln>
+            <a:endParaRPr lang="en-US" sz="2800" b="1" dirty="0" smtClean="0">
+              <a:ln w="1905"/>
               <a:gradFill>
                 <a:gsLst>
-                  <a:gs pos="10000">
-                    <a:schemeClr val="accent2">
-                      <a:tint val="10000"/>
-                      <a:satMod val="155000"/>
+                  <a:gs pos="0">
+                    <a:schemeClr val="accent6">
+                      <a:shade val="20000"/>
+                      <a:satMod val="200000"/>
                     </a:schemeClr>
                   </a:gs>
-                  <a:gs pos="60000">
-                    <a:schemeClr val="accent2">
-                      <a:tint val="30000"/>
-                      <a:satMod val="155000"/>
+                  <a:gs pos="78000">
+                    <a:schemeClr val="accent6">
+                      <a:tint val="90000"/>
+                      <a:shade val="89000"/>
+                      <a:satMod val="220000"/>
                     </a:schemeClr>
                   </a:gs>
                   <a:gs pos="100000">
-                    <a:schemeClr val="accent2">
-                      <a:tint val="73000"/>
-                      <a:satMod val="155000"/>
+                    <a:schemeClr val="accent6">
+                      <a:tint val="12000"/>
+                      <a:satMod val="255000"/>
                     </a:schemeClr>
                   </a:gs>
                 </a:gsLst>
                 <a:lin ang="5400000"/>
               </a:gradFill>
               <a:effectLst>
-                <a:outerShdw blurRad="38100" dist="38100" dir="7020000" algn="tl">
+                <a:innerShdw blurRad="69850" dist="43180" dir="5400000">
                   <a:srgbClr val="000000">
-                    <a:alpha val="35000"/>
+                    <a:alpha val="65000"/>
                   </a:srgbClr>
-                </a:outerShdw>
+                </a:innerShdw>
               </a:effectLst>
             </a:endParaRPr>
           </a:p>
           <a:p>
             <a:pPr algn="ctr"/>
             <a:r>
-              <a:rPr lang="en-US" sz="4000" b="1" dirty="0" err="1" smtClean="0">
-                <a:ln w="24500" cmpd="dbl">
-                  <a:solidFill>
-                    <a:schemeClr val="accent2">
-                      <a:shade val="85000"/>
-                      <a:satMod val="155000"/>
-                    </a:schemeClr>
-                  </a:solidFill>
-                  <a:prstDash val="solid"/>
-                  <a:miter lim="800000"/>
-                </a:ln>
+              <a:rPr lang="en-US" sz="2800" b="1" dirty="0" err="1" smtClean="0">
+                <a:ln w="1905"/>
                 <a:gradFill>
                   <a:gsLst>
-                    <a:gs pos="10000">
-                      <a:schemeClr val="accent2">
-                        <a:tint val="10000"/>
-                        <a:satMod val="155000"/>
+                    <a:gs pos="0">
+                      <a:schemeClr val="accent6">
+                        <a:shade val="20000"/>
+                        <a:satMod val="200000"/>
                       </a:schemeClr>
                     </a:gs>
-                    <a:gs pos="60000">
-                      <a:schemeClr val="accent2">
-                        <a:tint val="30000"/>
-                        <a:satMod val="155000"/>
+                    <a:gs pos="78000">
+                      <a:schemeClr val="accent6">
+                        <a:tint val="90000"/>
+                        <a:shade val="89000"/>
+                        <a:satMod val="220000"/>
                       </a:schemeClr>
                     </a:gs>
                     <a:gs pos="100000">
-                      <a:schemeClr val="accent2">
-                        <a:tint val="73000"/>
-                        <a:satMod val="155000"/>
+                      <a:schemeClr val="accent6">
+                        <a:tint val="12000"/>
+                        <a:satMod val="255000"/>
                       </a:schemeClr>
                     </a:gs>
                   </a:gsLst>
                   <a:lin ang="5400000"/>
                 </a:gradFill>
                 <a:effectLst>
-                  <a:outerShdw blurRad="38100" dist="38100" dir="7020000" algn="tl">
+                  <a:innerShdw blurRad="69850" dist="43180" dir="5400000">
                     <a:srgbClr val="000000">
-                      <a:alpha val="35000"/>
+                      <a:alpha val="65000"/>
                     </a:srgbClr>
-                  </a:outerShdw>
+                  </a:innerShdw>
                 </a:effectLst>
               </a:rPr>
               <a:t>Taha</a:t>
             </a:r>
             <a:r>
-              <a:rPr lang="en-US" sz="4000" b="1" dirty="0" smtClean="0">
-                <a:ln w="24500" cmpd="dbl">
-                  <a:solidFill>
-                    <a:schemeClr val="accent2">
-                      <a:shade val="85000"/>
-                      <a:satMod val="155000"/>
-                    </a:schemeClr>
-                  </a:solidFill>
-                  <a:prstDash val="solid"/>
-                  <a:miter lim="800000"/>
-                </a:ln>
+              <a:rPr lang="en-US" sz="2800" b="1" dirty="0" smtClean="0">
+                <a:ln w="1905"/>
                 <a:gradFill>
                   <a:gsLst>
-                    <a:gs pos="10000">
-                      <a:schemeClr val="accent2">
-                        <a:tint val="10000"/>
-                        <a:satMod val="155000"/>
+                    <a:gs pos="0">
+                      <a:schemeClr val="accent6">
+                        <a:shade val="20000"/>
+                        <a:satMod val="200000"/>
                       </a:schemeClr>
                     </a:gs>
-                    <a:gs pos="60000">
-                      <a:schemeClr val="accent2">
-                        <a:tint val="30000"/>
-                        <a:satMod val="155000"/>
+                    <a:gs pos="78000">
+                      <a:schemeClr val="accent6">
+                        <a:tint val="90000"/>
+                        <a:shade val="89000"/>
+                        <a:satMod val="220000"/>
                       </a:schemeClr>
                     </a:gs>
                     <a:gs pos="100000">
-                      <a:schemeClr val="accent2">
-                        <a:tint val="73000"/>
-                        <a:satMod val="155000"/>
+                      <a:schemeClr val="accent6">
+                        <a:tint val="12000"/>
+                        <a:satMod val="255000"/>
                       </a:schemeClr>
                     </a:gs>
                   </a:gsLst>
                   <a:lin ang="5400000"/>
                 </a:gradFill>
                 <a:effectLst>
-                  <a:outerShdw blurRad="38100" dist="38100" dir="7020000" algn="tl">
+                  <a:innerShdw blurRad="69850" dist="43180" dir="5400000">
                     <a:srgbClr val="000000">
-                      <a:alpha val="35000"/>
+                      <a:alpha val="65000"/>
                     </a:srgbClr>
-                  </a:outerShdw>
+                  </a:innerShdw>
                 </a:effectLst>
               </a:rPr>
-              <a:t> Siddique</a:t>
+              <a:t> Siddique      Jack McFann</a:t>
             </a:r>
           </a:p>
           <a:p>
             <a:pPr algn="ctr"/>
             <a:r>
-              <a:rPr lang="en-US" sz="4000" b="1" cap="none" spc="0" dirty="0" smtClean="0">
-                <a:ln w="24500" cmpd="dbl">
-                  <a:solidFill>
-                    <a:schemeClr val="accent2">
-                      <a:shade val="85000"/>
-                      <a:satMod val="155000"/>
-                    </a:schemeClr>
-                  </a:solidFill>
-                  <a:prstDash val="solid"/>
-                  <a:miter lim="800000"/>
-                </a:ln>
+              <a:rPr lang="en-US" sz="2800" b="1" dirty="0" smtClean="0">
+                <a:ln w="1905"/>
                 <a:gradFill>
                   <a:gsLst>
-                    <a:gs pos="10000">
-                      <a:schemeClr val="accent2">
-                        <a:tint val="10000"/>
-                        <a:satMod val="155000"/>
+                    <a:gs pos="0">
+                      <a:schemeClr val="accent6">
+                        <a:shade val="20000"/>
+                        <a:satMod val="200000"/>
                       </a:schemeClr>
                     </a:gs>
-                    <a:gs pos="60000">
-                      <a:schemeClr val="accent2">
-                        <a:tint val="30000"/>
-                        <a:satMod val="155000"/>
+                    <a:gs pos="78000">
+                      <a:schemeClr val="accent6">
+                        <a:tint val="90000"/>
+                        <a:shade val="89000"/>
+                        <a:satMod val="220000"/>
                       </a:schemeClr>
                     </a:gs>
                     <a:gs pos="100000">
-                      <a:schemeClr val="accent2">
-                        <a:tint val="73000"/>
-                        <a:satMod val="155000"/>
+                      <a:schemeClr val="accent6">
+                        <a:tint val="12000"/>
+                        <a:satMod val="255000"/>
                       </a:schemeClr>
                     </a:gs>
                   </a:gsLst>
                   <a:lin ang="5400000"/>
                 </a:gradFill>
                 <a:effectLst>
-                  <a:outerShdw blurRad="38100" dist="38100" dir="7020000" algn="tl">
+                  <a:innerShdw blurRad="69850" dist="43180" dir="5400000">
                     <a:srgbClr val="000000">
-                      <a:alpha val="35000"/>
+                      <a:alpha val="65000"/>
                     </a:srgbClr>
-                  </a:outerShdw>
+                  </a:innerShdw>
                 </a:effectLst>
               </a:rPr>
-              <a:t>Jack McFann</a:t>
+              <a:t>  Tom Hoffman       Sawyer Brown</a:t>
             </a:r>
-          </a:p>
-          <a:p>
-            <a:pPr algn="ctr"/>
-            <a:r>
-              <a:rPr lang="en-US" sz="4000" b="1" dirty="0" smtClean="0">
-                <a:ln w="24500" cmpd="dbl">
-                  <a:solidFill>
-                    <a:schemeClr val="accent2">
-                      <a:shade val="85000"/>
-                      <a:satMod val="155000"/>
-                    </a:schemeClr>
-                  </a:solidFill>
-                  <a:prstDash val="solid"/>
-                  <a:miter lim="800000"/>
-                </a:ln>
-                <a:gradFill>
-                  <a:gsLst>
-                    <a:gs pos="10000">
-                      <a:schemeClr val="accent2">
-                        <a:tint val="10000"/>
-                        <a:satMod val="155000"/>
-                      </a:schemeClr>
-                    </a:gs>
-                    <a:gs pos="60000">
-                      <a:schemeClr val="accent2">
-                        <a:tint val="30000"/>
-                        <a:satMod val="155000"/>
-                      </a:schemeClr>
-                    </a:gs>
-                    <a:gs pos="100000">
-                      <a:schemeClr val="accent2">
-                        <a:tint val="73000"/>
-                        <a:satMod val="155000"/>
-                      </a:schemeClr>
-                    </a:gs>
-                  </a:gsLst>
-                  <a:lin ang="5400000"/>
-                </a:gradFill>
-                <a:effectLst>
-                  <a:outerShdw blurRad="38100" dist="38100" dir="7020000" algn="tl">
-                    <a:srgbClr val="000000">
-                      <a:alpha val="35000"/>
-                    </a:srgbClr>
-                  </a:outerShdw>
-                </a:effectLst>
-              </a:rPr>
-              <a:t>Tom Hoffman</a:t>
-            </a:r>
-          </a:p>
-          <a:p>
-            <a:pPr algn="ctr"/>
-            <a:r>
-              <a:rPr lang="en-US" sz="4000" b="1" cap="none" spc="0" dirty="0" smtClean="0">
-                <a:ln w="24500" cmpd="dbl">
-                  <a:solidFill>
-                    <a:schemeClr val="accent2">
-                      <a:shade val="85000"/>
-                      <a:satMod val="155000"/>
-                    </a:schemeClr>
-                  </a:solidFill>
-                  <a:prstDash val="solid"/>
-                  <a:miter lim="800000"/>
-                </a:ln>
-                <a:gradFill>
-                  <a:gsLst>
-                    <a:gs pos="10000">
-                      <a:schemeClr val="accent2">
-                        <a:tint val="10000"/>
-                        <a:satMod val="155000"/>
-                      </a:schemeClr>
-                    </a:gs>
-                    <a:gs pos="60000">
-                      <a:schemeClr val="accent2">
-                        <a:tint val="30000"/>
-                        <a:satMod val="155000"/>
-                      </a:schemeClr>
-                    </a:gs>
-                    <a:gs pos="100000">
-                      <a:schemeClr val="accent2">
-                        <a:tint val="73000"/>
-                        <a:satMod val="155000"/>
-                      </a:schemeClr>
-                    </a:gs>
-                  </a:gsLst>
-                  <a:lin ang="5400000"/>
-                </a:gradFill>
-                <a:effectLst>
-                  <a:outerShdw blurRad="38100" dist="38100" dir="7020000" algn="tl">
-                    <a:srgbClr val="000000">
-                      <a:alpha val="35000"/>
-                    </a:srgbClr>
-                  </a:outerShdw>
-                </a:effectLst>
-              </a:rPr>
-              <a:t>Sawyer Brown</a:t>
-            </a:r>
-            <a:endParaRPr lang="en-US" sz="4000" b="1" cap="none" spc="0" dirty="0">
-              <a:ln w="24500" cmpd="dbl">
-                <a:solidFill>
-                  <a:schemeClr val="accent2">
-                    <a:shade val="85000"/>
-                    <a:satMod val="155000"/>
-                  </a:schemeClr>
-                </a:solidFill>
-                <a:prstDash val="solid"/>
-                <a:miter lim="800000"/>
-              </a:ln>
+            <a:endParaRPr lang="en-US" sz="2800" b="1" dirty="0">
+              <a:ln w="1905"/>
               <a:gradFill>
                 <a:gsLst>
-                  <a:gs pos="10000">
-                    <a:schemeClr val="accent2">
-                      <a:tint val="10000"/>
-                      <a:satMod val="155000"/>
+                  <a:gs pos="0">
+                    <a:schemeClr val="accent6">
+                      <a:shade val="20000"/>
+                      <a:satMod val="200000"/>
                     </a:schemeClr>
                   </a:gs>
-                  <a:gs pos="60000">
-                    <a:schemeClr val="accent2">
-                      <a:tint val="30000"/>
-                      <a:satMod val="155000"/>
+                  <a:gs pos="78000">
+                    <a:schemeClr val="accent6">
+                      <a:tint val="90000"/>
+                      <a:shade val="89000"/>
+                      <a:satMod val="220000"/>
                     </a:schemeClr>
                   </a:gs>
                   <a:gs pos="100000">
-                    <a:schemeClr val="accent2">
-                      <a:tint val="73000"/>
-                      <a:satMod val="155000"/>
+                    <a:schemeClr val="accent6">
+                      <a:tint val="12000"/>
+                      <a:satMod val="255000"/>
                     </a:schemeClr>
                   </a:gs>
                 </a:gsLst>
                 <a:lin ang="5400000"/>
               </a:gradFill>
               <a:effectLst>
-                <a:outerShdw blurRad="38100" dist="38100" dir="7020000" algn="tl">
+                <a:innerShdw blurRad="69850" dist="43180" dir="5400000">
                   <a:srgbClr val="000000">
-                    <a:alpha val="35000"/>
+                    <a:alpha val="65000"/>
                   </a:srgbClr>
-                </a:outerShdw>
+                </a:innerShdw>
               </a:effectLst>
             </a:endParaRPr>
           </a:p>
@@ -11408,7 +11231,7 @@
         </p:nvSpPr>
         <p:spPr>
           <a:xfrm>
-            <a:off x="601282" y="1265107"/>
+            <a:off x="601282" y="1371600"/>
             <a:ext cx="7628318" cy="4524315"/>
           </a:xfrm>
           <a:prstGeom prst="rect">
@@ -11428,7 +11251,7 @@
             </a:pPr>
             <a:r>
               <a:rPr lang="en-US" sz="3600" b="1" dirty="0" smtClean="0"/>
-              <a:t>Debugging Mode</a:t>
+              <a:t>Debugging Display</a:t>
             </a:r>
             <a:endParaRPr lang="en-US" sz="3600" b="1" dirty="0"/>
           </a:p>
@@ -11439,7 +11262,7 @@
             </a:pPr>
             <a:r>
               <a:rPr lang="en-US" sz="3600" b="1" dirty="0" smtClean="0"/>
-              <a:t>Update bot each turn</a:t>
+              <a:t>Alter your bot</a:t>
             </a:r>
           </a:p>
           <a:p>
@@ -11469,7 +11292,7 @@
             </a:pPr>
             <a:r>
               <a:rPr lang="en-US" sz="3600" b="1" dirty="0" smtClean="0"/>
-              <a:t>Test against other bots</a:t>
+              <a:t>Test other bots</a:t>
             </a:r>
           </a:p>
           <a:p>
@@ -13485,6 +13308,140 @@
 </file>
 
 <file path=ppt/slides/slide22.xml><?xml version="1.0" encoding="utf-8"?>
+<p:sld xmlns:a="http://schemas.openxmlformats.org/drawingml/2006/main" xmlns:r="http://schemas.openxmlformats.org/officeDocument/2006/relationships" xmlns:p="http://schemas.openxmlformats.org/presentationml/2006/main">
+  <p:cSld>
+    <p:spTree>
+      <p:nvGrpSpPr>
+        <p:cNvPr id="1" name=""/>
+        <p:cNvGrpSpPr/>
+        <p:nvPr/>
+      </p:nvGrpSpPr>
+      <p:grpSpPr>
+        <a:xfrm>
+          <a:off x="0" y="0"/>
+          <a:ext cx="0" cy="0"/>
+          <a:chOff x="0" y="0"/>
+          <a:chExt cx="0" cy="0"/>
+        </a:xfrm>
+      </p:grpSpPr>
+      <p:sp>
+        <p:nvSpPr>
+          <p:cNvPr id="2" name="Rectangle 1"/>
+          <p:cNvSpPr/>
+          <p:nvPr/>
+        </p:nvSpPr>
+        <p:spPr>
+          <a:xfrm>
+            <a:off x="1394605" y="2409825"/>
+            <a:ext cx="5993950" cy="923330"/>
+          </a:xfrm>
+          <a:prstGeom prst="rect">
+            <a:avLst/>
+          </a:prstGeom>
+          <a:noFill/>
+        </p:spPr>
+        <p:txBody>
+          <a:bodyPr wrap="none" lIns="91440" tIns="45720" rIns="91440" bIns="45720">
+            <a:spAutoFit/>
+          </a:bodyPr>
+          <a:lstStyle/>
+          <a:p>
+            <a:pPr algn="ctr"/>
+            <a:r>
+              <a:rPr lang="en-US" sz="5400" b="1" dirty="0" smtClean="0">
+                <a:ln w="1905"/>
+                <a:gradFill>
+                  <a:gsLst>
+                    <a:gs pos="0">
+                      <a:schemeClr val="accent6">
+                        <a:shade val="20000"/>
+                        <a:satMod val="200000"/>
+                      </a:schemeClr>
+                    </a:gs>
+                    <a:gs pos="78000">
+                      <a:schemeClr val="accent6">
+                        <a:tint val="90000"/>
+                        <a:shade val="89000"/>
+                        <a:satMod val="220000"/>
+                      </a:schemeClr>
+                    </a:gs>
+                    <a:gs pos="100000">
+                      <a:schemeClr val="accent6">
+                        <a:tint val="12000"/>
+                        <a:satMod val="255000"/>
+                      </a:schemeClr>
+                    </a:gs>
+                  </a:gsLst>
+                  <a:lin ang="5400000"/>
+                </a:gradFill>
+                <a:effectLst>
+                  <a:innerShdw blurRad="69850" dist="43180" dir="5400000">
+                    <a:srgbClr val="000000">
+                      <a:alpha val="65000"/>
+                    </a:srgbClr>
+                  </a:innerShdw>
+                </a:effectLst>
+              </a:rPr>
+              <a:t>Game Challenges</a:t>
+            </a:r>
+            <a:endParaRPr lang="en-US" sz="5400" b="1" dirty="0">
+              <a:ln w="1905"/>
+              <a:gradFill>
+                <a:gsLst>
+                  <a:gs pos="0">
+                    <a:schemeClr val="accent6">
+                      <a:shade val="20000"/>
+                      <a:satMod val="200000"/>
+                    </a:schemeClr>
+                  </a:gs>
+                  <a:gs pos="78000">
+                    <a:schemeClr val="accent6">
+                      <a:tint val="90000"/>
+                      <a:shade val="89000"/>
+                      <a:satMod val="220000"/>
+                    </a:schemeClr>
+                  </a:gs>
+                  <a:gs pos="100000">
+                    <a:schemeClr val="accent6">
+                      <a:tint val="12000"/>
+                      <a:satMod val="255000"/>
+                    </a:schemeClr>
+                  </a:gs>
+                </a:gsLst>
+                <a:lin ang="5400000"/>
+              </a:gradFill>
+              <a:effectLst>
+                <a:innerShdw blurRad="69850" dist="43180" dir="5400000">
+                  <a:srgbClr val="000000">
+                    <a:alpha val="65000"/>
+                  </a:srgbClr>
+                </a:innerShdw>
+              </a:effectLst>
+            </a:endParaRPr>
+          </a:p>
+        </p:txBody>
+      </p:sp>
+    </p:spTree>
+    <p:extLst>
+      <p:ext uri="{BB962C8B-B14F-4D97-AF65-F5344CB8AC3E}">
+        <p14:creationId xmlns:p14="http://schemas.microsoft.com/office/powerpoint/2010/main" val="736569533"/>
+      </p:ext>
+    </p:extLst>
+  </p:cSld>
+  <p:clrMapOvr>
+    <a:masterClrMapping/>
+  </p:clrMapOvr>
+  <p:timing>
+    <p:tnLst>
+      <p:par>
+        <p:cTn id="1" dur="indefinite" restart="never" nodeType="tmRoot"/>
+      </p:par>
+    </p:tnLst>
+  </p:timing>
+</p:sld>
+</file>
+
+<file path=ppt/slides/slide23.xml><?xml version="1.0" encoding="utf-8"?>
 <p:sld xmlns:a="http://schemas.openxmlformats.org/drawingml/2006/main" xmlns:r="http://schemas.openxmlformats.org/officeDocument/2006/relationships" xmlns:p="http://schemas.openxmlformats.org/presentationml/2006/main">
   <p:cSld>
     <p:spTree>
@@ -13607,7 +13564,7 @@
         <p:spPr>
           <a:xfrm>
             <a:off x="601282" y="1603940"/>
-            <a:ext cx="7628318" cy="3416320"/>
+            <a:ext cx="7628318" cy="2862322"/>
           </a:xfrm>
           <a:prstGeom prst="rect">
             <a:avLst/>
@@ -13629,16 +13586,6 @@
               <a:t>Math Based Game Challenge</a:t>
             </a:r>
             <a:endParaRPr lang="en-US" sz="3600" b="1" dirty="0"/>
-          </a:p>
-          <a:p>
-            <a:pPr marL="457200" indent="-457200">
-              <a:buFont typeface="Arial" panose="020B0604020202020204" pitchFamily="34" charset="0"/>
-              <a:buChar char="•"/>
-            </a:pPr>
-            <a:r>
-              <a:rPr lang="en-US" sz="3600" b="1" dirty="0" smtClean="0"/>
-              <a:t>Balance Attack and Defense</a:t>
-            </a:r>
           </a:p>
           <a:p>
             <a:pPr marL="457200" indent="-457200">
@@ -13682,7 +13629,7 @@
     </p:spTree>
     <p:extLst>
       <p:ext uri="{BB962C8B-B14F-4D97-AF65-F5344CB8AC3E}">
-        <p14:creationId xmlns:p14="http://schemas.microsoft.com/office/powerpoint/2010/main" val="736569533"/>
+        <p14:creationId xmlns:p14="http://schemas.microsoft.com/office/powerpoint/2010/main" val="4164846191"/>
       </p:ext>
     </p:extLst>
   </p:cSld>
@@ -13699,7 +13646,7 @@
 </p:sld>
 </file>
 
-<file path=ppt/slides/slide23.xml><?xml version="1.0" encoding="utf-8"?>
+<file path=ppt/slides/slide24.xml><?xml version="1.0" encoding="utf-8"?>
 <p:sld xmlns:a="http://schemas.openxmlformats.org/drawingml/2006/main" xmlns:r="http://schemas.openxmlformats.org/officeDocument/2006/relationships" xmlns:p="http://schemas.openxmlformats.org/presentationml/2006/main">
   <p:cSld>
     <p:spTree>
@@ -14230,7 +14177,7 @@
 </p:sld>
 </file>
 
-<file path=ppt/slides/slide24.xml><?xml version="1.0" encoding="utf-8"?>
+<file path=ppt/slides/slide25.xml><?xml version="1.0" encoding="utf-8"?>
 <p:sld xmlns:a="http://schemas.openxmlformats.org/drawingml/2006/main" xmlns:r="http://schemas.openxmlformats.org/officeDocument/2006/relationships" xmlns:p="http://schemas.openxmlformats.org/presentationml/2006/main">
   <p:cSld>
     <p:spTree>
@@ -14501,7 +14448,7 @@
         </p:blipFill>
         <p:spPr bwMode="auto">
           <a:xfrm>
-            <a:off x="4574929" y="2451996"/>
+            <a:off x="4961318" y="2451996"/>
             <a:ext cx="3660060" cy="2272404"/>
           </a:xfrm>
           <a:prstGeom prst="rect">
@@ -14575,7 +14522,7 @@
         </p:blipFill>
         <p:spPr bwMode="auto">
           <a:xfrm>
-            <a:off x="304800" y="4342745"/>
+            <a:off x="371474" y="4267200"/>
             <a:ext cx="3476625" cy="1352550"/>
           </a:xfrm>
           <a:prstGeom prst="rect">
@@ -14614,7 +14561,7 @@
         </p:nvSpPr>
         <p:spPr>
           <a:xfrm>
-            <a:off x="1295400" y="3374101"/>
+            <a:off x="1815116" y="3524250"/>
             <a:ext cx="4580318" cy="523220"/>
           </a:xfrm>
           <a:prstGeom prst="rect">
@@ -14676,7 +14623,7 @@
         </p:nvSpPr>
         <p:spPr>
           <a:xfrm rot="10800000">
-            <a:off x="-24440" y="3450375"/>
+            <a:off x="371474" y="3588198"/>
             <a:ext cx="4580318" cy="523220"/>
           </a:xfrm>
           <a:prstGeom prst="rect">
@@ -14724,7 +14671,7 @@
         </p:blipFill>
         <p:spPr bwMode="auto">
           <a:xfrm>
-            <a:off x="273240" y="1240665"/>
+            <a:off x="371475" y="1600200"/>
             <a:ext cx="3539744" cy="1608336"/>
           </a:xfrm>
           <a:prstGeom prst="rect">
@@ -14897,8 +14844,8 @@
         </p:nvSpPr>
         <p:spPr>
           <a:xfrm>
-            <a:off x="380999" y="1676400"/>
-            <a:ext cx="8299413" cy="3539430"/>
+            <a:off x="380998" y="1704975"/>
+            <a:ext cx="8299413" cy="2246769"/>
           </a:xfrm>
           <a:prstGeom prst="rect">
             <a:avLst/>
@@ -14931,16 +14878,6 @@
             </a:r>
           </a:p>
           <a:p>
-            <a:pPr marL="914400" lvl="1" indent="-457200">
-              <a:buFont typeface="Arial" panose="020B0604020202020204" pitchFamily="34" charset="0"/>
-              <a:buChar char="•"/>
-            </a:pPr>
-            <a:r>
-              <a:rPr lang="en-US" sz="2800" b="1" dirty="0" smtClean="0"/>
-              <a:t>Server code to find completed games</a:t>
-            </a:r>
-          </a:p>
-          <a:p>
             <a:pPr marL="457200" indent="-457200">
               <a:buFont typeface="Arial" panose="020B0604020202020204" pitchFamily="34" charset="0"/>
               <a:buChar char="•"/>
@@ -14948,26 +14885,6 @@
             <a:r>
               <a:rPr lang="en-US" sz="2800" b="1" dirty="0" smtClean="0"/>
               <a:t>A space for users to test code</a:t>
-            </a:r>
-          </a:p>
-          <a:p>
-            <a:pPr marL="914400" lvl="1" indent="-457200">
-              <a:buFont typeface="Arial" panose="020B0604020202020204" pitchFamily="34" charset="0"/>
-              <a:buChar char="•"/>
-            </a:pPr>
-            <a:r>
-              <a:rPr lang="en-US" sz="2800" b="1" dirty="0" smtClean="0"/>
-              <a:t>Multiple ways to upload</a:t>
-            </a:r>
-          </a:p>
-          <a:p>
-            <a:pPr marL="914400" lvl="1" indent="-457200">
-              <a:buFont typeface="Arial" panose="020B0604020202020204" pitchFamily="34" charset="0"/>
-              <a:buChar char="•"/>
-            </a:pPr>
-            <a:r>
-              <a:rPr lang="en-US" sz="2800" b="1" dirty="0" smtClean="0"/>
-              <a:t>Can edit uploaded code</a:t>
             </a:r>
           </a:p>
           <a:p>
@@ -15414,8 +15331,37 @@
         </p:nvSpPr>
         <p:spPr>
           <a:xfrm>
-            <a:off x="76200" y="1752599"/>
+            <a:off x="152400" y="1752598"/>
             <a:ext cx="7628318" cy="769441"/>
+          </a:xfrm>
+          <a:prstGeom prst="rect">
+            <a:avLst/>
+          </a:prstGeom>
+          <a:noFill/>
+        </p:spPr>
+        <p:txBody>
+          <a:bodyPr wrap="square" rtlCol="0">
+            <a:spAutoFit/>
+          </a:bodyPr>
+          <a:lstStyle/>
+          <a:p>
+            <a:r>
+              <a:rPr lang="en-US" sz="4400" b="1" dirty="0" smtClean="0"/>
+              <a:t>Playback Mode</a:t>
+            </a:r>
+          </a:p>
+        </p:txBody>
+      </p:sp>
+      <p:sp>
+        <p:nvSpPr>
+          <p:cNvPr id="5" name="TextBox 4"/>
+          <p:cNvSpPr txBox="1"/>
+          <p:nvPr/>
+        </p:nvSpPr>
+        <p:spPr>
+          <a:xfrm>
+            <a:off x="4810125" y="1752600"/>
+            <a:ext cx="4876800" cy="769441"/>
           </a:xfrm>
           <a:prstGeom prst="rect">
             <a:avLst/>
@@ -15435,35 +15381,6 @@
           </a:p>
         </p:txBody>
       </p:sp>
-      <p:sp>
-        <p:nvSpPr>
-          <p:cNvPr id="5" name="TextBox 4"/>
-          <p:cNvSpPr txBox="1"/>
-          <p:nvPr/>
-        </p:nvSpPr>
-        <p:spPr>
-          <a:xfrm>
-            <a:off x="4572000" y="1752600"/>
-            <a:ext cx="4876800" cy="769441"/>
-          </a:xfrm>
-          <a:prstGeom prst="rect">
-            <a:avLst/>
-          </a:prstGeom>
-          <a:noFill/>
-        </p:spPr>
-        <p:txBody>
-          <a:bodyPr wrap="square" rtlCol="0">
-            <a:spAutoFit/>
-          </a:bodyPr>
-          <a:lstStyle/>
-          <a:p>
-            <a:r>
-              <a:rPr lang="en-US" sz="4400" b="1" dirty="0" smtClean="0"/>
-              <a:t>Playback Mode</a:t>
-            </a:r>
-          </a:p>
-        </p:txBody>
-      </p:sp>
       <p:pic>
         <p:nvPicPr>
           <p:cNvPr id="6" name="Picture 2"/>
@@ -15487,7 +15404,7 @@
         </p:blipFill>
         <p:spPr bwMode="auto">
           <a:xfrm>
-            <a:off x="4800600" y="2667000"/>
+            <a:off x="4810125" y="2705355"/>
             <a:ext cx="4012979" cy="2316435"/>
           </a:xfrm>
           <a:prstGeom prst="rect">
@@ -15541,7 +15458,7 @@
         </p:blipFill>
         <p:spPr bwMode="auto">
           <a:xfrm>
-            <a:off x="85726" y="2667000"/>
+            <a:off x="381000" y="2681669"/>
             <a:ext cx="3813926" cy="2363805"/>
           </a:xfrm>
           <a:prstGeom prst="rect">

--- a/Presentation Materials/Capstone Presentation.pptx
+++ b/Presentation Materials/Capstone Presentation.pptx
@@ -26,10 +26,11 @@
     <p:sldId id="270" r:id="rId20"/>
     <p:sldId id="272" r:id="rId21"/>
     <p:sldId id="273" r:id="rId22"/>
-    <p:sldId id="275" r:id="rId23"/>
-    <p:sldId id="286" r:id="rId24"/>
-    <p:sldId id="282" r:id="rId25"/>
-    <p:sldId id="284" r:id="rId26"/>
+    <p:sldId id="287" r:id="rId23"/>
+    <p:sldId id="275" r:id="rId24"/>
+    <p:sldId id="286" r:id="rId25"/>
+    <p:sldId id="282" r:id="rId26"/>
+    <p:sldId id="284" r:id="rId27"/>
   </p:sldIdLst>
   <p:sldSz cx="9144000" cy="6858000" type="screen4x3"/>
   <p:notesSz cx="6858000" cy="9144000"/>
@@ -128,6 +129,22 @@
       </a:defRPr>
     </a:lvl9pPr>
   </p:defaultTextStyle>
+  <p:extLst>
+    <p:ext uri="{EFAFB233-063F-42B5-8137-9DF3F51BA10A}">
+      <p15:sldGuideLst xmlns:p15="http://schemas.microsoft.com/office/powerpoint/2012/main">
+        <p15:guide id="1" orient="horz" pos="2160">
+          <p15:clr>
+            <a:srgbClr val="A4A3A4"/>
+          </p15:clr>
+        </p15:guide>
+        <p15:guide id="2" pos="2880">
+          <p15:clr>
+            <a:srgbClr val="A4A3A4"/>
+          </p15:clr>
+        </p15:guide>
+      </p15:sldGuideLst>
+    </p:ext>
+  </p:extLst>
 </p:presentation>
 </file>
 
@@ -172,10 +189,9 @@
           <a:lstStyle/>
           <a:p>
             <a:r>
-              <a:rPr lang="en-US" smtClean="0"/>
+              <a:rPr lang="en-US"/>
               <a:t>Click to edit Master title style</a:t>
             </a:r>
-            <a:endParaRPr lang="en-US"/>
           </a:p>
         </p:txBody>
       </p:sp>
@@ -240,10 +256,9 @@
           </a:lstStyle>
           <a:p>
             <a:r>
-              <a:rPr lang="en-US" smtClean="0"/>
+              <a:rPr lang="en-US"/>
               <a:t>Click to edit Master subtitle style</a:t>
             </a:r>
-            <a:endParaRPr lang="en-US"/>
           </a:p>
         </p:txBody>
       </p:sp>
@@ -397,10 +412,9 @@
           <a:lstStyle/>
           <a:p>
             <a:r>
-              <a:rPr lang="en-US" smtClean="0"/>
+              <a:rPr lang="en-US"/>
               <a:t>Click to edit Master title style</a:t>
             </a:r>
-            <a:endParaRPr lang="en-US"/>
           </a:p>
         </p:txBody>
       </p:sp>
@@ -429,38 +443,37 @@
           <a:p>
             <a:pPr lvl="0"/>
             <a:r>
-              <a:rPr lang="en-US" smtClean="0"/>
+              <a:rPr lang="en-US"/>
               <a:t>Click to edit Master text styles</a:t>
             </a:r>
           </a:p>
           <a:p>
             <a:pPr lvl="1"/>
             <a:r>
-              <a:rPr lang="en-US" smtClean="0"/>
+              <a:rPr lang="en-US"/>
               <a:t>Second level</a:t>
             </a:r>
           </a:p>
           <a:p>
             <a:pPr lvl="2"/>
             <a:r>
-              <a:rPr lang="en-US" smtClean="0"/>
+              <a:rPr lang="en-US"/>
               <a:t>Third level</a:t>
             </a:r>
           </a:p>
           <a:p>
             <a:pPr lvl="3"/>
             <a:r>
-              <a:rPr lang="en-US" smtClean="0"/>
+              <a:rPr lang="en-US"/>
               <a:t>Fourth level</a:t>
             </a:r>
           </a:p>
           <a:p>
             <a:pPr lvl="4"/>
             <a:r>
-              <a:rPr lang="en-US" smtClean="0"/>
+              <a:rPr lang="en-US"/>
               <a:t>Fifth level</a:t>
             </a:r>
-            <a:endParaRPr lang="en-US"/>
           </a:p>
         </p:txBody>
       </p:sp>
@@ -614,10 +627,9 @@
           <a:lstStyle/>
           <a:p>
             <a:r>
-              <a:rPr lang="en-US" smtClean="0"/>
+              <a:rPr lang="en-US"/>
               <a:t>Click to edit Master title style</a:t>
             </a:r>
-            <a:endParaRPr lang="en-US"/>
           </a:p>
         </p:txBody>
       </p:sp>
@@ -646,38 +658,37 @@
           <a:p>
             <a:pPr lvl="0"/>
             <a:r>
-              <a:rPr lang="en-US" smtClean="0"/>
+              <a:rPr lang="en-US"/>
               <a:t>Click to edit Master text styles</a:t>
             </a:r>
           </a:p>
           <a:p>
             <a:pPr lvl="1"/>
             <a:r>
-              <a:rPr lang="en-US" smtClean="0"/>
+              <a:rPr lang="en-US"/>
               <a:t>Second level</a:t>
             </a:r>
           </a:p>
           <a:p>
             <a:pPr lvl="2"/>
             <a:r>
-              <a:rPr lang="en-US" smtClean="0"/>
+              <a:rPr lang="en-US"/>
               <a:t>Third level</a:t>
             </a:r>
           </a:p>
           <a:p>
             <a:pPr lvl="3"/>
             <a:r>
-              <a:rPr lang="en-US" smtClean="0"/>
+              <a:rPr lang="en-US"/>
               <a:t>Fourth level</a:t>
             </a:r>
           </a:p>
           <a:p>
             <a:pPr lvl="4"/>
             <a:r>
-              <a:rPr lang="en-US" smtClean="0"/>
+              <a:rPr lang="en-US"/>
               <a:t>Fifth level</a:t>
             </a:r>
-            <a:endParaRPr lang="en-US"/>
           </a:p>
         </p:txBody>
       </p:sp>
@@ -831,10 +842,9 @@
           <a:lstStyle/>
           <a:p>
             <a:r>
-              <a:rPr lang="en-US" smtClean="0"/>
+              <a:rPr lang="en-US"/>
               <a:t>Click to edit Master title style</a:t>
             </a:r>
-            <a:endParaRPr lang="en-US"/>
           </a:p>
         </p:txBody>
       </p:sp>
@@ -863,38 +873,37 @@
           <a:p>
             <a:pPr lvl="0"/>
             <a:r>
-              <a:rPr lang="en-US" smtClean="0"/>
+              <a:rPr lang="en-US"/>
               <a:t>Click to edit Master text styles</a:t>
             </a:r>
           </a:p>
           <a:p>
             <a:pPr lvl="1"/>
             <a:r>
-              <a:rPr lang="en-US" smtClean="0"/>
+              <a:rPr lang="en-US"/>
               <a:t>Second level</a:t>
             </a:r>
           </a:p>
           <a:p>
             <a:pPr lvl="2"/>
             <a:r>
-              <a:rPr lang="en-US" smtClean="0"/>
+              <a:rPr lang="en-US"/>
               <a:t>Third level</a:t>
             </a:r>
           </a:p>
           <a:p>
             <a:pPr lvl="3"/>
             <a:r>
-              <a:rPr lang="en-US" smtClean="0"/>
+              <a:rPr lang="en-US"/>
               <a:t>Fourth level</a:t>
             </a:r>
           </a:p>
           <a:p>
             <a:pPr lvl="4"/>
             <a:r>
-              <a:rPr lang="en-US" smtClean="0"/>
+              <a:rPr lang="en-US"/>
               <a:t>Fifth level</a:t>
             </a:r>
-            <a:endParaRPr lang="en-US"/>
           </a:p>
         </p:txBody>
       </p:sp>
@@ -1052,10 +1061,9 @@
           </a:lstStyle>
           <a:p>
             <a:r>
-              <a:rPr lang="en-US" smtClean="0"/>
+              <a:rPr lang="en-US"/>
               <a:t>Click to edit Master title style</a:t>
             </a:r>
-            <a:endParaRPr lang="en-US"/>
           </a:p>
         </p:txBody>
       </p:sp>
@@ -1121,7 +1129,7 @@
           <a:p>
             <a:pPr lvl="0"/>
             <a:r>
-              <a:rPr lang="en-US" smtClean="0"/>
+              <a:rPr lang="en-US"/>
               <a:t>Click to edit Master text styles</a:t>
             </a:r>
           </a:p>
@@ -1277,10 +1285,9 @@
           <a:lstStyle/>
           <a:p>
             <a:r>
-              <a:rPr lang="en-US" smtClean="0"/>
+              <a:rPr lang="en-US"/>
               <a:t>Click to edit Master title style</a:t>
             </a:r>
-            <a:endParaRPr lang="en-US"/>
           </a:p>
         </p:txBody>
       </p:sp>
@@ -1337,38 +1344,37 @@
           <a:p>
             <a:pPr lvl="0"/>
             <a:r>
-              <a:rPr lang="en-US" smtClean="0"/>
+              <a:rPr lang="en-US"/>
               <a:t>Click to edit Master text styles</a:t>
             </a:r>
           </a:p>
           <a:p>
             <a:pPr lvl="1"/>
             <a:r>
-              <a:rPr lang="en-US" smtClean="0"/>
+              <a:rPr lang="en-US"/>
               <a:t>Second level</a:t>
             </a:r>
           </a:p>
           <a:p>
             <a:pPr lvl="2"/>
             <a:r>
-              <a:rPr lang="en-US" smtClean="0"/>
+              <a:rPr lang="en-US"/>
               <a:t>Third level</a:t>
             </a:r>
           </a:p>
           <a:p>
             <a:pPr lvl="3"/>
             <a:r>
-              <a:rPr lang="en-US" smtClean="0"/>
+              <a:rPr lang="en-US"/>
               <a:t>Fourth level</a:t>
             </a:r>
           </a:p>
           <a:p>
             <a:pPr lvl="4"/>
             <a:r>
-              <a:rPr lang="en-US" smtClean="0"/>
+              <a:rPr lang="en-US"/>
               <a:t>Fifth level</a:t>
             </a:r>
-            <a:endParaRPr lang="en-US"/>
           </a:p>
         </p:txBody>
       </p:sp>
@@ -1425,38 +1431,37 @@
           <a:p>
             <a:pPr lvl="0"/>
             <a:r>
-              <a:rPr lang="en-US" smtClean="0"/>
+              <a:rPr lang="en-US"/>
               <a:t>Click to edit Master text styles</a:t>
             </a:r>
           </a:p>
           <a:p>
             <a:pPr lvl="1"/>
             <a:r>
-              <a:rPr lang="en-US" smtClean="0"/>
+              <a:rPr lang="en-US"/>
               <a:t>Second level</a:t>
             </a:r>
           </a:p>
           <a:p>
             <a:pPr lvl="2"/>
             <a:r>
-              <a:rPr lang="en-US" smtClean="0"/>
+              <a:rPr lang="en-US"/>
               <a:t>Third level</a:t>
             </a:r>
           </a:p>
           <a:p>
             <a:pPr lvl="3"/>
             <a:r>
-              <a:rPr lang="en-US" smtClean="0"/>
+              <a:rPr lang="en-US"/>
               <a:t>Fourth level</a:t>
             </a:r>
           </a:p>
           <a:p>
             <a:pPr lvl="4"/>
             <a:r>
-              <a:rPr lang="en-US" smtClean="0"/>
+              <a:rPr lang="en-US"/>
               <a:t>Fifth level</a:t>
             </a:r>
-            <a:endParaRPr lang="en-US"/>
           </a:p>
         </p:txBody>
       </p:sp>
@@ -1614,10 +1619,9 @@
           </a:lstStyle>
           <a:p>
             <a:r>
-              <a:rPr lang="en-US" smtClean="0"/>
+              <a:rPr lang="en-US"/>
               <a:t>Click to edit Master title style</a:t>
             </a:r>
-            <a:endParaRPr lang="en-US"/>
           </a:p>
         </p:txBody>
       </p:sp>
@@ -1683,7 +1687,7 @@
           <a:p>
             <a:pPr lvl="0"/>
             <a:r>
-              <a:rPr lang="en-US" smtClean="0"/>
+              <a:rPr lang="en-US"/>
               <a:t>Click to edit Master text styles</a:t>
             </a:r>
           </a:p>
@@ -1742,38 +1746,37 @@
           <a:p>
             <a:pPr lvl="0"/>
             <a:r>
-              <a:rPr lang="en-US" smtClean="0"/>
+              <a:rPr lang="en-US"/>
               <a:t>Click to edit Master text styles</a:t>
             </a:r>
           </a:p>
           <a:p>
             <a:pPr lvl="1"/>
             <a:r>
-              <a:rPr lang="en-US" smtClean="0"/>
+              <a:rPr lang="en-US"/>
               <a:t>Second level</a:t>
             </a:r>
           </a:p>
           <a:p>
             <a:pPr lvl="2"/>
             <a:r>
-              <a:rPr lang="en-US" smtClean="0"/>
+              <a:rPr lang="en-US"/>
               <a:t>Third level</a:t>
             </a:r>
           </a:p>
           <a:p>
             <a:pPr lvl="3"/>
             <a:r>
-              <a:rPr lang="en-US" smtClean="0"/>
+              <a:rPr lang="en-US"/>
               <a:t>Fourth level</a:t>
             </a:r>
           </a:p>
           <a:p>
             <a:pPr lvl="4"/>
             <a:r>
-              <a:rPr lang="en-US" smtClean="0"/>
+              <a:rPr lang="en-US"/>
               <a:t>Fifth level</a:t>
             </a:r>
-            <a:endParaRPr lang="en-US"/>
           </a:p>
         </p:txBody>
       </p:sp>
@@ -1839,7 +1842,7 @@
           <a:p>
             <a:pPr lvl="0"/>
             <a:r>
-              <a:rPr lang="en-US" smtClean="0"/>
+              <a:rPr lang="en-US"/>
               <a:t>Click to edit Master text styles</a:t>
             </a:r>
           </a:p>
@@ -1898,38 +1901,37 @@
           <a:p>
             <a:pPr lvl="0"/>
             <a:r>
-              <a:rPr lang="en-US" smtClean="0"/>
+              <a:rPr lang="en-US"/>
               <a:t>Click to edit Master text styles</a:t>
             </a:r>
           </a:p>
           <a:p>
             <a:pPr lvl="1"/>
             <a:r>
-              <a:rPr lang="en-US" smtClean="0"/>
+              <a:rPr lang="en-US"/>
               <a:t>Second level</a:t>
             </a:r>
           </a:p>
           <a:p>
             <a:pPr lvl="2"/>
             <a:r>
-              <a:rPr lang="en-US" smtClean="0"/>
+              <a:rPr lang="en-US"/>
               <a:t>Third level</a:t>
             </a:r>
           </a:p>
           <a:p>
             <a:pPr lvl="3"/>
             <a:r>
-              <a:rPr lang="en-US" smtClean="0"/>
+              <a:rPr lang="en-US"/>
               <a:t>Fourth level</a:t>
             </a:r>
           </a:p>
           <a:p>
             <a:pPr lvl="4"/>
             <a:r>
-              <a:rPr lang="en-US" smtClean="0"/>
+              <a:rPr lang="en-US"/>
               <a:t>Fifth level</a:t>
             </a:r>
-            <a:endParaRPr lang="en-US"/>
           </a:p>
         </p:txBody>
       </p:sp>
@@ -2083,10 +2085,9 @@
           <a:lstStyle/>
           <a:p>
             <a:r>
-              <a:rPr lang="en-US" smtClean="0"/>
+              <a:rPr lang="en-US"/>
               <a:t>Click to edit Master title style</a:t>
             </a:r>
-            <a:endParaRPr lang="en-US"/>
           </a:p>
         </p:txBody>
       </p:sp>
@@ -2370,10 +2371,9 @@
           </a:lstStyle>
           <a:p>
             <a:r>
-              <a:rPr lang="en-US" smtClean="0"/>
+              <a:rPr lang="en-US"/>
               <a:t>Click to edit Master title style</a:t>
             </a:r>
-            <a:endParaRPr lang="en-US"/>
           </a:p>
         </p:txBody>
       </p:sp>
@@ -2430,38 +2430,37 @@
           <a:p>
             <a:pPr lvl="0"/>
             <a:r>
-              <a:rPr lang="en-US" smtClean="0"/>
+              <a:rPr lang="en-US"/>
               <a:t>Click to edit Master text styles</a:t>
             </a:r>
           </a:p>
           <a:p>
             <a:pPr lvl="1"/>
             <a:r>
-              <a:rPr lang="en-US" smtClean="0"/>
+              <a:rPr lang="en-US"/>
               <a:t>Second level</a:t>
             </a:r>
           </a:p>
           <a:p>
             <a:pPr lvl="2"/>
             <a:r>
-              <a:rPr lang="en-US" smtClean="0"/>
+              <a:rPr lang="en-US"/>
               <a:t>Third level</a:t>
             </a:r>
           </a:p>
           <a:p>
             <a:pPr lvl="3"/>
             <a:r>
-              <a:rPr lang="en-US" smtClean="0"/>
+              <a:rPr lang="en-US"/>
               <a:t>Fourth level</a:t>
             </a:r>
           </a:p>
           <a:p>
             <a:pPr lvl="4"/>
             <a:r>
-              <a:rPr lang="en-US" smtClean="0"/>
+              <a:rPr lang="en-US"/>
               <a:t>Fifth level</a:t>
             </a:r>
-            <a:endParaRPr lang="en-US"/>
           </a:p>
         </p:txBody>
       </p:sp>
@@ -2527,7 +2526,7 @@
           <a:p>
             <a:pPr lvl="0"/>
             <a:r>
-              <a:rPr lang="en-US" smtClean="0"/>
+              <a:rPr lang="en-US"/>
               <a:t>Click to edit Master text styles</a:t>
             </a:r>
           </a:p>
@@ -2687,10 +2686,9 @@
           </a:lstStyle>
           <a:p>
             <a:r>
-              <a:rPr lang="en-US" smtClean="0"/>
+              <a:rPr lang="en-US"/>
               <a:t>Click to edit Master title style</a:t>
             </a:r>
-            <a:endParaRPr lang="en-US"/>
           </a:p>
         </p:txBody>
       </p:sp>
@@ -2755,7 +2753,7 @@
           </a:lstStyle>
           <a:p>
             <a:pPr lvl="0"/>
-            <a:endParaRPr lang="en-US" noProof="0" smtClean="0"/>
+            <a:endParaRPr lang="en-US" noProof="0"/>
           </a:p>
         </p:txBody>
       </p:sp>
@@ -2821,7 +2819,7 @@
           <a:p>
             <a:pPr lvl="0"/>
             <a:r>
-              <a:rPr lang="en-US" smtClean="0"/>
+              <a:rPr lang="en-US"/>
               <a:t>Click to edit Master text styles</a:t>
             </a:r>
           </a:p>
@@ -3429,13 +3427,6 @@
     <p:sldLayoutId id="2147483670" r:id="rId10"/>
     <p:sldLayoutId id="2147483671" r:id="rId11"/>
   </p:sldLayoutIdLst>
-  <p:timing>
-    <p:tnLst>
-      <p:par>
-        <p:cTn id="1" dur="indefinite" restart="never" nodeType="tmRoot"/>
-      </p:par>
-    </p:tnLst>
-  </p:timing>
   <p:txStyles>
     <p:titleStyle>
       <a:lvl1pPr algn="ctr" rtl="0" eaLnBrk="0" fontAlgn="base" hangingPunct="0">
@@ -3884,7 +3875,7 @@
           <a:p>
             <a:pPr algn="ctr"/>
             <a:r>
-              <a:rPr lang="en-US" sz="6000" b="1" cap="none" spc="50" dirty="0" err="1" smtClean="0">
+              <a:rPr lang="en-US" sz="6000" b="1" cap="none" spc="50" dirty="0" err="1">
                 <a:ln w="11430"/>
                 <a:gradFill>
                   <a:gsLst>
@@ -3913,7 +3904,7 @@
               <a:t>Bot!Battle</a:t>
             </a:r>
             <a:r>
-              <a:rPr lang="en-US" sz="6000" b="1" cap="none" spc="50" dirty="0" smtClean="0">
+              <a:rPr lang="en-US" sz="6000" b="1" cap="none" spc="50" dirty="0">
                 <a:ln w="11430"/>
                 <a:gradFill>
                   <a:gsLst>
@@ -3945,7 +3936,7 @@
           <a:p>
             <a:pPr algn="ctr"/>
             <a:r>
-              <a:rPr lang="en-US" sz="6000" b="1" cap="none" spc="50" dirty="0" smtClean="0">
+              <a:rPr lang="en-US" sz="6000" b="1" cap="none" spc="50" dirty="0">
                 <a:ln w="11430"/>
                 <a:gradFill>
                   <a:gsLst>
@@ -3973,32 +3964,6 @@
               </a:rPr>
               <a:t>Game Display Team</a:t>
             </a:r>
-            <a:endParaRPr lang="en-US" sz="6000" b="1" cap="none" spc="50" dirty="0">
-              <a:ln w="11430"/>
-              <a:gradFill>
-                <a:gsLst>
-                  <a:gs pos="25000">
-                    <a:schemeClr val="accent2">
-                      <a:satMod val="155000"/>
-                    </a:schemeClr>
-                  </a:gs>
-                  <a:gs pos="100000">
-                    <a:schemeClr val="accent2">
-                      <a:shade val="45000"/>
-                      <a:satMod val="165000"/>
-                    </a:schemeClr>
-                  </a:gs>
-                </a:gsLst>
-                <a:lin ang="5400000"/>
-              </a:gradFill>
-              <a:effectLst>
-                <a:outerShdw blurRad="76200" dist="50800" dir="5400000" algn="tl" rotWithShape="0">
-                  <a:srgbClr val="000000">
-                    <a:alpha val="65000"/>
-                  </a:srgbClr>
-                </a:outerShdw>
-              </a:effectLst>
-            </a:endParaRPr>
           </a:p>
         </p:txBody>
       </p:sp>
@@ -4026,7 +3991,7 @@
           <a:p>
             <a:pPr algn="ctr"/>
             <a:r>
-              <a:rPr lang="en-US" sz="2800" b="1" dirty="0" smtClean="0">
+              <a:rPr lang="en-US" sz="2800" b="1" dirty="0">
                 <a:ln w="1905"/>
                 <a:gradFill>
                   <a:gsLst>
@@ -4063,7 +4028,7 @@
               <a:t>Josiah </a:t>
             </a:r>
             <a:r>
-              <a:rPr lang="en-US" sz="2800" b="1" dirty="0" err="1" smtClean="0">
+              <a:rPr lang="en-US" sz="2800" b="1" dirty="0" err="1">
                 <a:ln w="1905"/>
                 <a:gradFill>
                   <a:gsLst>
@@ -4099,7 +4064,7 @@
               </a:rPr>
               <a:t>Hertzler</a:t>
             </a:r>
-            <a:endParaRPr lang="en-US" sz="2800" b="1" dirty="0" smtClean="0">
+            <a:endParaRPr lang="en-US" sz="2800" b="1" dirty="0">
               <a:ln w="1905"/>
               <a:gradFill>
                 <a:gsLst>
@@ -4137,7 +4102,7 @@
           <a:p>
             <a:pPr algn="ctr"/>
             <a:r>
-              <a:rPr lang="en-US" sz="2800" b="1" dirty="0" err="1" smtClean="0">
+              <a:rPr lang="en-US" sz="2800" b="1" dirty="0" err="1">
                 <a:ln w="1905"/>
                 <a:gradFill>
                   <a:gsLst>
@@ -4174,7 +4139,7 @@
               <a:t>Taha</a:t>
             </a:r>
             <a:r>
-              <a:rPr lang="en-US" sz="2800" b="1" dirty="0" smtClean="0">
+              <a:rPr lang="en-US" sz="2800" b="1" dirty="0">
                 <a:ln w="1905"/>
                 <a:gradFill>
                   <a:gsLst>
@@ -4214,7 +4179,7 @@
           <a:p>
             <a:pPr algn="ctr"/>
             <a:r>
-              <a:rPr lang="en-US" sz="2800" b="1" dirty="0" smtClean="0">
+              <a:rPr lang="en-US" sz="2800" b="1" dirty="0">
                 <a:ln w="1905"/>
                 <a:gradFill>
                   <a:gsLst>
@@ -4250,40 +4215,6 @@
               </a:rPr>
               <a:t>  Tom Hoffman       Sawyer Brown</a:t>
             </a:r>
-            <a:endParaRPr lang="en-US" sz="2800" b="1" dirty="0">
-              <a:ln w="1905"/>
-              <a:gradFill>
-                <a:gsLst>
-                  <a:gs pos="0">
-                    <a:schemeClr val="accent6">
-                      <a:shade val="20000"/>
-                      <a:satMod val="200000"/>
-                    </a:schemeClr>
-                  </a:gs>
-                  <a:gs pos="78000">
-                    <a:schemeClr val="accent6">
-                      <a:tint val="90000"/>
-                      <a:shade val="89000"/>
-                      <a:satMod val="220000"/>
-                    </a:schemeClr>
-                  </a:gs>
-                  <a:gs pos="100000">
-                    <a:schemeClr val="accent6">
-                      <a:tint val="12000"/>
-                      <a:satMod val="255000"/>
-                    </a:schemeClr>
-                  </a:gs>
-                </a:gsLst>
-                <a:lin ang="5400000"/>
-              </a:gradFill>
-              <a:effectLst>
-                <a:innerShdw blurRad="69850" dist="43180" dir="5400000">
-                  <a:srgbClr val="000000">
-                    <a:alpha val="65000"/>
-                  </a:srgbClr>
-                </a:innerShdw>
-              </a:effectLst>
-            </a:endParaRPr>
           </a:p>
         </p:txBody>
       </p:sp>
@@ -4297,13 +4228,6 @@
   <p:clrMapOvr>
     <a:masterClrMapping/>
   </p:clrMapOvr>
-  <p:timing>
-    <p:tnLst>
-      <p:par>
-        <p:cTn id="1" dur="indefinite" restart="never" nodeType="tmRoot"/>
-      </p:par>
-    </p:tnLst>
-  </p:timing>
 </p:sld>
 </file>
 
@@ -5413,13 +5337,6 @@
   <p:clrMapOvr>
     <a:masterClrMapping/>
   </p:clrMapOvr>
-  <p:timing>
-    <p:tnLst>
-      <p:par>
-        <p:cTn id="1" dur="indefinite" restart="never" nodeType="tmRoot"/>
-      </p:par>
-    </p:tnLst>
-  </p:timing>
 </p:sld>
 </file>
 
@@ -6529,13 +6446,6 @@
   <p:clrMapOvr>
     <a:masterClrMapping/>
   </p:clrMapOvr>
-  <p:timing>
-    <p:tnLst>
-      <p:par>
-        <p:cTn id="1" dur="indefinite" restart="never" nodeType="tmRoot"/>
-      </p:par>
-    </p:tnLst>
-  </p:timing>
 </p:sld>
 </file>
 
@@ -7645,13 +7555,6 @@
   <p:clrMapOvr>
     <a:masterClrMapping/>
   </p:clrMapOvr>
-  <p:timing>
-    <p:tnLst>
-      <p:par>
-        <p:cTn id="1" dur="indefinite" restart="never" nodeType="tmRoot"/>
-      </p:par>
-    </p:tnLst>
-  </p:timing>
 </p:sld>
 </file>
 
@@ -11099,13 +11002,6 @@
   <p:clrMapOvr>
     <a:masterClrMapping/>
   </p:clrMapOvr>
-  <p:timing>
-    <p:tnLst>
-      <p:par>
-        <p:cTn id="1" dur="indefinite" restart="never" nodeType="tmRoot"/>
-      </p:par>
-    </p:tnLst>
-  </p:timing>
 </p:sld>
 </file>
 
@@ -11150,7 +11046,7 @@
           <a:p>
             <a:pPr algn="ctr"/>
             <a:r>
-              <a:rPr lang="en-US" sz="5400" b="1" dirty="0" smtClean="0">
+              <a:rPr lang="en-US" sz="5400" b="1" dirty="0">
                 <a:ln w="1905"/>
                 <a:gradFill>
                   <a:gsLst>
@@ -11186,40 +11082,6 @@
               </a:rPr>
               <a:t>Testing Arena</a:t>
             </a:r>
-            <a:endParaRPr lang="en-US" sz="5400" b="1" dirty="0">
-              <a:ln w="1905"/>
-              <a:gradFill>
-                <a:gsLst>
-                  <a:gs pos="0">
-                    <a:schemeClr val="accent6">
-                      <a:shade val="20000"/>
-                      <a:satMod val="200000"/>
-                    </a:schemeClr>
-                  </a:gs>
-                  <a:gs pos="78000">
-                    <a:schemeClr val="accent6">
-                      <a:tint val="90000"/>
-                      <a:shade val="89000"/>
-                      <a:satMod val="220000"/>
-                    </a:schemeClr>
-                  </a:gs>
-                  <a:gs pos="100000">
-                    <a:schemeClr val="accent6">
-                      <a:tint val="12000"/>
-                      <a:satMod val="255000"/>
-                    </a:schemeClr>
-                  </a:gs>
-                </a:gsLst>
-                <a:lin ang="5400000"/>
-              </a:gradFill>
-              <a:effectLst>
-                <a:innerShdw blurRad="69850" dist="43180" dir="5400000">
-                  <a:srgbClr val="000000">
-                    <a:alpha val="65000"/>
-                  </a:srgbClr>
-                </a:innerShdw>
-              </a:effectLst>
-            </a:endParaRPr>
           </a:p>
         </p:txBody>
       </p:sp>
@@ -11250,10 +11112,9 @@
               <a:buChar char="•"/>
             </a:pPr>
             <a:r>
-              <a:rPr lang="en-US" sz="3600" b="1" dirty="0" smtClean="0"/>
+              <a:rPr lang="en-US" sz="3600" b="1" dirty="0"/>
               <a:t>Debugging Display</a:t>
             </a:r>
-            <a:endParaRPr lang="en-US" sz="3600" b="1" dirty="0"/>
           </a:p>
           <a:p>
             <a:pPr marL="457200" indent="-457200">
@@ -11261,7 +11122,7 @@
               <a:buChar char="•"/>
             </a:pPr>
             <a:r>
-              <a:rPr lang="en-US" sz="3600" b="1" dirty="0" smtClean="0"/>
+              <a:rPr lang="en-US" sz="3600" b="1" dirty="0"/>
               <a:t>Alter your bot</a:t>
             </a:r>
           </a:p>
@@ -11271,7 +11132,7 @@
               <a:buChar char="•"/>
             </a:pPr>
             <a:r>
-              <a:rPr lang="en-US" sz="3600" b="1" dirty="0" smtClean="0"/>
+              <a:rPr lang="en-US" sz="3600" b="1" dirty="0"/>
               <a:t>Upload File</a:t>
             </a:r>
           </a:p>
@@ -11281,7 +11142,7 @@
               <a:buChar char="•"/>
             </a:pPr>
             <a:r>
-              <a:rPr lang="en-US" sz="3600" b="1" dirty="0" smtClean="0"/>
+              <a:rPr lang="en-US" sz="3600" b="1" dirty="0"/>
               <a:t>Edit Code</a:t>
             </a:r>
           </a:p>
@@ -11291,7 +11152,7 @@
               <a:buChar char="•"/>
             </a:pPr>
             <a:r>
-              <a:rPr lang="en-US" sz="3600" b="1" dirty="0" smtClean="0"/>
+              <a:rPr lang="en-US" sz="3600" b="1" dirty="0"/>
               <a:t>Test other bots</a:t>
             </a:r>
           </a:p>
@@ -11301,7 +11162,7 @@
               <a:buChar char="•"/>
             </a:pPr>
             <a:r>
-              <a:rPr lang="en-US" sz="3600" b="1" dirty="0" smtClean="0"/>
+              <a:rPr lang="en-US" sz="3600" b="1" dirty="0"/>
               <a:t>Public Bot</a:t>
             </a:r>
           </a:p>
@@ -11311,7 +11172,7 @@
               <a:buChar char="•"/>
             </a:pPr>
             <a:r>
-              <a:rPr lang="en-US" sz="3600" b="1" dirty="0" smtClean="0"/>
+              <a:rPr lang="en-US" sz="3600" b="1" dirty="0"/>
               <a:t>Default Bot</a:t>
             </a:r>
           </a:p>
@@ -11320,7 +11181,7 @@
               <a:buFont typeface="Arial" panose="020B0604020202020204" pitchFamily="34" charset="0"/>
               <a:buChar char="•"/>
             </a:pPr>
-            <a:endParaRPr lang="en-US" sz="3600" b="1" dirty="0" smtClean="0"/>
+            <a:endParaRPr lang="en-US" sz="3600" b="1" dirty="0"/>
           </a:p>
         </p:txBody>
       </p:sp>
@@ -11334,13 +11195,6 @@
   <p:clrMapOvr>
     <a:masterClrMapping/>
   </p:clrMapOvr>
-  <p:timing>
-    <p:tnLst>
-      <p:par>
-        <p:cTn id="1" dur="indefinite" restart="never" nodeType="tmRoot"/>
-      </p:par>
-    </p:tnLst>
-  </p:timing>
 </p:sld>
 </file>
 
@@ -11363,47 +11217,6 @@
       </p:grpSpPr>
       <p:pic>
         <p:nvPicPr>
-          <p:cNvPr id="4098" name="Picture 2" descr="C:\Users\Owner\Desktop\TestingArena.png"/>
-          <p:cNvPicPr>
-            <a:picLocks noChangeAspect="1" noChangeArrowheads="1"/>
-          </p:cNvPicPr>
-          <p:nvPr/>
-        </p:nvPicPr>
-        <p:blipFill>
-          <a:blip r:embed="rId2">
-            <a:extLst>
-              <a:ext uri="{28A0092B-C50C-407E-A947-70E740481C1C}">
-                <a14:useLocalDpi xmlns:a14="http://schemas.microsoft.com/office/drawing/2010/main" val="0"/>
-              </a:ext>
-            </a:extLst>
-          </a:blip>
-          <a:srcRect/>
-          <a:stretch>
-            <a:fillRect/>
-          </a:stretch>
-        </p:blipFill>
-        <p:spPr bwMode="auto">
-          <a:xfrm>
-            <a:off x="0" y="76200"/>
-            <a:ext cx="9144000" cy="5667292"/>
-          </a:xfrm>
-          <a:prstGeom prst="rect">
-            <a:avLst/>
-          </a:prstGeom>
-          <a:noFill/>
-          <a:extLst>
-            <a:ext uri="{909E8E84-426E-40DD-AFC4-6F175D3DCCD1}">
-              <a14:hiddenFill xmlns:a14="http://schemas.microsoft.com/office/drawing/2010/main">
-                <a:solidFill>
-                  <a:srgbClr val="FFFFFF"/>
-                </a:solidFill>
-              </a14:hiddenFill>
-            </a:ext>
-          </a:extLst>
-        </p:spPr>
-      </p:pic>
-      <p:pic>
-        <p:nvPicPr>
           <p:cNvPr id="6" name="Picture 10" descr="C:\Users\Owner\AppData\Local\Microsoft\Windows\Temporary Internet Files\Content.IE5\4SKU0K12\White-Pixel-Mouse-Cursor-Arow-Fixed[1].png"/>
           <p:cNvPicPr>
             <a:picLocks noChangeAspect="1" noChangeArrowheads="1"/>
@@ -11411,7 +11224,7 @@
           <p:nvPr/>
         </p:nvPicPr>
         <p:blipFill>
-          <a:blip r:embed="rId3" cstate="print">
+          <a:blip r:embed="rId2" cstate="print">
             <a:extLst>
               <a:ext uri="{28A0092B-C50C-407E-A947-70E740481C1C}">
                 <a14:useLocalDpi xmlns:a14="http://schemas.microsoft.com/office/drawing/2010/main" val="0"/>
@@ -11441,6 +11254,35 @@
               </a14:hiddenFill>
             </a:ext>
           </a:extLst>
+        </p:spPr>
+      </p:pic>
+      <p:pic>
+        <p:nvPicPr>
+          <p:cNvPr id="2" name="Picture 1"/>
+          <p:cNvPicPr>
+            <a:picLocks noChangeAspect="1"/>
+          </p:cNvPicPr>
+          <p:nvPr/>
+        </p:nvPicPr>
+        <p:blipFill rotWithShape="1">
+          <a:blip r:embed="rId3">
+            <a:extLst>
+              <a:ext uri="{28A0092B-C50C-407E-A947-70E740481C1C}">
+                <a14:useLocalDpi xmlns:a14="http://schemas.microsoft.com/office/drawing/2010/main" val="0"/>
+              </a:ext>
+            </a:extLst>
+          </a:blip>
+          <a:srcRect l="7500" t="8462" r="5833"/>
+          <a:stretch/>
+        </p:blipFill>
+        <p:spPr>
+          <a:xfrm>
+            <a:off x="0" y="304800"/>
+            <a:ext cx="9133755" cy="5225562"/>
+          </a:xfrm>
+          <a:prstGeom prst="rect">
+            <a:avLst/>
+          </a:prstGeom>
         </p:spPr>
       </p:pic>
     </p:spTree>
@@ -11453,13 +11295,6 @@
   <p:clrMapOvr>
     <a:masterClrMapping/>
   </p:clrMapOvr>
-  <p:timing>
-    <p:tnLst>
-      <p:par>
-        <p:cTn id="1" dur="indefinite" restart="never" nodeType="tmRoot"/>
-      </p:par>
-    </p:tnLst>
-  </p:timing>
 </p:sld>
 </file>
 
@@ -11626,13 +11461,6 @@
   <p:clrMapOvr>
     <a:masterClrMapping/>
   </p:clrMapOvr>
-  <p:timing>
-    <p:tnLst>
-      <p:par>
-        <p:cTn id="1" dur="indefinite" restart="never" nodeType="tmRoot"/>
-      </p:par>
-    </p:tnLst>
-  </p:timing>
 </p:sld>
 </file>
 
@@ -11655,13 +11483,13 @@
       </p:grpSpPr>
       <p:pic>
         <p:nvPicPr>
-          <p:cNvPr id="4098" name="Picture 2" descr="C:\Users\Owner\Desktop\TestingArena.png"/>
-          <p:cNvPicPr>
-            <a:picLocks noChangeAspect="1" noChangeArrowheads="1"/>
-          </p:cNvPicPr>
-          <p:nvPr/>
-        </p:nvPicPr>
-        <p:blipFill>
+          <p:cNvPr id="9" name="Picture 8"/>
+          <p:cNvPicPr>
+            <a:picLocks noChangeAspect="1"/>
+          </p:cNvPicPr>
+          <p:nvPr/>
+        </p:nvPicPr>
+        <p:blipFill rotWithShape="1">
           <a:blip r:embed="rId2">
             <a:extLst>
               <a:ext uri="{28A0092B-C50C-407E-A947-70E740481C1C}">
@@ -11669,645 +11497,19 @@
               </a:ext>
             </a:extLst>
           </a:blip>
-          <a:srcRect/>
-          <a:stretch>
-            <a:fillRect/>
-          </a:stretch>
-        </p:blipFill>
-        <p:spPr bwMode="auto">
+          <a:srcRect l="9167" t="8462" r="11667"/>
+          <a:stretch/>
+        </p:blipFill>
+        <p:spPr>
           <a:xfrm>
             <a:off x="0" y="76200"/>
-            <a:ext cx="9144000" cy="5667292"/>
-          </a:xfrm>
-          <a:prstGeom prst="rect">
-            <a:avLst/>
-          </a:prstGeom>
-          <a:noFill/>
-          <a:extLst>
-            <a:ext uri="{909E8E84-426E-40DD-AFC4-6F175D3DCCD1}">
-              <a14:hiddenFill xmlns:a14="http://schemas.microsoft.com/office/drawing/2010/main">
-                <a:solidFill>
-                  <a:srgbClr val="FFFFFF"/>
-                </a:solidFill>
-              </a14:hiddenFill>
-            </a:ext>
-          </a:extLst>
-        </p:spPr>
-      </p:pic>
-      <p:pic>
-        <p:nvPicPr>
-          <p:cNvPr id="5122" name="Picture 2"/>
-          <p:cNvPicPr>
-            <a:picLocks noChangeAspect="1" noChangeArrowheads="1"/>
-          </p:cNvPicPr>
-          <p:nvPr/>
-        </p:nvPicPr>
-        <p:blipFill>
-          <a:blip r:embed="rId3">
-            <a:extLst>
-              <a:ext uri="{28A0092B-C50C-407E-A947-70E740481C1C}">
-                <a14:useLocalDpi xmlns:a14="http://schemas.microsoft.com/office/drawing/2010/main" val="0"/>
-              </a:ext>
-            </a:extLst>
-          </a:blip>
-          <a:srcRect/>
-          <a:stretch>
-            <a:fillRect/>
-          </a:stretch>
-        </p:blipFill>
-        <p:spPr bwMode="auto">
-          <a:xfrm>
-            <a:off x="228600" y="1295400"/>
-            <a:ext cx="161925" cy="180975"/>
-          </a:xfrm>
-          <a:prstGeom prst="rect">
-            <a:avLst/>
-          </a:prstGeom>
-          <a:noFill/>
-          <a:ln>
-            <a:noFill/>
-          </a:ln>
-          <a:extLst>
-            <a:ext uri="{909E8E84-426E-40DD-AFC4-6F175D3DCCD1}">
-              <a14:hiddenFill xmlns:a14="http://schemas.microsoft.com/office/drawing/2010/main">
-                <a:solidFill>
-                  <a:schemeClr val="accent1"/>
-                </a:solidFill>
-              </a14:hiddenFill>
-            </a:ext>
-            <a:ext uri="{91240B29-F687-4F45-9708-019B960494DF}">
-              <a14:hiddenLine xmlns:a14="http://schemas.microsoft.com/office/drawing/2010/main" w="9525">
-                <a:solidFill>
-                  <a:schemeClr val="tx1"/>
-                </a:solidFill>
-                <a:miter lim="800000"/>
-                <a:headEnd/>
-                <a:tailEnd/>
-              </a14:hiddenLine>
-            </a:ext>
-          </a:extLst>
-        </p:spPr>
-      </p:pic>
-      <p:pic>
-        <p:nvPicPr>
-          <p:cNvPr id="5" name="Picture 2"/>
-          <p:cNvPicPr>
-            <a:picLocks noChangeAspect="1" noChangeArrowheads="1"/>
-          </p:cNvPicPr>
-          <p:nvPr/>
-        </p:nvPicPr>
-        <p:blipFill>
-          <a:blip r:embed="rId3">
-            <a:extLst>
-              <a:ext uri="{28A0092B-C50C-407E-A947-70E740481C1C}">
-                <a14:useLocalDpi xmlns:a14="http://schemas.microsoft.com/office/drawing/2010/main" val="0"/>
-              </a:ext>
-            </a:extLst>
-          </a:blip>
-          <a:srcRect/>
-          <a:stretch>
-            <a:fillRect/>
-          </a:stretch>
-        </p:blipFill>
-        <p:spPr bwMode="auto">
-          <a:xfrm>
-            <a:off x="228600" y="1476375"/>
-            <a:ext cx="161925" cy="180975"/>
-          </a:xfrm>
-          <a:prstGeom prst="rect">
-            <a:avLst/>
-          </a:prstGeom>
-          <a:noFill/>
-          <a:ln>
-            <a:noFill/>
-          </a:ln>
-          <a:extLst>
-            <a:ext uri="{909E8E84-426E-40DD-AFC4-6F175D3DCCD1}">
-              <a14:hiddenFill xmlns:a14="http://schemas.microsoft.com/office/drawing/2010/main">
-                <a:solidFill>
-                  <a:schemeClr val="accent1"/>
-                </a:solidFill>
-              </a14:hiddenFill>
-            </a:ext>
-            <a:ext uri="{91240B29-F687-4F45-9708-019B960494DF}">
-              <a14:hiddenLine xmlns:a14="http://schemas.microsoft.com/office/drawing/2010/main" w="9525">
-                <a:solidFill>
-                  <a:schemeClr val="tx1"/>
-                </a:solidFill>
-                <a:miter lim="800000"/>
-                <a:headEnd/>
-                <a:tailEnd/>
-              </a14:hiddenLine>
-            </a:ext>
-          </a:extLst>
-        </p:spPr>
-      </p:pic>
-      <p:pic>
-        <p:nvPicPr>
-          <p:cNvPr id="7" name="Picture 2"/>
-          <p:cNvPicPr>
-            <a:picLocks noChangeAspect="1" noChangeArrowheads="1"/>
-          </p:cNvPicPr>
-          <p:nvPr/>
-        </p:nvPicPr>
-        <p:blipFill>
-          <a:blip r:embed="rId3">
-            <a:extLst>
-              <a:ext uri="{28A0092B-C50C-407E-A947-70E740481C1C}">
-                <a14:useLocalDpi xmlns:a14="http://schemas.microsoft.com/office/drawing/2010/main" val="0"/>
-              </a:ext>
-            </a:extLst>
-          </a:blip>
-          <a:srcRect/>
-          <a:stretch>
-            <a:fillRect/>
-          </a:stretch>
-        </p:blipFill>
-        <p:spPr bwMode="auto">
-          <a:xfrm>
-            <a:off x="220178" y="1657350"/>
-            <a:ext cx="161925" cy="180975"/>
-          </a:xfrm>
-          <a:prstGeom prst="rect">
-            <a:avLst/>
-          </a:prstGeom>
-          <a:noFill/>
-          <a:ln>
-            <a:noFill/>
-          </a:ln>
-          <a:extLst>
-            <a:ext uri="{909E8E84-426E-40DD-AFC4-6F175D3DCCD1}">
-              <a14:hiddenFill xmlns:a14="http://schemas.microsoft.com/office/drawing/2010/main">
-                <a:solidFill>
-                  <a:schemeClr val="accent1"/>
-                </a:solidFill>
-              </a14:hiddenFill>
-            </a:ext>
-            <a:ext uri="{91240B29-F687-4F45-9708-019B960494DF}">
-              <a14:hiddenLine xmlns:a14="http://schemas.microsoft.com/office/drawing/2010/main" w="9525">
-                <a:solidFill>
-                  <a:schemeClr val="tx1"/>
-                </a:solidFill>
-                <a:miter lim="800000"/>
-                <a:headEnd/>
-                <a:tailEnd/>
-              </a14:hiddenLine>
-            </a:ext>
-          </a:extLst>
-        </p:spPr>
-      </p:pic>
-      <p:pic>
-        <p:nvPicPr>
-          <p:cNvPr id="8" name="Picture 2"/>
-          <p:cNvPicPr>
-            <a:picLocks noChangeAspect="1" noChangeArrowheads="1"/>
-          </p:cNvPicPr>
-          <p:nvPr/>
-        </p:nvPicPr>
-        <p:blipFill>
-          <a:blip r:embed="rId3">
-            <a:extLst>
-              <a:ext uri="{28A0092B-C50C-407E-A947-70E740481C1C}">
-                <a14:useLocalDpi xmlns:a14="http://schemas.microsoft.com/office/drawing/2010/main" val="0"/>
-              </a:ext>
-            </a:extLst>
-          </a:blip>
-          <a:srcRect/>
-          <a:stretch>
-            <a:fillRect/>
-          </a:stretch>
-        </p:blipFill>
-        <p:spPr bwMode="auto">
-          <a:xfrm>
-            <a:off x="219075" y="1838325"/>
-            <a:ext cx="161925" cy="180975"/>
-          </a:xfrm>
-          <a:prstGeom prst="rect">
-            <a:avLst/>
-          </a:prstGeom>
-          <a:noFill/>
-          <a:ln>
-            <a:noFill/>
-          </a:ln>
-          <a:extLst>
-            <a:ext uri="{909E8E84-426E-40DD-AFC4-6F175D3DCCD1}">
-              <a14:hiddenFill xmlns:a14="http://schemas.microsoft.com/office/drawing/2010/main">
-                <a:solidFill>
-                  <a:schemeClr val="accent1"/>
-                </a:solidFill>
-              </a14:hiddenFill>
-            </a:ext>
-            <a:ext uri="{91240B29-F687-4F45-9708-019B960494DF}">
-              <a14:hiddenLine xmlns:a14="http://schemas.microsoft.com/office/drawing/2010/main" w="9525">
-                <a:solidFill>
-                  <a:schemeClr val="tx1"/>
-                </a:solidFill>
-                <a:miter lim="800000"/>
-                <a:headEnd/>
-                <a:tailEnd/>
-              </a14:hiddenLine>
-            </a:ext>
-          </a:extLst>
-        </p:spPr>
-      </p:pic>
-      <p:sp>
-        <p:nvSpPr>
-          <p:cNvPr id="2" name="Oval 1"/>
-          <p:cNvSpPr/>
-          <p:nvPr/>
-        </p:nvSpPr>
-        <p:spPr bwMode="auto">
-          <a:xfrm>
-            <a:off x="293635" y="1544002"/>
-            <a:ext cx="45719" cy="45719"/>
-          </a:xfrm>
-          <a:prstGeom prst="ellipse">
-            <a:avLst/>
-          </a:prstGeom>
-          <a:solidFill>
-            <a:schemeClr val="tx1"/>
-          </a:solidFill>
-          <a:ln w="9525" cap="flat" cmpd="sng" algn="ctr">
-            <a:solidFill>
-              <a:schemeClr val="tx1"/>
-            </a:solidFill>
-            <a:prstDash val="solid"/>
-            <a:round/>
-            <a:headEnd type="none" w="med" len="med"/>
-            <a:tailEnd type="none" w="med" len="med"/>
-          </a:ln>
-          <a:effectLst/>
-        </p:spPr>
-        <p:txBody>
-          <a:bodyPr vert="horz" wrap="square" lIns="91440" tIns="45720" rIns="91440" bIns="45720" numCol="1" rtlCol="0" anchor="t" anchorCtr="0" compatLnSpc="1">
-            <a:prstTxWarp prst="textNoShape">
-              <a:avLst/>
-            </a:prstTxWarp>
-          </a:bodyPr>
-          <a:lstStyle/>
-          <a:p>
-            <a:pPr marL="0" marR="0" indent="0" algn="l" defTabSz="914400" rtl="0" eaLnBrk="0" fontAlgn="base" latinLnBrk="0" hangingPunct="0">
-              <a:lnSpc>
-                <a:spcPct val="100000"/>
-              </a:lnSpc>
-              <a:spcBef>
-                <a:spcPct val="0"/>
-              </a:spcBef>
-              <a:spcAft>
-                <a:spcPct val="0"/>
-              </a:spcAft>
-              <a:buClrTx/>
-              <a:buSzTx/>
-              <a:buFontTx/>
-              <a:buNone/>
-              <a:tabLst/>
-            </a:pPr>
-            <a:endParaRPr kumimoji="0" lang="en-US" sz="2400" b="0" i="0" u="none" strike="noStrike" cap="none" normalizeH="0" baseline="0">
-              <a:ln>
-                <a:noFill/>
-              </a:ln>
-              <a:solidFill>
-                <a:schemeClr val="tx1"/>
-              </a:solidFill>
-              <a:effectLst/>
-              <a:latin typeface="Arial" pitchFamily="-112" charset="0"/>
-              <a:ea typeface="ＭＳ Ｐゴシック" pitchFamily="-112" charset="-128"/>
-              <a:cs typeface="ＭＳ Ｐゴシック" pitchFamily="-112" charset="-128"/>
-            </a:endParaRPr>
-          </a:p>
-        </p:txBody>
-      </p:sp>
-      <p:pic>
-        <p:nvPicPr>
-          <p:cNvPr id="6" name="Picture 10" descr="C:\Users\Owner\AppData\Local\Microsoft\Windows\Temporary Internet Files\Content.IE5\4SKU0K12\White-Pixel-Mouse-Cursor-Arow-Fixed[1].png"/>
-          <p:cNvPicPr>
-            <a:picLocks noChangeAspect="1" noChangeArrowheads="1"/>
-          </p:cNvPicPr>
-          <p:nvPr/>
-        </p:nvPicPr>
-        <p:blipFill>
-          <a:blip r:embed="rId4" cstate="print">
-            <a:extLst>
-              <a:ext uri="{28A0092B-C50C-407E-A947-70E740481C1C}">
-                <a14:useLocalDpi xmlns:a14="http://schemas.microsoft.com/office/drawing/2010/main" val="0"/>
-              </a:ext>
-            </a:extLst>
-          </a:blip>
-          <a:srcRect/>
-          <a:stretch>
-            <a:fillRect/>
-          </a:stretch>
-        </p:blipFill>
-        <p:spPr bwMode="auto">
-          <a:xfrm>
-            <a:off x="300037" y="1544002"/>
-            <a:ext cx="126873" cy="201386"/>
-          </a:xfrm>
-          <a:prstGeom prst="rect">
-            <a:avLst/>
-          </a:prstGeom>
-          <a:noFill/>
-          <a:extLst>
-            <a:ext uri="{909E8E84-426E-40DD-AFC4-6F175D3DCCD1}">
-              <a14:hiddenFill xmlns:a14="http://schemas.microsoft.com/office/drawing/2010/main">
-                <a:solidFill>
-                  <a:srgbClr val="FFFFFF"/>
-                </a:solidFill>
-              </a14:hiddenFill>
-            </a:ext>
-          </a:extLst>
-        </p:spPr>
-      </p:pic>
-      <p:sp>
-        <p:nvSpPr>
-          <p:cNvPr id="3" name="Rectangle 2"/>
-          <p:cNvSpPr/>
-          <p:nvPr/>
-        </p:nvSpPr>
-        <p:spPr bwMode="auto">
-          <a:xfrm>
-            <a:off x="5486400" y="1143000"/>
-            <a:ext cx="3124200" cy="1828800"/>
-          </a:xfrm>
-          <a:prstGeom prst="rect">
-            <a:avLst/>
-          </a:prstGeom>
-          <a:ln>
-            <a:headEnd type="none" w="med" len="med"/>
-            <a:tailEnd type="none" w="med" len="med"/>
-          </a:ln>
-        </p:spPr>
-        <p:style>
-          <a:lnRef idx="2">
-            <a:schemeClr val="accent2">
-              <a:shade val="50000"/>
-            </a:schemeClr>
-          </a:lnRef>
-          <a:fillRef idx="1">
-            <a:schemeClr val="accent2"/>
-          </a:fillRef>
-          <a:effectRef idx="0">
-            <a:schemeClr val="accent2"/>
-          </a:effectRef>
-          <a:fontRef idx="minor">
-            <a:schemeClr val="lt1"/>
-          </a:fontRef>
-        </p:style>
-        <p:txBody>
-          <a:bodyPr vert="horz" wrap="square" lIns="91440" tIns="45720" rIns="91440" bIns="45720" numCol="1" rtlCol="0" anchor="t" anchorCtr="0" compatLnSpc="1">
-            <a:prstTxWarp prst="textNoShape">
-              <a:avLst/>
-            </a:prstTxWarp>
-          </a:bodyPr>
-          <a:lstStyle/>
-          <a:p>
-            <a:pPr marL="0" marR="0" indent="0" algn="l" defTabSz="914400" rtl="0" eaLnBrk="0" fontAlgn="base" latinLnBrk="0" hangingPunct="0">
-              <a:lnSpc>
-                <a:spcPct val="100000"/>
-              </a:lnSpc>
-              <a:spcBef>
-                <a:spcPct val="0"/>
-              </a:spcBef>
-              <a:spcAft>
-                <a:spcPct val="0"/>
-              </a:spcAft>
-              <a:buClrTx/>
-              <a:buSzTx/>
-              <a:buFontTx/>
-              <a:buNone/>
-              <a:tabLst/>
-            </a:pPr>
-            <a:r>
-              <a:rPr lang="en-US" sz="1600" dirty="0" smtClean="0">
-                <a:solidFill>
-                  <a:srgbClr val="92D050"/>
-                </a:solidFill>
-                <a:latin typeface="Arial" pitchFamily="-112" charset="0"/>
-                <a:ea typeface="ＭＳ Ｐゴシック" pitchFamily="-112" charset="-128"/>
-                <a:cs typeface="ＭＳ Ｐゴシック" pitchFamily="-112" charset="-128"/>
-              </a:rPr>
-              <a:t>//Template Code for bot</a:t>
-            </a:r>
-          </a:p>
-          <a:p>
-            <a:pPr marL="0" marR="0" indent="0" algn="l" defTabSz="914400" rtl="0" eaLnBrk="0" fontAlgn="base" latinLnBrk="0" hangingPunct="0">
-              <a:lnSpc>
-                <a:spcPct val="100000"/>
-              </a:lnSpc>
-              <a:spcBef>
-                <a:spcPct val="0"/>
-              </a:spcBef>
-              <a:spcAft>
-                <a:spcPct val="0"/>
-              </a:spcAft>
-              <a:buClrTx/>
-              <a:buSzTx/>
-              <a:buFontTx/>
-              <a:buNone/>
-              <a:tabLst/>
-            </a:pPr>
-            <a:endParaRPr lang="en-US" sz="1600" dirty="0" smtClean="0">
-              <a:solidFill>
-                <a:srgbClr val="92D050"/>
-              </a:solidFill>
-              <a:latin typeface="Arial" pitchFamily="-112" charset="0"/>
-              <a:ea typeface="ＭＳ Ｐゴシック" pitchFamily="-112" charset="-128"/>
-              <a:cs typeface="ＭＳ Ｐゴシック" pitchFamily="-112" charset="-128"/>
-            </a:endParaRPr>
-          </a:p>
-          <a:p>
-            <a:pPr marL="0" marR="0" indent="0" algn="l" defTabSz="914400" rtl="0" eaLnBrk="0" fontAlgn="base" latinLnBrk="0" hangingPunct="0">
-              <a:lnSpc>
-                <a:spcPct val="100000"/>
-              </a:lnSpc>
-              <a:spcBef>
-                <a:spcPct val="0"/>
-              </a:spcBef>
-              <a:spcAft>
-                <a:spcPct val="0"/>
-              </a:spcAft>
-              <a:buClrTx/>
-              <a:buSzTx/>
-              <a:buFontTx/>
-              <a:buNone/>
-              <a:tabLst/>
-            </a:pPr>
-            <a:r>
-              <a:rPr lang="en-US" sz="1600" dirty="0">
-                <a:solidFill>
-                  <a:schemeClr val="bg2">
-                    <a:lumMod val="20000"/>
-                    <a:lumOff val="80000"/>
-                  </a:schemeClr>
-                </a:solidFill>
-                <a:latin typeface="Arial" pitchFamily="-112" charset="0"/>
-                <a:ea typeface="ＭＳ Ｐゴシック" pitchFamily="-112" charset="-128"/>
-                <a:cs typeface="ＭＳ Ｐゴシック" pitchFamily="-112" charset="-128"/>
-              </a:rPr>
-              <a:t>p</a:t>
-            </a:r>
-            <a:r>
-              <a:rPr lang="en-US" sz="1600" dirty="0" smtClean="0">
-                <a:solidFill>
-                  <a:schemeClr val="bg2">
-                    <a:lumMod val="20000"/>
-                    <a:lumOff val="80000"/>
-                  </a:schemeClr>
-                </a:solidFill>
-                <a:latin typeface="Arial" pitchFamily="-112" charset="0"/>
-                <a:ea typeface="ＭＳ Ｐゴシック" pitchFamily="-112" charset="-128"/>
-                <a:cs typeface="ＭＳ Ｐゴシック" pitchFamily="-112" charset="-128"/>
-              </a:rPr>
-              <a:t>ublic static void main(String </a:t>
-            </a:r>
-            <a:r>
-              <a:rPr lang="en-US" sz="1600" dirty="0" err="1" smtClean="0">
-                <a:solidFill>
-                  <a:schemeClr val="bg2">
-                    <a:lumMod val="20000"/>
-                    <a:lumOff val="80000"/>
-                  </a:schemeClr>
-                </a:solidFill>
-                <a:latin typeface="Arial" pitchFamily="-112" charset="0"/>
-                <a:ea typeface="ＭＳ Ｐゴシック" pitchFamily="-112" charset="-128"/>
-                <a:cs typeface="ＭＳ Ｐゴシック" pitchFamily="-112" charset="-128"/>
-              </a:rPr>
-              <a:t>args</a:t>
-            </a:r>
-            <a:r>
-              <a:rPr lang="en-US" sz="1600" dirty="0" smtClean="0">
-                <a:solidFill>
-                  <a:schemeClr val="bg2">
-                    <a:lumMod val="20000"/>
-                    <a:lumOff val="80000"/>
-                  </a:schemeClr>
-                </a:solidFill>
-                <a:latin typeface="Arial" pitchFamily="-112" charset="0"/>
-                <a:ea typeface="ＭＳ Ｐゴシック" pitchFamily="-112" charset="-128"/>
-                <a:cs typeface="ＭＳ Ｐゴシック" pitchFamily="-112" charset="-128"/>
-              </a:rPr>
-              <a:t>) {</a:t>
-            </a:r>
-          </a:p>
-          <a:p>
-            <a:pPr marL="0" marR="0" indent="0" algn="l" defTabSz="914400" rtl="0" eaLnBrk="0" fontAlgn="base" latinLnBrk="0" hangingPunct="0">
-              <a:lnSpc>
-                <a:spcPct val="100000"/>
-              </a:lnSpc>
-              <a:spcBef>
-                <a:spcPct val="0"/>
-              </a:spcBef>
-              <a:spcAft>
-                <a:spcPct val="0"/>
-              </a:spcAft>
-              <a:buClrTx/>
-              <a:buSzTx/>
-              <a:buFontTx/>
-              <a:buNone/>
-              <a:tabLst/>
-            </a:pPr>
-            <a:r>
-              <a:rPr lang="en-US" sz="1600" dirty="0">
-                <a:solidFill>
-                  <a:schemeClr val="bg2">
-                    <a:lumMod val="20000"/>
-                    <a:lumOff val="80000"/>
-                  </a:schemeClr>
-                </a:solidFill>
-                <a:latin typeface="Arial" pitchFamily="-112" charset="0"/>
-                <a:ea typeface="ＭＳ Ｐゴシック" pitchFamily="-112" charset="-128"/>
-                <a:cs typeface="ＭＳ Ｐゴシック" pitchFamily="-112" charset="-128"/>
-              </a:rPr>
-              <a:t> </a:t>
-            </a:r>
-            <a:r>
-              <a:rPr lang="en-US" sz="1600" dirty="0" smtClean="0">
-                <a:solidFill>
-                  <a:schemeClr val="bg2">
-                    <a:lumMod val="20000"/>
-                    <a:lumOff val="80000"/>
-                  </a:schemeClr>
-                </a:solidFill>
-                <a:latin typeface="Arial" pitchFamily="-112" charset="0"/>
-                <a:ea typeface="ＭＳ Ｐゴシック" pitchFamily="-112" charset="-128"/>
-                <a:cs typeface="ＭＳ Ｐゴシック" pitchFamily="-112" charset="-128"/>
-              </a:rPr>
-              <a:t>   </a:t>
-            </a:r>
-            <a:r>
-              <a:rPr lang="en-US" sz="1600" dirty="0" err="1" smtClean="0">
-                <a:solidFill>
-                  <a:schemeClr val="bg2">
-                    <a:lumMod val="20000"/>
-                    <a:lumOff val="80000"/>
-                  </a:schemeClr>
-                </a:solidFill>
-                <a:latin typeface="Arial" pitchFamily="-112" charset="0"/>
-                <a:ea typeface="ＭＳ Ｐゴシック" pitchFamily="-112" charset="-128"/>
-                <a:cs typeface="ＭＳ Ｐゴシック" pitchFamily="-112" charset="-128"/>
-              </a:rPr>
-              <a:t>System.out.print</a:t>
-            </a:r>
-            <a:r>
-              <a:rPr lang="en-US" sz="1600" dirty="0" smtClean="0">
-                <a:solidFill>
-                  <a:schemeClr val="bg2">
-                    <a:lumMod val="20000"/>
-                    <a:lumOff val="80000"/>
-                  </a:schemeClr>
-                </a:solidFill>
-                <a:latin typeface="Arial" pitchFamily="-112" charset="0"/>
-                <a:ea typeface="ＭＳ Ｐゴシック" pitchFamily="-112" charset="-128"/>
-                <a:cs typeface="ＭＳ Ｐゴシック" pitchFamily="-112" charset="-128"/>
-              </a:rPr>
-              <a:t>(“Hello!”);</a:t>
-            </a:r>
-            <a:endParaRPr lang="en-US" sz="1600" dirty="0">
-              <a:solidFill>
-                <a:schemeClr val="bg2">
-                  <a:lumMod val="20000"/>
-                  <a:lumOff val="80000"/>
-                </a:schemeClr>
-              </a:solidFill>
-              <a:latin typeface="Arial" pitchFamily="-112" charset="0"/>
-              <a:ea typeface="ＭＳ Ｐゴシック" pitchFamily="-112" charset="-128"/>
-              <a:cs typeface="ＭＳ Ｐゴシック" pitchFamily="-112" charset="-128"/>
-            </a:endParaRPr>
-          </a:p>
-          <a:p>
-            <a:pPr marL="0" marR="0" indent="0" algn="l" defTabSz="914400" rtl="0" eaLnBrk="0" fontAlgn="base" latinLnBrk="0" hangingPunct="0">
-              <a:lnSpc>
-                <a:spcPct val="100000"/>
-              </a:lnSpc>
-              <a:spcBef>
-                <a:spcPct val="0"/>
-              </a:spcBef>
-              <a:spcAft>
-                <a:spcPct val="0"/>
-              </a:spcAft>
-              <a:buClrTx/>
-              <a:buSzTx/>
-              <a:buFontTx/>
-              <a:buNone/>
-              <a:tabLst/>
-            </a:pPr>
-            <a:r>
-              <a:rPr lang="en-US" sz="1600" dirty="0" smtClean="0">
-                <a:solidFill>
-                  <a:schemeClr val="bg2">
-                    <a:lumMod val="20000"/>
-                    <a:lumOff val="80000"/>
-                  </a:schemeClr>
-                </a:solidFill>
-                <a:latin typeface="Arial" pitchFamily="-112" charset="0"/>
-                <a:ea typeface="ＭＳ Ｐゴシック" pitchFamily="-112" charset="-128"/>
-                <a:cs typeface="ＭＳ Ｐゴシック" pitchFamily="-112" charset="-128"/>
-              </a:rPr>
-              <a:t>}</a:t>
-            </a:r>
-          </a:p>
-        </p:txBody>
-      </p:sp>
+            <a:ext cx="9144000" cy="5727032"/>
+          </a:xfrm>
+          <a:prstGeom prst="rect">
+            <a:avLst/>
+          </a:prstGeom>
+        </p:spPr>
+      </p:pic>
     </p:spTree>
     <p:extLst>
       <p:ext uri="{BB962C8B-B14F-4D97-AF65-F5344CB8AC3E}">
@@ -12318,13 +11520,6 @@
   <p:clrMapOvr>
     <a:masterClrMapping/>
   </p:clrMapOvr>
-  <p:timing>
-    <p:tnLst>
-      <p:par>
-        <p:cTn id="1" dur="indefinite" restart="never" nodeType="tmRoot"/>
-      </p:par>
-    </p:tnLst>
-  </p:timing>
 </p:sld>
 </file>
 
@@ -12369,7 +11564,7 @@
           <a:p>
             <a:pPr algn="ctr"/>
             <a:r>
-              <a:rPr lang="en-US" sz="5400" b="1" dirty="0" smtClean="0">
+              <a:rPr lang="en-US" sz="5400" b="1" dirty="0">
                 <a:ln w="1905"/>
                 <a:gradFill>
                   <a:gsLst>
@@ -12405,40 +11600,6 @@
               </a:rPr>
               <a:t>The Big Picture</a:t>
             </a:r>
-            <a:endParaRPr lang="en-US" sz="5400" b="1" dirty="0">
-              <a:ln w="1905"/>
-              <a:gradFill>
-                <a:gsLst>
-                  <a:gs pos="0">
-                    <a:schemeClr val="accent6">
-                      <a:shade val="20000"/>
-                      <a:satMod val="200000"/>
-                    </a:schemeClr>
-                  </a:gs>
-                  <a:gs pos="78000">
-                    <a:schemeClr val="accent6">
-                      <a:tint val="90000"/>
-                      <a:shade val="89000"/>
-                      <a:satMod val="220000"/>
-                    </a:schemeClr>
-                  </a:gs>
-                  <a:gs pos="100000">
-                    <a:schemeClr val="accent6">
-                      <a:tint val="12000"/>
-                      <a:satMod val="255000"/>
-                    </a:schemeClr>
-                  </a:gs>
-                </a:gsLst>
-                <a:lin ang="5400000"/>
-              </a:gradFill>
-              <a:effectLst>
-                <a:innerShdw blurRad="69850" dist="43180" dir="5400000">
-                  <a:srgbClr val="000000">
-                    <a:alpha val="65000"/>
-                  </a:srgbClr>
-                </a:innerShdw>
-              </a:effectLst>
-            </a:endParaRPr>
           </a:p>
         </p:txBody>
       </p:sp>
@@ -12493,13 +11654,6 @@
   <p:clrMapOvr>
     <a:masterClrMapping/>
   </p:clrMapOvr>
-  <p:timing>
-    <p:tnLst>
-      <p:par>
-        <p:cTn id="1" dur="indefinite" restart="never" nodeType="tmRoot"/>
-      </p:par>
-    </p:tnLst>
-  </p:timing>
 </p:sld>
 </file>
 
@@ -12522,13 +11676,13 @@
       </p:grpSpPr>
       <p:pic>
         <p:nvPicPr>
-          <p:cNvPr id="4098" name="Picture 2" descr="C:\Users\Owner\Desktop\TestingArena.png"/>
-          <p:cNvPicPr>
-            <a:picLocks noChangeAspect="1" noChangeArrowheads="1"/>
-          </p:cNvPicPr>
-          <p:nvPr/>
-        </p:nvPicPr>
-        <p:blipFill>
+          <p:cNvPr id="3" name="Picture 2"/>
+          <p:cNvPicPr>
+            <a:picLocks noChangeAspect="1"/>
+          </p:cNvPicPr>
+          <p:nvPr/>
+        </p:nvPicPr>
+        <p:blipFill rotWithShape="1">
           <a:blip r:embed="rId2">
             <a:extLst>
               <a:ext uri="{28A0092B-C50C-407E-A947-70E740481C1C}">
@@ -12536,353 +11690,17 @@
               </a:ext>
             </a:extLst>
           </a:blip>
-          <a:srcRect/>
-          <a:stretch>
-            <a:fillRect/>
-          </a:stretch>
-        </p:blipFill>
-        <p:spPr bwMode="auto">
-          <a:xfrm>
-            <a:off x="0" y="76200"/>
-            <a:ext cx="9144000" cy="5667292"/>
-          </a:xfrm>
-          <a:prstGeom prst="rect">
-            <a:avLst/>
-          </a:prstGeom>
-          <a:noFill/>
-          <a:extLst>
-            <a:ext uri="{909E8E84-426E-40DD-AFC4-6F175D3DCCD1}">
-              <a14:hiddenFill xmlns:a14="http://schemas.microsoft.com/office/drawing/2010/main">
-                <a:solidFill>
-                  <a:srgbClr val="FFFFFF"/>
-                </a:solidFill>
-              </a14:hiddenFill>
-            </a:ext>
-          </a:extLst>
-        </p:spPr>
-      </p:pic>
-      <p:pic>
-        <p:nvPicPr>
-          <p:cNvPr id="5122" name="Picture 2"/>
-          <p:cNvPicPr>
-            <a:picLocks noChangeAspect="1" noChangeArrowheads="1"/>
-          </p:cNvPicPr>
-          <p:nvPr/>
-        </p:nvPicPr>
-        <p:blipFill>
-          <a:blip r:embed="rId3">
-            <a:extLst>
-              <a:ext uri="{28A0092B-C50C-407E-A947-70E740481C1C}">
-                <a14:useLocalDpi xmlns:a14="http://schemas.microsoft.com/office/drawing/2010/main" val="0"/>
-              </a:ext>
-            </a:extLst>
-          </a:blip>
-          <a:srcRect/>
-          <a:stretch>
-            <a:fillRect/>
-          </a:stretch>
-        </p:blipFill>
-        <p:spPr bwMode="auto">
-          <a:xfrm>
-            <a:off x="228600" y="1295400"/>
-            <a:ext cx="161925" cy="180975"/>
-          </a:xfrm>
-          <a:prstGeom prst="rect">
-            <a:avLst/>
-          </a:prstGeom>
-          <a:noFill/>
-          <a:ln>
-            <a:noFill/>
-          </a:ln>
-          <a:extLst>
-            <a:ext uri="{909E8E84-426E-40DD-AFC4-6F175D3DCCD1}">
-              <a14:hiddenFill xmlns:a14="http://schemas.microsoft.com/office/drawing/2010/main">
-                <a:solidFill>
-                  <a:schemeClr val="accent1"/>
-                </a:solidFill>
-              </a14:hiddenFill>
-            </a:ext>
-            <a:ext uri="{91240B29-F687-4F45-9708-019B960494DF}">
-              <a14:hiddenLine xmlns:a14="http://schemas.microsoft.com/office/drawing/2010/main" w="9525">
-                <a:solidFill>
-                  <a:schemeClr val="tx1"/>
-                </a:solidFill>
-                <a:miter lim="800000"/>
-                <a:headEnd/>
-                <a:tailEnd/>
-              </a14:hiddenLine>
-            </a:ext>
-          </a:extLst>
-        </p:spPr>
-      </p:pic>
-      <p:pic>
-        <p:nvPicPr>
-          <p:cNvPr id="5" name="Picture 2"/>
-          <p:cNvPicPr>
-            <a:picLocks noChangeAspect="1" noChangeArrowheads="1"/>
-          </p:cNvPicPr>
-          <p:nvPr/>
-        </p:nvPicPr>
-        <p:blipFill>
-          <a:blip r:embed="rId3">
-            <a:extLst>
-              <a:ext uri="{28A0092B-C50C-407E-A947-70E740481C1C}">
-                <a14:useLocalDpi xmlns:a14="http://schemas.microsoft.com/office/drawing/2010/main" val="0"/>
-              </a:ext>
-            </a:extLst>
-          </a:blip>
-          <a:srcRect/>
-          <a:stretch>
-            <a:fillRect/>
-          </a:stretch>
-        </p:blipFill>
-        <p:spPr bwMode="auto">
-          <a:xfrm>
-            <a:off x="228600" y="1476375"/>
-            <a:ext cx="161925" cy="180975"/>
-          </a:xfrm>
-          <a:prstGeom prst="rect">
-            <a:avLst/>
-          </a:prstGeom>
-          <a:noFill/>
-          <a:ln>
-            <a:noFill/>
-          </a:ln>
-          <a:extLst>
-            <a:ext uri="{909E8E84-426E-40DD-AFC4-6F175D3DCCD1}">
-              <a14:hiddenFill xmlns:a14="http://schemas.microsoft.com/office/drawing/2010/main">
-                <a:solidFill>
-                  <a:schemeClr val="accent1"/>
-                </a:solidFill>
-              </a14:hiddenFill>
-            </a:ext>
-            <a:ext uri="{91240B29-F687-4F45-9708-019B960494DF}">
-              <a14:hiddenLine xmlns:a14="http://schemas.microsoft.com/office/drawing/2010/main" w="9525">
-                <a:solidFill>
-                  <a:schemeClr val="tx1"/>
-                </a:solidFill>
-                <a:miter lim="800000"/>
-                <a:headEnd/>
-                <a:tailEnd/>
-              </a14:hiddenLine>
-            </a:ext>
-          </a:extLst>
-        </p:spPr>
-      </p:pic>
-      <p:pic>
-        <p:nvPicPr>
-          <p:cNvPr id="7" name="Picture 2"/>
-          <p:cNvPicPr>
-            <a:picLocks noChangeAspect="1" noChangeArrowheads="1"/>
-          </p:cNvPicPr>
-          <p:nvPr/>
-        </p:nvPicPr>
-        <p:blipFill>
-          <a:blip r:embed="rId3">
-            <a:extLst>
-              <a:ext uri="{28A0092B-C50C-407E-A947-70E740481C1C}">
-                <a14:useLocalDpi xmlns:a14="http://schemas.microsoft.com/office/drawing/2010/main" val="0"/>
-              </a:ext>
-            </a:extLst>
-          </a:blip>
-          <a:srcRect/>
-          <a:stretch>
-            <a:fillRect/>
-          </a:stretch>
-        </p:blipFill>
-        <p:spPr bwMode="auto">
-          <a:xfrm>
-            <a:off x="228599" y="1657350"/>
-            <a:ext cx="161925" cy="180975"/>
-          </a:xfrm>
-          <a:prstGeom prst="rect">
-            <a:avLst/>
-          </a:prstGeom>
-          <a:noFill/>
-          <a:ln>
-            <a:noFill/>
-          </a:ln>
-          <a:extLst>
-            <a:ext uri="{909E8E84-426E-40DD-AFC4-6F175D3DCCD1}">
-              <a14:hiddenFill xmlns:a14="http://schemas.microsoft.com/office/drawing/2010/main">
-                <a:solidFill>
-                  <a:schemeClr val="accent1"/>
-                </a:solidFill>
-              </a14:hiddenFill>
-            </a:ext>
-            <a:ext uri="{91240B29-F687-4F45-9708-019B960494DF}">
-              <a14:hiddenLine xmlns:a14="http://schemas.microsoft.com/office/drawing/2010/main" w="9525">
-                <a:solidFill>
-                  <a:schemeClr val="tx1"/>
-                </a:solidFill>
-                <a:miter lim="800000"/>
-                <a:headEnd/>
-                <a:tailEnd/>
-              </a14:hiddenLine>
-            </a:ext>
-          </a:extLst>
-        </p:spPr>
-      </p:pic>
-      <p:pic>
-        <p:nvPicPr>
-          <p:cNvPr id="8" name="Picture 2"/>
-          <p:cNvPicPr>
-            <a:picLocks noChangeAspect="1" noChangeArrowheads="1"/>
-          </p:cNvPicPr>
-          <p:nvPr/>
-        </p:nvPicPr>
-        <p:blipFill>
-          <a:blip r:embed="rId3">
-            <a:extLst>
-              <a:ext uri="{28A0092B-C50C-407E-A947-70E740481C1C}">
-                <a14:useLocalDpi xmlns:a14="http://schemas.microsoft.com/office/drawing/2010/main" val="0"/>
-              </a:ext>
-            </a:extLst>
-          </a:blip>
-          <a:srcRect/>
-          <a:stretch>
-            <a:fillRect/>
-          </a:stretch>
-        </p:blipFill>
-        <p:spPr bwMode="auto">
-          <a:xfrm>
-            <a:off x="219075" y="1838325"/>
-            <a:ext cx="161925" cy="180975"/>
-          </a:xfrm>
-          <a:prstGeom prst="rect">
-            <a:avLst/>
-          </a:prstGeom>
-          <a:noFill/>
-          <a:ln>
-            <a:noFill/>
-          </a:ln>
-          <a:extLst>
-            <a:ext uri="{909E8E84-426E-40DD-AFC4-6F175D3DCCD1}">
-              <a14:hiddenFill xmlns:a14="http://schemas.microsoft.com/office/drawing/2010/main">
-                <a:solidFill>
-                  <a:schemeClr val="accent1"/>
-                </a:solidFill>
-              </a14:hiddenFill>
-            </a:ext>
-            <a:ext uri="{91240B29-F687-4F45-9708-019B960494DF}">
-              <a14:hiddenLine xmlns:a14="http://schemas.microsoft.com/office/drawing/2010/main" w="9525">
-                <a:solidFill>
-                  <a:schemeClr val="tx1"/>
-                </a:solidFill>
-                <a:miter lim="800000"/>
-                <a:headEnd/>
-                <a:tailEnd/>
-              </a14:hiddenLine>
-            </a:ext>
-          </a:extLst>
-        </p:spPr>
-      </p:pic>
-      <p:sp>
-        <p:nvSpPr>
-          <p:cNvPr id="2" name="Oval 1"/>
-          <p:cNvSpPr/>
-          <p:nvPr/>
-        </p:nvSpPr>
-        <p:spPr bwMode="auto">
-          <a:xfrm>
-            <a:off x="295045" y="1729890"/>
-            <a:ext cx="45719" cy="45719"/>
-          </a:xfrm>
-          <a:prstGeom prst="ellipse">
-            <a:avLst/>
-          </a:prstGeom>
-          <a:solidFill>
-            <a:schemeClr val="tx1"/>
-          </a:solidFill>
-          <a:ln w="9525" cap="flat" cmpd="sng" algn="ctr">
-            <a:solidFill>
-              <a:schemeClr val="tx1"/>
-            </a:solidFill>
-            <a:prstDash val="solid"/>
-            <a:round/>
-            <a:headEnd type="none" w="med" len="med"/>
-            <a:tailEnd type="none" w="med" len="med"/>
-          </a:ln>
-          <a:effectLst/>
-        </p:spPr>
-        <p:txBody>
-          <a:bodyPr vert="horz" wrap="square" lIns="91440" tIns="45720" rIns="91440" bIns="45720" numCol="1" rtlCol="0" anchor="t" anchorCtr="0" compatLnSpc="1">
-            <a:prstTxWarp prst="textNoShape">
-              <a:avLst/>
-            </a:prstTxWarp>
-          </a:bodyPr>
-          <a:lstStyle/>
-          <a:p>
-            <a:pPr marL="0" marR="0" indent="0" algn="l" defTabSz="914400" rtl="0" eaLnBrk="0" fontAlgn="base" latinLnBrk="0" hangingPunct="0">
-              <a:lnSpc>
-                <a:spcPct val="100000"/>
-              </a:lnSpc>
-              <a:spcBef>
-                <a:spcPct val="0"/>
-              </a:spcBef>
-              <a:spcAft>
-                <a:spcPct val="0"/>
-              </a:spcAft>
-              <a:buClrTx/>
-              <a:buSzTx/>
-              <a:buFontTx/>
-              <a:buNone/>
-              <a:tabLst/>
-            </a:pPr>
-            <a:endParaRPr kumimoji="0" lang="en-US" sz="2400" b="0" i="0" u="none" strike="noStrike" cap="none" normalizeH="0" baseline="0">
-              <a:ln>
-                <a:noFill/>
-              </a:ln>
-              <a:solidFill>
-                <a:schemeClr val="tx1"/>
-              </a:solidFill>
-              <a:effectLst/>
-              <a:latin typeface="Arial" pitchFamily="-112" charset="0"/>
-              <a:ea typeface="ＭＳ Ｐゴシック" pitchFamily="-112" charset="-128"/>
-              <a:cs typeface="ＭＳ Ｐゴシック" pitchFamily="-112" charset="-128"/>
-            </a:endParaRPr>
-          </a:p>
-        </p:txBody>
-      </p:sp>
-      <p:pic>
-        <p:nvPicPr>
-          <p:cNvPr id="6" name="Picture 10" descr="C:\Users\Owner\AppData\Local\Microsoft\Windows\Temporary Internet Files\Content.IE5\4SKU0K12\White-Pixel-Mouse-Cursor-Arow-Fixed[1].png"/>
-          <p:cNvPicPr>
-            <a:picLocks noChangeAspect="1" noChangeArrowheads="1"/>
-          </p:cNvPicPr>
-          <p:nvPr/>
-        </p:nvPicPr>
-        <p:blipFill>
-          <a:blip r:embed="rId4" cstate="print">
-            <a:extLst>
-              <a:ext uri="{28A0092B-C50C-407E-A947-70E740481C1C}">
-                <a14:useLocalDpi xmlns:a14="http://schemas.microsoft.com/office/drawing/2010/main" val="0"/>
-              </a:ext>
-            </a:extLst>
-          </a:blip>
-          <a:srcRect/>
-          <a:stretch>
-            <a:fillRect/>
-          </a:stretch>
-        </p:blipFill>
-        <p:spPr bwMode="auto">
-          <a:xfrm>
-            <a:off x="306511" y="1739415"/>
-            <a:ext cx="126873" cy="201386"/>
-          </a:xfrm>
-          <a:prstGeom prst="rect">
-            <a:avLst/>
-          </a:prstGeom>
-          <a:noFill/>
-          <a:extLst>
-            <a:ext uri="{909E8E84-426E-40DD-AFC4-6F175D3DCCD1}">
-              <a14:hiddenFill xmlns:a14="http://schemas.microsoft.com/office/drawing/2010/main">
-                <a:solidFill>
-                  <a:srgbClr val="FFFFFF"/>
-                </a:solidFill>
-              </a14:hiddenFill>
-            </a:ext>
-          </a:extLst>
+          <a:srcRect l="11666" t="8462" r="10834"/>
+          <a:stretch/>
+        </p:blipFill>
+        <p:spPr>
+          <a:xfrm>
+            <a:off x="0" y="5179"/>
+            <a:ext cx="9144000" cy="5850194"/>
+          </a:xfrm>
+          <a:prstGeom prst="rect">
+            <a:avLst/>
+          </a:prstGeom>
         </p:spPr>
       </p:pic>
     </p:spTree>
@@ -12895,13 +11713,6 @@
   <p:clrMapOvr>
     <a:masterClrMapping/>
   </p:clrMapOvr>
-  <p:timing>
-    <p:tnLst>
-      <p:par>
-        <p:cTn id="1" dur="indefinite" restart="never" nodeType="tmRoot"/>
-      </p:par>
-    </p:tnLst>
-  </p:timing>
 </p:sld>
 </file>
 
@@ -12924,13 +11735,13 @@
       </p:grpSpPr>
       <p:pic>
         <p:nvPicPr>
-          <p:cNvPr id="4098" name="Picture 2" descr="C:\Users\Owner\Desktop\TestingArena.png"/>
-          <p:cNvPicPr>
-            <a:picLocks noChangeAspect="1" noChangeArrowheads="1"/>
-          </p:cNvPicPr>
-          <p:nvPr/>
-        </p:nvPicPr>
-        <p:blipFill>
+          <p:cNvPr id="3" name="Picture 2"/>
+          <p:cNvPicPr>
+            <a:picLocks noChangeAspect="1"/>
+          </p:cNvPicPr>
+          <p:nvPr/>
+        </p:nvPicPr>
+        <p:blipFill rotWithShape="1">
           <a:blip r:embed="rId2">
             <a:extLst>
               <a:ext uri="{28A0092B-C50C-407E-A947-70E740481C1C}">
@@ -12938,353 +11749,17 @@
               </a:ext>
             </a:extLst>
           </a:blip>
-          <a:srcRect/>
-          <a:stretch>
-            <a:fillRect/>
-          </a:stretch>
-        </p:blipFill>
-        <p:spPr bwMode="auto">
-          <a:xfrm>
-            <a:off x="0" y="76200"/>
-            <a:ext cx="9144000" cy="5667292"/>
-          </a:xfrm>
-          <a:prstGeom prst="rect">
-            <a:avLst/>
-          </a:prstGeom>
-          <a:noFill/>
-          <a:extLst>
-            <a:ext uri="{909E8E84-426E-40DD-AFC4-6F175D3DCCD1}">
-              <a14:hiddenFill xmlns:a14="http://schemas.microsoft.com/office/drawing/2010/main">
-                <a:solidFill>
-                  <a:srgbClr val="FFFFFF"/>
-                </a:solidFill>
-              </a14:hiddenFill>
-            </a:ext>
-          </a:extLst>
-        </p:spPr>
-      </p:pic>
-      <p:pic>
-        <p:nvPicPr>
-          <p:cNvPr id="5122" name="Picture 2"/>
-          <p:cNvPicPr>
-            <a:picLocks noChangeAspect="1" noChangeArrowheads="1"/>
-          </p:cNvPicPr>
-          <p:nvPr/>
-        </p:nvPicPr>
-        <p:blipFill>
-          <a:blip r:embed="rId3">
-            <a:extLst>
-              <a:ext uri="{28A0092B-C50C-407E-A947-70E740481C1C}">
-                <a14:useLocalDpi xmlns:a14="http://schemas.microsoft.com/office/drawing/2010/main" val="0"/>
-              </a:ext>
-            </a:extLst>
-          </a:blip>
-          <a:srcRect/>
-          <a:stretch>
-            <a:fillRect/>
-          </a:stretch>
-        </p:blipFill>
-        <p:spPr bwMode="auto">
-          <a:xfrm>
-            <a:off x="228600" y="1295400"/>
-            <a:ext cx="161925" cy="180975"/>
-          </a:xfrm>
-          <a:prstGeom prst="rect">
-            <a:avLst/>
-          </a:prstGeom>
-          <a:noFill/>
-          <a:ln>
-            <a:noFill/>
-          </a:ln>
-          <a:extLst>
-            <a:ext uri="{909E8E84-426E-40DD-AFC4-6F175D3DCCD1}">
-              <a14:hiddenFill xmlns:a14="http://schemas.microsoft.com/office/drawing/2010/main">
-                <a:solidFill>
-                  <a:schemeClr val="accent1"/>
-                </a:solidFill>
-              </a14:hiddenFill>
-            </a:ext>
-            <a:ext uri="{91240B29-F687-4F45-9708-019B960494DF}">
-              <a14:hiddenLine xmlns:a14="http://schemas.microsoft.com/office/drawing/2010/main" w="9525">
-                <a:solidFill>
-                  <a:schemeClr val="tx1"/>
-                </a:solidFill>
-                <a:miter lim="800000"/>
-                <a:headEnd/>
-                <a:tailEnd/>
-              </a14:hiddenLine>
-            </a:ext>
-          </a:extLst>
-        </p:spPr>
-      </p:pic>
-      <p:pic>
-        <p:nvPicPr>
-          <p:cNvPr id="5" name="Picture 2"/>
-          <p:cNvPicPr>
-            <a:picLocks noChangeAspect="1" noChangeArrowheads="1"/>
-          </p:cNvPicPr>
-          <p:nvPr/>
-        </p:nvPicPr>
-        <p:blipFill>
-          <a:blip r:embed="rId3">
-            <a:extLst>
-              <a:ext uri="{28A0092B-C50C-407E-A947-70E740481C1C}">
-                <a14:useLocalDpi xmlns:a14="http://schemas.microsoft.com/office/drawing/2010/main" val="0"/>
-              </a:ext>
-            </a:extLst>
-          </a:blip>
-          <a:srcRect/>
-          <a:stretch>
-            <a:fillRect/>
-          </a:stretch>
-        </p:blipFill>
-        <p:spPr bwMode="auto">
-          <a:xfrm>
-            <a:off x="228600" y="1476375"/>
-            <a:ext cx="161925" cy="180975"/>
-          </a:xfrm>
-          <a:prstGeom prst="rect">
-            <a:avLst/>
-          </a:prstGeom>
-          <a:noFill/>
-          <a:ln>
-            <a:noFill/>
-          </a:ln>
-          <a:extLst>
-            <a:ext uri="{909E8E84-426E-40DD-AFC4-6F175D3DCCD1}">
-              <a14:hiddenFill xmlns:a14="http://schemas.microsoft.com/office/drawing/2010/main">
-                <a:solidFill>
-                  <a:schemeClr val="accent1"/>
-                </a:solidFill>
-              </a14:hiddenFill>
-            </a:ext>
-            <a:ext uri="{91240B29-F687-4F45-9708-019B960494DF}">
-              <a14:hiddenLine xmlns:a14="http://schemas.microsoft.com/office/drawing/2010/main" w="9525">
-                <a:solidFill>
-                  <a:schemeClr val="tx1"/>
-                </a:solidFill>
-                <a:miter lim="800000"/>
-                <a:headEnd/>
-                <a:tailEnd/>
-              </a14:hiddenLine>
-            </a:ext>
-          </a:extLst>
-        </p:spPr>
-      </p:pic>
-      <p:pic>
-        <p:nvPicPr>
-          <p:cNvPr id="7" name="Picture 2"/>
-          <p:cNvPicPr>
-            <a:picLocks noChangeAspect="1" noChangeArrowheads="1"/>
-          </p:cNvPicPr>
-          <p:nvPr/>
-        </p:nvPicPr>
-        <p:blipFill>
-          <a:blip r:embed="rId3">
-            <a:extLst>
-              <a:ext uri="{28A0092B-C50C-407E-A947-70E740481C1C}">
-                <a14:useLocalDpi xmlns:a14="http://schemas.microsoft.com/office/drawing/2010/main" val="0"/>
-              </a:ext>
-            </a:extLst>
-          </a:blip>
-          <a:srcRect/>
-          <a:stretch>
-            <a:fillRect/>
-          </a:stretch>
-        </p:blipFill>
-        <p:spPr bwMode="auto">
-          <a:xfrm>
-            <a:off x="228599" y="1657350"/>
-            <a:ext cx="161925" cy="180975"/>
-          </a:xfrm>
-          <a:prstGeom prst="rect">
-            <a:avLst/>
-          </a:prstGeom>
-          <a:noFill/>
-          <a:ln>
-            <a:noFill/>
-          </a:ln>
-          <a:extLst>
-            <a:ext uri="{909E8E84-426E-40DD-AFC4-6F175D3DCCD1}">
-              <a14:hiddenFill xmlns:a14="http://schemas.microsoft.com/office/drawing/2010/main">
-                <a:solidFill>
-                  <a:schemeClr val="accent1"/>
-                </a:solidFill>
-              </a14:hiddenFill>
-            </a:ext>
-            <a:ext uri="{91240B29-F687-4F45-9708-019B960494DF}">
-              <a14:hiddenLine xmlns:a14="http://schemas.microsoft.com/office/drawing/2010/main" w="9525">
-                <a:solidFill>
-                  <a:schemeClr val="tx1"/>
-                </a:solidFill>
-                <a:miter lim="800000"/>
-                <a:headEnd/>
-                <a:tailEnd/>
-              </a14:hiddenLine>
-            </a:ext>
-          </a:extLst>
-        </p:spPr>
-      </p:pic>
-      <p:pic>
-        <p:nvPicPr>
-          <p:cNvPr id="8" name="Picture 2"/>
-          <p:cNvPicPr>
-            <a:picLocks noChangeAspect="1" noChangeArrowheads="1"/>
-          </p:cNvPicPr>
-          <p:nvPr/>
-        </p:nvPicPr>
-        <p:blipFill>
-          <a:blip r:embed="rId3">
-            <a:extLst>
-              <a:ext uri="{28A0092B-C50C-407E-A947-70E740481C1C}">
-                <a14:useLocalDpi xmlns:a14="http://schemas.microsoft.com/office/drawing/2010/main" val="0"/>
-              </a:ext>
-            </a:extLst>
-          </a:blip>
-          <a:srcRect/>
-          <a:stretch>
-            <a:fillRect/>
-          </a:stretch>
-        </p:blipFill>
-        <p:spPr bwMode="auto">
-          <a:xfrm>
-            <a:off x="219075" y="1838325"/>
-            <a:ext cx="161925" cy="180975"/>
-          </a:xfrm>
-          <a:prstGeom prst="rect">
-            <a:avLst/>
-          </a:prstGeom>
-          <a:noFill/>
-          <a:ln>
-            <a:noFill/>
-          </a:ln>
-          <a:extLst>
-            <a:ext uri="{909E8E84-426E-40DD-AFC4-6F175D3DCCD1}">
-              <a14:hiddenFill xmlns:a14="http://schemas.microsoft.com/office/drawing/2010/main">
-                <a:solidFill>
-                  <a:schemeClr val="accent1"/>
-                </a:solidFill>
-              </a14:hiddenFill>
-            </a:ext>
-            <a:ext uri="{91240B29-F687-4F45-9708-019B960494DF}">
-              <a14:hiddenLine xmlns:a14="http://schemas.microsoft.com/office/drawing/2010/main" w="9525">
-                <a:solidFill>
-                  <a:schemeClr val="tx1"/>
-                </a:solidFill>
-                <a:miter lim="800000"/>
-                <a:headEnd/>
-                <a:tailEnd/>
-              </a14:hiddenLine>
-            </a:ext>
-          </a:extLst>
-        </p:spPr>
-      </p:pic>
-      <p:sp>
-        <p:nvSpPr>
-          <p:cNvPr id="2" name="Oval 1"/>
-          <p:cNvSpPr/>
-          <p:nvPr/>
-        </p:nvSpPr>
-        <p:spPr bwMode="auto">
-          <a:xfrm>
-            <a:off x="286702" y="1905952"/>
-            <a:ext cx="45719" cy="45719"/>
-          </a:xfrm>
-          <a:prstGeom prst="ellipse">
-            <a:avLst/>
-          </a:prstGeom>
-          <a:solidFill>
-            <a:schemeClr val="tx1"/>
-          </a:solidFill>
-          <a:ln w="9525" cap="flat" cmpd="sng" algn="ctr">
-            <a:solidFill>
-              <a:schemeClr val="tx1"/>
-            </a:solidFill>
-            <a:prstDash val="solid"/>
-            <a:round/>
-            <a:headEnd type="none" w="med" len="med"/>
-            <a:tailEnd type="none" w="med" len="med"/>
-          </a:ln>
-          <a:effectLst/>
-        </p:spPr>
-        <p:txBody>
-          <a:bodyPr vert="horz" wrap="square" lIns="91440" tIns="45720" rIns="91440" bIns="45720" numCol="1" rtlCol="0" anchor="t" anchorCtr="0" compatLnSpc="1">
-            <a:prstTxWarp prst="textNoShape">
-              <a:avLst/>
-            </a:prstTxWarp>
-          </a:bodyPr>
-          <a:lstStyle/>
-          <a:p>
-            <a:pPr marL="0" marR="0" indent="0" algn="l" defTabSz="914400" rtl="0" eaLnBrk="0" fontAlgn="base" latinLnBrk="0" hangingPunct="0">
-              <a:lnSpc>
-                <a:spcPct val="100000"/>
-              </a:lnSpc>
-              <a:spcBef>
-                <a:spcPct val="0"/>
-              </a:spcBef>
-              <a:spcAft>
-                <a:spcPct val="0"/>
-              </a:spcAft>
-              <a:buClrTx/>
-              <a:buSzTx/>
-              <a:buFontTx/>
-              <a:buNone/>
-              <a:tabLst/>
-            </a:pPr>
-            <a:endParaRPr kumimoji="0" lang="en-US" sz="2400" b="0" i="0" u="none" strike="noStrike" cap="none" normalizeH="0" baseline="0">
-              <a:ln>
-                <a:noFill/>
-              </a:ln>
-              <a:solidFill>
-                <a:schemeClr val="tx1"/>
-              </a:solidFill>
-              <a:effectLst/>
-              <a:latin typeface="Arial" pitchFamily="-112" charset="0"/>
-              <a:ea typeface="ＭＳ Ｐゴシック" pitchFamily="-112" charset="-128"/>
-              <a:cs typeface="ＭＳ Ｐゴシック" pitchFamily="-112" charset="-128"/>
-            </a:endParaRPr>
-          </a:p>
-        </p:txBody>
-      </p:sp>
-      <p:pic>
-        <p:nvPicPr>
-          <p:cNvPr id="6" name="Picture 10" descr="C:\Users\Owner\AppData\Local\Microsoft\Windows\Temporary Internet Files\Content.IE5\4SKU0K12\White-Pixel-Mouse-Cursor-Arow-Fixed[1].png"/>
-          <p:cNvPicPr>
-            <a:picLocks noChangeAspect="1" noChangeArrowheads="1"/>
-          </p:cNvPicPr>
-          <p:nvPr/>
-        </p:nvPicPr>
-        <p:blipFill>
-          <a:blip r:embed="rId4" cstate="print">
-            <a:extLst>
-              <a:ext uri="{28A0092B-C50C-407E-A947-70E740481C1C}">
-                <a14:useLocalDpi xmlns:a14="http://schemas.microsoft.com/office/drawing/2010/main" val="0"/>
-              </a:ext>
-            </a:extLst>
-          </a:blip>
-          <a:srcRect/>
-          <a:stretch>
-            <a:fillRect/>
-          </a:stretch>
-        </p:blipFill>
-        <p:spPr bwMode="auto">
-          <a:xfrm>
-            <a:off x="299232" y="1905952"/>
-            <a:ext cx="126873" cy="201386"/>
-          </a:xfrm>
-          <a:prstGeom prst="rect">
-            <a:avLst/>
-          </a:prstGeom>
-          <a:noFill/>
-          <a:extLst>
-            <a:ext uri="{909E8E84-426E-40DD-AFC4-6F175D3DCCD1}">
-              <a14:hiddenFill xmlns:a14="http://schemas.microsoft.com/office/drawing/2010/main">
-                <a:solidFill>
-                  <a:srgbClr val="FFFFFF"/>
-                </a:solidFill>
-              </a14:hiddenFill>
-            </a:ext>
-          </a:extLst>
+          <a:srcRect l="10000" t="8462" r="9167"/>
+          <a:stretch/>
+        </p:blipFill>
+        <p:spPr>
+          <a:xfrm>
+            <a:off x="0" y="152400"/>
+            <a:ext cx="9144000" cy="5608949"/>
+          </a:xfrm>
+          <a:prstGeom prst="rect">
+            <a:avLst/>
+          </a:prstGeom>
         </p:spPr>
       </p:pic>
     </p:spTree>
@@ -13297,13 +11772,6 @@
   <p:clrMapOvr>
     <a:masterClrMapping/>
   </p:clrMapOvr>
-  <p:timing>
-    <p:tnLst>
-      <p:par>
-        <p:cTn id="1" dur="indefinite" restart="never" nodeType="tmRoot"/>
-      </p:par>
-    </p:tnLst>
-  </p:timing>
 </p:sld>
 </file>
 
@@ -13326,6 +11794,101 @@
       </p:grpSpPr>
       <p:sp>
         <p:nvSpPr>
+          <p:cNvPr id="2" name="Title 1"/>
+          <p:cNvSpPr>
+            <a:spLocks noGrp="1"/>
+          </p:cNvSpPr>
+          <p:nvPr>
+            <p:ph type="title"/>
+          </p:nvPr>
+        </p:nvSpPr>
+        <p:spPr/>
+        <p:txBody>
+          <a:bodyPr/>
+          <a:lstStyle/>
+          <a:p>
+            <a:r>
+              <a:rPr lang="en-US" dirty="0"/>
+              <a:t>Tom put TA game display picture here</a:t>
+            </a:r>
+          </a:p>
+        </p:txBody>
+      </p:sp>
+      <p:sp>
+        <p:nvSpPr>
+          <p:cNvPr id="3" name="Content Placeholder 2"/>
+          <p:cNvSpPr>
+            <a:spLocks noGrp="1"/>
+          </p:cNvSpPr>
+          <p:nvPr>
+            <p:ph idx="1"/>
+          </p:nvPr>
+        </p:nvSpPr>
+        <p:spPr/>
+        <p:txBody>
+          <a:bodyPr/>
+          <a:lstStyle/>
+          <a:p>
+            <a:r>
+              <a:rPr lang="en-US" dirty="0"/>
+              <a:t>TODO </a:t>
+            </a:r>
+            <a:r>
+              <a:rPr lang="en-US" dirty="0" err="1"/>
+              <a:t>TODO</a:t>
+            </a:r>
+            <a:r>
+              <a:rPr lang="en-US" dirty="0"/>
+              <a:t> </a:t>
+            </a:r>
+            <a:r>
+              <a:rPr lang="en-US" dirty="0" err="1"/>
+              <a:t>TODO</a:t>
+            </a:r>
+            <a:r>
+              <a:rPr lang="en-US" dirty="0"/>
+              <a:t> </a:t>
+            </a:r>
+            <a:r>
+              <a:rPr lang="en-US" dirty="0" err="1"/>
+              <a:t>TODO</a:t>
+            </a:r>
+            <a:endParaRPr lang="en-US" dirty="0"/>
+          </a:p>
+        </p:txBody>
+      </p:sp>
+    </p:spTree>
+    <p:extLst>
+      <p:ext uri="{BB962C8B-B14F-4D97-AF65-F5344CB8AC3E}">
+        <p14:creationId xmlns:p14="http://schemas.microsoft.com/office/powerpoint/2010/main" val="819241105"/>
+      </p:ext>
+    </p:extLst>
+  </p:cSld>
+  <p:clrMapOvr>
+    <a:masterClrMapping/>
+  </p:clrMapOvr>
+</p:sld>
+</file>
+
+<file path=ppt/slides/slide23.xml><?xml version="1.0" encoding="utf-8"?>
+<p:sld xmlns:a="http://schemas.openxmlformats.org/drawingml/2006/main" xmlns:r="http://schemas.openxmlformats.org/officeDocument/2006/relationships" xmlns:p="http://schemas.openxmlformats.org/presentationml/2006/main">
+  <p:cSld>
+    <p:spTree>
+      <p:nvGrpSpPr>
+        <p:cNvPr id="1" name=""/>
+        <p:cNvGrpSpPr/>
+        <p:nvPr/>
+      </p:nvGrpSpPr>
+      <p:grpSpPr>
+        <a:xfrm>
+          <a:off x="0" y="0"/>
+          <a:ext cx="0" cy="0"/>
+          <a:chOff x="0" y="0"/>
+          <a:chExt cx="0" cy="0"/>
+        </a:xfrm>
+      </p:grpSpPr>
+      <p:sp>
+        <p:nvSpPr>
           <p:cNvPr id="2" name="Rectangle 1"/>
           <p:cNvSpPr/>
           <p:nvPr/>
@@ -13348,7 +11911,7 @@
           <a:p>
             <a:pPr algn="ctr"/>
             <a:r>
-              <a:rPr lang="en-US" sz="5400" b="1" dirty="0" smtClean="0">
+              <a:rPr lang="en-US" sz="5400" b="1" dirty="0">
                 <a:ln w="1905"/>
                 <a:gradFill>
                   <a:gsLst>
@@ -13384,40 +11947,6 @@
               </a:rPr>
               <a:t>Game Challenges</a:t>
             </a:r>
-            <a:endParaRPr lang="en-US" sz="5400" b="1" dirty="0">
-              <a:ln w="1905"/>
-              <a:gradFill>
-                <a:gsLst>
-                  <a:gs pos="0">
-                    <a:schemeClr val="accent6">
-                      <a:shade val="20000"/>
-                      <a:satMod val="200000"/>
-                    </a:schemeClr>
-                  </a:gs>
-                  <a:gs pos="78000">
-                    <a:schemeClr val="accent6">
-                      <a:tint val="90000"/>
-                      <a:shade val="89000"/>
-                      <a:satMod val="220000"/>
-                    </a:schemeClr>
-                  </a:gs>
-                  <a:gs pos="100000">
-                    <a:schemeClr val="accent6">
-                      <a:tint val="12000"/>
-                      <a:satMod val="255000"/>
-                    </a:schemeClr>
-                  </a:gs>
-                </a:gsLst>
-                <a:lin ang="5400000"/>
-              </a:gradFill>
-              <a:effectLst>
-                <a:innerShdw blurRad="69850" dist="43180" dir="5400000">
-                  <a:srgbClr val="000000">
-                    <a:alpha val="65000"/>
-                  </a:srgbClr>
-                </a:innerShdw>
-              </a:effectLst>
-            </a:endParaRPr>
           </a:p>
         </p:txBody>
       </p:sp>
@@ -13431,17 +11960,10 @@
   <p:clrMapOvr>
     <a:masterClrMapping/>
   </p:clrMapOvr>
-  <p:timing>
-    <p:tnLst>
-      <p:par>
-        <p:cTn id="1" dur="indefinite" restart="never" nodeType="tmRoot"/>
-      </p:par>
-    </p:tnLst>
-  </p:timing>
 </p:sld>
 </file>
 
-<file path=ppt/slides/slide23.xml><?xml version="1.0" encoding="utf-8"?>
+<file path=ppt/slides/slide24.xml><?xml version="1.0" encoding="utf-8"?>
 <p:sld xmlns:a="http://schemas.openxmlformats.org/drawingml/2006/main" xmlns:r="http://schemas.openxmlformats.org/officeDocument/2006/relationships" xmlns:p="http://schemas.openxmlformats.org/presentationml/2006/main">
   <p:cSld>
     <p:spTree>
@@ -13482,7 +12004,7 @@
           <a:p>
             <a:pPr algn="ctr"/>
             <a:r>
-              <a:rPr lang="en-US" sz="5400" b="1" dirty="0" smtClean="0">
+              <a:rPr lang="en-US" sz="5400" b="1" dirty="0">
                 <a:ln w="1905"/>
                 <a:gradFill>
                   <a:gsLst>
@@ -13518,40 +12040,6 @@
               </a:rPr>
               <a:t>Capture The Flag</a:t>
             </a:r>
-            <a:endParaRPr lang="en-US" sz="5400" b="1" dirty="0">
-              <a:ln w="1905"/>
-              <a:gradFill>
-                <a:gsLst>
-                  <a:gs pos="0">
-                    <a:schemeClr val="accent6">
-                      <a:shade val="20000"/>
-                      <a:satMod val="200000"/>
-                    </a:schemeClr>
-                  </a:gs>
-                  <a:gs pos="78000">
-                    <a:schemeClr val="accent6">
-                      <a:tint val="90000"/>
-                      <a:shade val="89000"/>
-                      <a:satMod val="220000"/>
-                    </a:schemeClr>
-                  </a:gs>
-                  <a:gs pos="100000">
-                    <a:schemeClr val="accent6">
-                      <a:tint val="12000"/>
-                      <a:satMod val="255000"/>
-                    </a:schemeClr>
-                  </a:gs>
-                </a:gsLst>
-                <a:lin ang="5400000"/>
-              </a:gradFill>
-              <a:effectLst>
-                <a:innerShdw blurRad="69850" dist="43180" dir="5400000">
-                  <a:srgbClr val="000000">
-                    <a:alpha val="65000"/>
-                  </a:srgbClr>
-                </a:innerShdw>
-              </a:effectLst>
-            </a:endParaRPr>
           </a:p>
         </p:txBody>
       </p:sp>
@@ -13582,10 +12070,9 @@
               <a:buChar char="•"/>
             </a:pPr>
             <a:r>
-              <a:rPr lang="en-US" sz="3600" b="1" dirty="0" smtClean="0"/>
+              <a:rPr lang="en-US" sz="3600" b="1" dirty="0"/>
               <a:t>Math Based Game Challenge</a:t>
             </a:r>
-            <a:endParaRPr lang="en-US" sz="3600" b="1" dirty="0"/>
           </a:p>
           <a:p>
             <a:pPr marL="457200" indent="-457200">
@@ -13593,7 +12080,7 @@
               <a:buChar char="•"/>
             </a:pPr>
             <a:r>
-              <a:rPr lang="en-US" sz="3600" b="1" dirty="0" smtClean="0"/>
+              <a:rPr lang="en-US" sz="3600" b="1" dirty="0"/>
               <a:t>Many layers of strategy</a:t>
             </a:r>
           </a:p>
@@ -13603,7 +12090,7 @@
               <a:buChar char="•"/>
             </a:pPr>
             <a:r>
-              <a:rPr lang="en-US" sz="3600" b="1" dirty="0" smtClean="0"/>
+              <a:rPr lang="en-US" sz="3600" b="1" dirty="0"/>
               <a:t>Aggressive vs Conservative</a:t>
             </a:r>
           </a:p>
@@ -13613,7 +12100,7 @@
               <a:buChar char="•"/>
             </a:pPr>
             <a:r>
-              <a:rPr lang="en-US" sz="3600" b="1" dirty="0" smtClean="0"/>
+              <a:rPr lang="en-US" sz="3600" b="1" dirty="0"/>
               <a:t>Attack Focus vs Defense</a:t>
             </a:r>
           </a:p>
@@ -13622,7 +12109,7 @@
               <a:buFont typeface="Arial" panose="020B0604020202020204" pitchFamily="34" charset="0"/>
               <a:buChar char="•"/>
             </a:pPr>
-            <a:endParaRPr lang="en-US" sz="3600" b="1" dirty="0" smtClean="0"/>
+            <a:endParaRPr lang="en-US" sz="3600" b="1" dirty="0"/>
           </a:p>
         </p:txBody>
       </p:sp>
@@ -13636,544 +12123,6 @@
   <p:clrMapOvr>
     <a:masterClrMapping/>
   </p:clrMapOvr>
-  <p:timing>
-    <p:tnLst>
-      <p:par>
-        <p:cTn id="1" dur="indefinite" restart="never" nodeType="tmRoot"/>
-      </p:par>
-    </p:tnLst>
-  </p:timing>
-</p:sld>
-</file>
-
-<file path=ppt/slides/slide24.xml><?xml version="1.0" encoding="utf-8"?>
-<p:sld xmlns:a="http://schemas.openxmlformats.org/drawingml/2006/main" xmlns:r="http://schemas.openxmlformats.org/officeDocument/2006/relationships" xmlns:p="http://schemas.openxmlformats.org/presentationml/2006/main">
-  <p:cSld>
-    <p:spTree>
-      <p:nvGrpSpPr>
-        <p:cNvPr id="1" name=""/>
-        <p:cNvGrpSpPr/>
-        <p:nvPr/>
-      </p:nvGrpSpPr>
-      <p:grpSpPr>
-        <a:xfrm>
-          <a:off x="0" y="0"/>
-          <a:ext cx="0" cy="0"/>
-          <a:chOff x="0" y="0"/>
-          <a:chExt cx="0" cy="0"/>
-        </a:xfrm>
-      </p:grpSpPr>
-      <p:pic>
-        <p:nvPicPr>
-          <p:cNvPr id="1026" name="Picture 2"/>
-          <p:cNvPicPr>
-            <a:picLocks noChangeAspect="1" noChangeArrowheads="1"/>
-          </p:cNvPicPr>
-          <p:nvPr/>
-        </p:nvPicPr>
-        <p:blipFill>
-          <a:blip r:embed="rId2">
-            <a:extLst>
-              <a:ext uri="{28A0092B-C50C-407E-A947-70E740481C1C}">
-                <a14:useLocalDpi xmlns:a14="http://schemas.microsoft.com/office/drawing/2010/main" val="0"/>
-              </a:ext>
-            </a:extLst>
-          </a:blip>
-          <a:srcRect/>
-          <a:stretch>
-            <a:fillRect/>
-          </a:stretch>
-        </p:blipFill>
-        <p:spPr bwMode="auto">
-          <a:xfrm>
-            <a:off x="0" y="236113"/>
-            <a:ext cx="9148293" cy="5280722"/>
-          </a:xfrm>
-          <a:prstGeom prst="rect">
-            <a:avLst/>
-          </a:prstGeom>
-          <a:noFill/>
-          <a:ln>
-            <a:noFill/>
-          </a:ln>
-          <a:extLst>
-            <a:ext uri="{909E8E84-426E-40DD-AFC4-6F175D3DCCD1}">
-              <a14:hiddenFill xmlns:a14="http://schemas.microsoft.com/office/drawing/2010/main">
-                <a:solidFill>
-                  <a:schemeClr val="accent1"/>
-                </a:solidFill>
-              </a14:hiddenFill>
-            </a:ext>
-            <a:ext uri="{91240B29-F687-4F45-9708-019B960494DF}">
-              <a14:hiddenLine xmlns:a14="http://schemas.microsoft.com/office/drawing/2010/main" w="9525">
-                <a:solidFill>
-                  <a:schemeClr val="tx1"/>
-                </a:solidFill>
-                <a:miter lim="800000"/>
-                <a:headEnd/>
-                <a:tailEnd/>
-              </a14:hiddenLine>
-            </a:ext>
-          </a:extLst>
-        </p:spPr>
-      </p:pic>
-      <p:pic>
-        <p:nvPicPr>
-          <p:cNvPr id="1034" name="Picture 10" descr="C:\Users\Owner\AppData\Local\Microsoft\Windows\Temporary Internet Files\Content.IE5\4SKU0K12\White-Pixel-Mouse-Cursor-Arow-Fixed[1].png"/>
-          <p:cNvPicPr>
-            <a:picLocks noChangeAspect="1" noChangeArrowheads="1"/>
-          </p:cNvPicPr>
-          <p:nvPr/>
-        </p:nvPicPr>
-        <p:blipFill>
-          <a:blip r:embed="rId3" cstate="print">
-            <a:extLst>
-              <a:ext uri="{28A0092B-C50C-407E-A947-70E740481C1C}">
-                <a14:useLocalDpi xmlns:a14="http://schemas.microsoft.com/office/drawing/2010/main" val="0"/>
-              </a:ext>
-            </a:extLst>
-          </a:blip>
-          <a:srcRect/>
-          <a:stretch>
-            <a:fillRect/>
-          </a:stretch>
-        </p:blipFill>
-        <p:spPr bwMode="auto">
-          <a:xfrm>
-            <a:off x="1539116" y="5315449"/>
-            <a:ext cx="126873" cy="201386"/>
-          </a:xfrm>
-          <a:prstGeom prst="rect">
-            <a:avLst/>
-          </a:prstGeom>
-          <a:noFill/>
-          <a:extLst>
-            <a:ext uri="{909E8E84-426E-40DD-AFC4-6F175D3DCCD1}">
-              <a14:hiddenFill xmlns:a14="http://schemas.microsoft.com/office/drawing/2010/main">
-                <a:solidFill>
-                  <a:srgbClr val="FFFFFF"/>
-                </a:solidFill>
-              </a14:hiddenFill>
-            </a:ext>
-          </a:extLst>
-        </p:spPr>
-      </p:pic>
-      <p:pic>
-        <p:nvPicPr>
-          <p:cNvPr id="2050" name="Picture 2" descr="C:\Users\Owner\Documents\GitHub\psh_sp16_cmpsc488_flaggers\botbattle\botbattle\assets\images\background.png"/>
-          <p:cNvPicPr>
-            <a:picLocks noChangeAspect="1" noChangeArrowheads="1"/>
-          </p:cNvPicPr>
-          <p:nvPr/>
-        </p:nvPicPr>
-        <p:blipFill>
-          <a:blip r:embed="rId4">
-            <a:extLst>
-              <a:ext uri="{28A0092B-C50C-407E-A947-70E740481C1C}">
-                <a14:useLocalDpi xmlns:a14="http://schemas.microsoft.com/office/drawing/2010/main" val="0"/>
-              </a:ext>
-            </a:extLst>
-          </a:blip>
-          <a:srcRect/>
-          <a:stretch>
-            <a:fillRect/>
-          </a:stretch>
-        </p:blipFill>
-        <p:spPr bwMode="auto">
-          <a:xfrm>
-            <a:off x="2286000" y="762000"/>
-            <a:ext cx="4267200" cy="4191000"/>
-          </a:xfrm>
-          <a:prstGeom prst="rect">
-            <a:avLst/>
-          </a:prstGeom>
-          <a:noFill/>
-          <a:extLst>
-            <a:ext uri="{909E8E84-426E-40DD-AFC4-6F175D3DCCD1}">
-              <a14:hiddenFill xmlns:a14="http://schemas.microsoft.com/office/drawing/2010/main">
-                <a:solidFill>
-                  <a:srgbClr val="FFFFFF"/>
-                </a:solidFill>
-              </a14:hiddenFill>
-            </a:ext>
-          </a:extLst>
-        </p:spPr>
-      </p:pic>
-      <p:pic>
-        <p:nvPicPr>
-          <p:cNvPr id="2053" name="Picture 5"/>
-          <p:cNvPicPr>
-            <a:picLocks noChangeAspect="1" noChangeArrowheads="1"/>
-          </p:cNvPicPr>
-          <p:nvPr/>
-        </p:nvPicPr>
-        <p:blipFill>
-          <a:blip r:embed="rId5" cstate="print">
-            <a:extLst>
-              <a:ext uri="{28A0092B-C50C-407E-A947-70E740481C1C}">
-                <a14:useLocalDpi xmlns:a14="http://schemas.microsoft.com/office/drawing/2010/main" val="0"/>
-              </a:ext>
-            </a:extLst>
-          </a:blip>
-          <a:srcRect/>
-          <a:stretch>
-            <a:fillRect/>
-          </a:stretch>
-        </p:blipFill>
-        <p:spPr bwMode="auto">
-          <a:xfrm flipH="1">
-            <a:off x="5295896" y="1675818"/>
-            <a:ext cx="698951" cy="823913"/>
-          </a:xfrm>
-          <a:prstGeom prst="rect">
-            <a:avLst/>
-          </a:prstGeom>
-          <a:noFill/>
-          <a:ln>
-            <a:noFill/>
-          </a:ln>
-          <a:extLst>
-            <a:ext uri="{909E8E84-426E-40DD-AFC4-6F175D3DCCD1}">
-              <a14:hiddenFill xmlns:a14="http://schemas.microsoft.com/office/drawing/2010/main">
-                <a:solidFill>
-                  <a:schemeClr val="accent1"/>
-                </a:solidFill>
-              </a14:hiddenFill>
-            </a:ext>
-            <a:ext uri="{91240B29-F687-4F45-9708-019B960494DF}">
-              <a14:hiddenLine xmlns:a14="http://schemas.microsoft.com/office/drawing/2010/main" w="9525">
-                <a:solidFill>
-                  <a:schemeClr val="tx1"/>
-                </a:solidFill>
-                <a:miter lim="800000"/>
-                <a:headEnd/>
-                <a:tailEnd/>
-              </a14:hiddenLine>
-            </a:ext>
-          </a:extLst>
-        </p:spPr>
-      </p:pic>
-      <p:pic>
-        <p:nvPicPr>
-          <p:cNvPr id="33" name="Picture 5"/>
-          <p:cNvPicPr>
-            <a:picLocks noChangeAspect="1" noChangeArrowheads="1"/>
-          </p:cNvPicPr>
-          <p:nvPr/>
-        </p:nvPicPr>
-        <p:blipFill>
-          <a:blip r:embed="rId5" cstate="print">
-            <a:extLst>
-              <a:ext uri="{28A0092B-C50C-407E-A947-70E740481C1C}">
-                <a14:useLocalDpi xmlns:a14="http://schemas.microsoft.com/office/drawing/2010/main" val="0"/>
-              </a:ext>
-            </a:extLst>
-          </a:blip>
-          <a:srcRect/>
-          <a:stretch>
-            <a:fillRect/>
-          </a:stretch>
-        </p:blipFill>
-        <p:spPr bwMode="auto">
-          <a:xfrm flipH="1">
-            <a:off x="5295898" y="3346409"/>
-            <a:ext cx="698951" cy="823913"/>
-          </a:xfrm>
-          <a:prstGeom prst="rect">
-            <a:avLst/>
-          </a:prstGeom>
-          <a:noFill/>
-          <a:ln>
-            <a:noFill/>
-          </a:ln>
-          <a:extLst>
-            <a:ext uri="{909E8E84-426E-40DD-AFC4-6F175D3DCCD1}">
-              <a14:hiddenFill xmlns:a14="http://schemas.microsoft.com/office/drawing/2010/main">
-                <a:solidFill>
-                  <a:schemeClr val="accent1"/>
-                </a:solidFill>
-              </a14:hiddenFill>
-            </a:ext>
-            <a:ext uri="{91240B29-F687-4F45-9708-019B960494DF}">
-              <a14:hiddenLine xmlns:a14="http://schemas.microsoft.com/office/drawing/2010/main" w="9525">
-                <a:solidFill>
-                  <a:schemeClr val="tx1"/>
-                </a:solidFill>
-                <a:miter lim="800000"/>
-                <a:headEnd/>
-                <a:tailEnd/>
-              </a14:hiddenLine>
-            </a:ext>
-          </a:extLst>
-        </p:spPr>
-      </p:pic>
-      <p:sp>
-        <p:nvSpPr>
-          <p:cNvPr id="2" name="TextBox 1"/>
-          <p:cNvSpPr txBox="1"/>
-          <p:nvPr/>
-        </p:nvSpPr>
-        <p:spPr>
-          <a:xfrm>
-            <a:off x="2362200" y="922436"/>
-            <a:ext cx="1606530" cy="307777"/>
-          </a:xfrm>
-          <a:prstGeom prst="rect">
-            <a:avLst/>
-          </a:prstGeom>
-          <a:noFill/>
-        </p:spPr>
-        <p:txBody>
-          <a:bodyPr wrap="none" rtlCol="0">
-            <a:spAutoFit/>
-          </a:bodyPr>
-          <a:lstStyle/>
-          <a:p>
-            <a:r>
-              <a:rPr lang="en-US" sz="1400" dirty="0" smtClean="0"/>
-              <a:t>Flags Captured: 0</a:t>
-            </a:r>
-            <a:endParaRPr lang="en-US" sz="1400" dirty="0"/>
-          </a:p>
-        </p:txBody>
-      </p:sp>
-      <p:sp>
-        <p:nvSpPr>
-          <p:cNvPr id="34" name="TextBox 33"/>
-          <p:cNvSpPr txBox="1"/>
-          <p:nvPr/>
-        </p:nvSpPr>
-        <p:spPr>
-          <a:xfrm>
-            <a:off x="4880208" y="920947"/>
-            <a:ext cx="1606530" cy="307777"/>
-          </a:xfrm>
-          <a:prstGeom prst="rect">
-            <a:avLst/>
-          </a:prstGeom>
-          <a:noFill/>
-        </p:spPr>
-        <p:txBody>
-          <a:bodyPr wrap="none" rtlCol="0">
-            <a:spAutoFit/>
-          </a:bodyPr>
-          <a:lstStyle/>
-          <a:p>
-            <a:r>
-              <a:rPr lang="en-US" sz="1400" dirty="0" smtClean="0"/>
-              <a:t>Flags Captured: 0</a:t>
-            </a:r>
-            <a:endParaRPr lang="en-US" sz="1400" dirty="0"/>
-          </a:p>
-        </p:txBody>
-      </p:sp>
-      <p:pic>
-        <p:nvPicPr>
-          <p:cNvPr id="2054" name="Picture 6"/>
-          <p:cNvPicPr>
-            <a:picLocks noChangeAspect="1" noChangeArrowheads="1"/>
-          </p:cNvPicPr>
-          <p:nvPr/>
-        </p:nvPicPr>
-        <p:blipFill>
-          <a:blip r:embed="rId6" cstate="print">
-            <a:extLst>
-              <a:ext uri="{28A0092B-C50C-407E-A947-70E740481C1C}">
-                <a14:useLocalDpi xmlns:a14="http://schemas.microsoft.com/office/drawing/2010/main" val="0"/>
-              </a:ext>
-            </a:extLst>
-          </a:blip>
-          <a:srcRect/>
-          <a:stretch>
-            <a:fillRect/>
-          </a:stretch>
-        </p:blipFill>
-        <p:spPr bwMode="auto">
-          <a:xfrm>
-            <a:off x="2762221" y="1609725"/>
-            <a:ext cx="914400" cy="836692"/>
-          </a:xfrm>
-          <a:prstGeom prst="rect">
-            <a:avLst/>
-          </a:prstGeom>
-          <a:noFill/>
-          <a:ln>
-            <a:noFill/>
-          </a:ln>
-          <a:extLst>
-            <a:ext uri="{909E8E84-426E-40DD-AFC4-6F175D3DCCD1}">
-              <a14:hiddenFill xmlns:a14="http://schemas.microsoft.com/office/drawing/2010/main">
-                <a:solidFill>
-                  <a:schemeClr val="accent1"/>
-                </a:solidFill>
-              </a14:hiddenFill>
-            </a:ext>
-            <a:ext uri="{91240B29-F687-4F45-9708-019B960494DF}">
-              <a14:hiddenLine xmlns:a14="http://schemas.microsoft.com/office/drawing/2010/main" w="9525">
-                <a:solidFill>
-                  <a:schemeClr val="tx1"/>
-                </a:solidFill>
-                <a:miter lim="800000"/>
-                <a:headEnd/>
-                <a:tailEnd/>
-              </a14:hiddenLine>
-            </a:ext>
-          </a:extLst>
-        </p:spPr>
-      </p:pic>
-      <p:pic>
-        <p:nvPicPr>
-          <p:cNvPr id="2055" name="Picture 7"/>
-          <p:cNvPicPr>
-            <a:picLocks noChangeAspect="1" noChangeArrowheads="1"/>
-          </p:cNvPicPr>
-          <p:nvPr/>
-        </p:nvPicPr>
-        <p:blipFill>
-          <a:blip r:embed="rId6" cstate="print">
-            <a:extLst>
-              <a:ext uri="{28A0092B-C50C-407E-A947-70E740481C1C}">
-                <a14:useLocalDpi xmlns:a14="http://schemas.microsoft.com/office/drawing/2010/main" val="0"/>
-              </a:ext>
-            </a:extLst>
-          </a:blip>
-          <a:srcRect/>
-          <a:stretch>
-            <a:fillRect/>
-          </a:stretch>
-        </p:blipFill>
-        <p:spPr bwMode="auto">
-          <a:xfrm>
-            <a:off x="2708266" y="3340021"/>
-            <a:ext cx="914399" cy="836691"/>
-          </a:xfrm>
-          <a:prstGeom prst="rect">
-            <a:avLst/>
-          </a:prstGeom>
-          <a:noFill/>
-          <a:ln>
-            <a:noFill/>
-          </a:ln>
-          <a:extLst>
-            <a:ext uri="{909E8E84-426E-40DD-AFC4-6F175D3DCCD1}">
-              <a14:hiddenFill xmlns:a14="http://schemas.microsoft.com/office/drawing/2010/main">
-                <a:solidFill>
-                  <a:schemeClr val="accent1"/>
-                </a:solidFill>
-              </a14:hiddenFill>
-            </a:ext>
-            <a:ext uri="{91240B29-F687-4F45-9708-019B960494DF}">
-              <a14:hiddenLine xmlns:a14="http://schemas.microsoft.com/office/drawing/2010/main" w="9525">
-                <a:solidFill>
-                  <a:schemeClr val="tx1"/>
-                </a:solidFill>
-                <a:miter lim="800000"/>
-                <a:headEnd/>
-                <a:tailEnd/>
-              </a14:hiddenLine>
-            </a:ext>
-          </a:extLst>
-        </p:spPr>
-      </p:pic>
-      <p:pic>
-        <p:nvPicPr>
-          <p:cNvPr id="2056" name="Picture 8" descr="C:\Users\Owner\AppData\Local\Microsoft\Windows\Temporary Internet Files\Content.IE5\BNDWTQE3\Flag[1].png"/>
-          <p:cNvPicPr>
-            <a:picLocks noChangeAspect="1" noChangeArrowheads="1"/>
-          </p:cNvPicPr>
-          <p:nvPr/>
-        </p:nvPicPr>
-        <p:blipFill>
-          <a:blip r:embed="rId7" cstate="print">
-            <a:extLst>
-              <a:ext uri="{28A0092B-C50C-407E-A947-70E740481C1C}">
-                <a14:useLocalDpi xmlns:a14="http://schemas.microsoft.com/office/drawing/2010/main" val="0"/>
-              </a:ext>
-            </a:extLst>
-          </a:blip>
-          <a:srcRect/>
-          <a:stretch>
-            <a:fillRect/>
-          </a:stretch>
-        </p:blipFill>
-        <p:spPr bwMode="auto">
-          <a:xfrm>
-            <a:off x="2374734" y="1685343"/>
-            <a:ext cx="333532" cy="653625"/>
-          </a:xfrm>
-          <a:prstGeom prst="rect">
-            <a:avLst/>
-          </a:prstGeom>
-          <a:noFill/>
-          <a:extLst>
-            <a:ext uri="{909E8E84-426E-40DD-AFC4-6F175D3DCCD1}">
-              <a14:hiddenFill xmlns:a14="http://schemas.microsoft.com/office/drawing/2010/main">
-                <a:solidFill>
-                  <a:srgbClr val="FFFFFF"/>
-                </a:solidFill>
-              </a14:hiddenFill>
-            </a:ext>
-          </a:extLst>
-        </p:spPr>
-      </p:pic>
-      <p:pic>
-        <p:nvPicPr>
-          <p:cNvPr id="38" name="Picture 8" descr="C:\Users\Owner\AppData\Local\Microsoft\Windows\Temporary Internet Files\Content.IE5\BNDWTQE3\Flag[1].png"/>
-          <p:cNvPicPr>
-            <a:picLocks noChangeAspect="1" noChangeArrowheads="1"/>
-          </p:cNvPicPr>
-          <p:nvPr/>
-        </p:nvPicPr>
-        <p:blipFill>
-          <a:blip r:embed="rId8" cstate="print">
-            <a:extLst>
-              <a:ext uri="{28A0092B-C50C-407E-A947-70E740481C1C}">
-                <a14:useLocalDpi xmlns:a14="http://schemas.microsoft.com/office/drawing/2010/main" val="0"/>
-              </a:ext>
-            </a:extLst>
-          </a:blip>
-          <a:srcRect/>
-          <a:stretch>
-            <a:fillRect/>
-          </a:stretch>
-        </p:blipFill>
-        <p:spPr bwMode="auto">
-          <a:xfrm flipH="1">
-            <a:off x="6181938" y="3431552"/>
-            <a:ext cx="304799" cy="653625"/>
-          </a:xfrm>
-          <a:prstGeom prst="rect">
-            <a:avLst/>
-          </a:prstGeom>
-          <a:noFill/>
-          <a:extLst>
-            <a:ext uri="{909E8E84-426E-40DD-AFC4-6F175D3DCCD1}">
-              <a14:hiddenFill xmlns:a14="http://schemas.microsoft.com/office/drawing/2010/main">
-                <a:solidFill>
-                  <a:srgbClr val="FFFFFF"/>
-                </a:solidFill>
-              </a14:hiddenFill>
-            </a:ext>
-          </a:extLst>
-        </p:spPr>
-      </p:pic>
-    </p:spTree>
-    <p:extLst>
-      <p:ext uri="{BB962C8B-B14F-4D97-AF65-F5344CB8AC3E}">
-        <p14:creationId xmlns:p14="http://schemas.microsoft.com/office/powerpoint/2010/main" val="3673936679"/>
-      </p:ext>
-    </p:extLst>
-  </p:cSld>
-  <p:clrMapOvr>
-    <a:masterClrMapping/>
-  </p:clrMapOvr>
-  <p:timing>
-    <p:tnLst>
-      <p:par>
-        <p:cTn id="1" dur="indefinite" restart="never" nodeType="tmRoot"/>
-      </p:par>
-    </p:tnLst>
-  </p:timing>
 </p:sld>
 </file>
 
@@ -14194,6 +12143,528 @@
           <a:chExt cx="0" cy="0"/>
         </a:xfrm>
       </p:grpSpPr>
+      <p:pic>
+        <p:nvPicPr>
+          <p:cNvPr id="1026" name="Picture 2"/>
+          <p:cNvPicPr>
+            <a:picLocks noChangeAspect="1" noChangeArrowheads="1"/>
+          </p:cNvPicPr>
+          <p:nvPr/>
+        </p:nvPicPr>
+        <p:blipFill>
+          <a:blip r:embed="rId2">
+            <a:extLst>
+              <a:ext uri="{28A0092B-C50C-407E-A947-70E740481C1C}">
+                <a14:useLocalDpi xmlns:a14="http://schemas.microsoft.com/office/drawing/2010/main" val="0"/>
+              </a:ext>
+            </a:extLst>
+          </a:blip>
+          <a:srcRect/>
+          <a:stretch>
+            <a:fillRect/>
+          </a:stretch>
+        </p:blipFill>
+        <p:spPr bwMode="auto">
+          <a:xfrm>
+            <a:off x="0" y="236113"/>
+            <a:ext cx="9148293" cy="5280722"/>
+          </a:xfrm>
+          <a:prstGeom prst="rect">
+            <a:avLst/>
+          </a:prstGeom>
+          <a:noFill/>
+          <a:ln>
+            <a:noFill/>
+          </a:ln>
+          <a:extLst>
+            <a:ext uri="{909E8E84-426E-40DD-AFC4-6F175D3DCCD1}">
+              <a14:hiddenFill xmlns:a14="http://schemas.microsoft.com/office/drawing/2010/main">
+                <a:solidFill>
+                  <a:schemeClr val="accent1"/>
+                </a:solidFill>
+              </a14:hiddenFill>
+            </a:ext>
+            <a:ext uri="{91240B29-F687-4F45-9708-019B960494DF}">
+              <a14:hiddenLine xmlns:a14="http://schemas.microsoft.com/office/drawing/2010/main" w="9525">
+                <a:solidFill>
+                  <a:schemeClr val="tx1"/>
+                </a:solidFill>
+                <a:miter lim="800000"/>
+                <a:headEnd/>
+                <a:tailEnd/>
+              </a14:hiddenLine>
+            </a:ext>
+          </a:extLst>
+        </p:spPr>
+      </p:pic>
+      <p:pic>
+        <p:nvPicPr>
+          <p:cNvPr id="1034" name="Picture 10" descr="C:\Users\Owner\AppData\Local\Microsoft\Windows\Temporary Internet Files\Content.IE5\4SKU0K12\White-Pixel-Mouse-Cursor-Arow-Fixed[1].png"/>
+          <p:cNvPicPr>
+            <a:picLocks noChangeAspect="1" noChangeArrowheads="1"/>
+          </p:cNvPicPr>
+          <p:nvPr/>
+        </p:nvPicPr>
+        <p:blipFill>
+          <a:blip r:embed="rId3" cstate="print">
+            <a:extLst>
+              <a:ext uri="{28A0092B-C50C-407E-A947-70E740481C1C}">
+                <a14:useLocalDpi xmlns:a14="http://schemas.microsoft.com/office/drawing/2010/main" val="0"/>
+              </a:ext>
+            </a:extLst>
+          </a:blip>
+          <a:srcRect/>
+          <a:stretch>
+            <a:fillRect/>
+          </a:stretch>
+        </p:blipFill>
+        <p:spPr bwMode="auto">
+          <a:xfrm>
+            <a:off x="1539116" y="5315449"/>
+            <a:ext cx="126873" cy="201386"/>
+          </a:xfrm>
+          <a:prstGeom prst="rect">
+            <a:avLst/>
+          </a:prstGeom>
+          <a:noFill/>
+          <a:extLst>
+            <a:ext uri="{909E8E84-426E-40DD-AFC4-6F175D3DCCD1}">
+              <a14:hiddenFill xmlns:a14="http://schemas.microsoft.com/office/drawing/2010/main">
+                <a:solidFill>
+                  <a:srgbClr val="FFFFFF"/>
+                </a:solidFill>
+              </a14:hiddenFill>
+            </a:ext>
+          </a:extLst>
+        </p:spPr>
+      </p:pic>
+      <p:pic>
+        <p:nvPicPr>
+          <p:cNvPr id="2050" name="Picture 2" descr="C:\Users\Owner\Documents\GitHub\psh_sp16_cmpsc488_flaggers\botbattle\botbattle\assets\images\background.png"/>
+          <p:cNvPicPr>
+            <a:picLocks noChangeAspect="1" noChangeArrowheads="1"/>
+          </p:cNvPicPr>
+          <p:nvPr/>
+        </p:nvPicPr>
+        <p:blipFill>
+          <a:blip r:embed="rId4">
+            <a:extLst>
+              <a:ext uri="{28A0092B-C50C-407E-A947-70E740481C1C}">
+                <a14:useLocalDpi xmlns:a14="http://schemas.microsoft.com/office/drawing/2010/main" val="0"/>
+              </a:ext>
+            </a:extLst>
+          </a:blip>
+          <a:srcRect/>
+          <a:stretch>
+            <a:fillRect/>
+          </a:stretch>
+        </p:blipFill>
+        <p:spPr bwMode="auto">
+          <a:xfrm>
+            <a:off x="2286000" y="762000"/>
+            <a:ext cx="4267200" cy="4191000"/>
+          </a:xfrm>
+          <a:prstGeom prst="rect">
+            <a:avLst/>
+          </a:prstGeom>
+          <a:noFill/>
+          <a:extLst>
+            <a:ext uri="{909E8E84-426E-40DD-AFC4-6F175D3DCCD1}">
+              <a14:hiddenFill xmlns:a14="http://schemas.microsoft.com/office/drawing/2010/main">
+                <a:solidFill>
+                  <a:srgbClr val="FFFFFF"/>
+                </a:solidFill>
+              </a14:hiddenFill>
+            </a:ext>
+          </a:extLst>
+        </p:spPr>
+      </p:pic>
+      <p:pic>
+        <p:nvPicPr>
+          <p:cNvPr id="2053" name="Picture 5"/>
+          <p:cNvPicPr>
+            <a:picLocks noChangeAspect="1" noChangeArrowheads="1"/>
+          </p:cNvPicPr>
+          <p:nvPr/>
+        </p:nvPicPr>
+        <p:blipFill>
+          <a:blip r:embed="rId5" cstate="print">
+            <a:extLst>
+              <a:ext uri="{28A0092B-C50C-407E-A947-70E740481C1C}">
+                <a14:useLocalDpi xmlns:a14="http://schemas.microsoft.com/office/drawing/2010/main" val="0"/>
+              </a:ext>
+            </a:extLst>
+          </a:blip>
+          <a:srcRect/>
+          <a:stretch>
+            <a:fillRect/>
+          </a:stretch>
+        </p:blipFill>
+        <p:spPr bwMode="auto">
+          <a:xfrm flipH="1">
+            <a:off x="5295896" y="1675818"/>
+            <a:ext cx="698951" cy="823913"/>
+          </a:xfrm>
+          <a:prstGeom prst="rect">
+            <a:avLst/>
+          </a:prstGeom>
+          <a:noFill/>
+          <a:ln>
+            <a:noFill/>
+          </a:ln>
+          <a:extLst>
+            <a:ext uri="{909E8E84-426E-40DD-AFC4-6F175D3DCCD1}">
+              <a14:hiddenFill xmlns:a14="http://schemas.microsoft.com/office/drawing/2010/main">
+                <a:solidFill>
+                  <a:schemeClr val="accent1"/>
+                </a:solidFill>
+              </a14:hiddenFill>
+            </a:ext>
+            <a:ext uri="{91240B29-F687-4F45-9708-019B960494DF}">
+              <a14:hiddenLine xmlns:a14="http://schemas.microsoft.com/office/drawing/2010/main" w="9525">
+                <a:solidFill>
+                  <a:schemeClr val="tx1"/>
+                </a:solidFill>
+                <a:miter lim="800000"/>
+                <a:headEnd/>
+                <a:tailEnd/>
+              </a14:hiddenLine>
+            </a:ext>
+          </a:extLst>
+        </p:spPr>
+      </p:pic>
+      <p:pic>
+        <p:nvPicPr>
+          <p:cNvPr id="33" name="Picture 5"/>
+          <p:cNvPicPr>
+            <a:picLocks noChangeAspect="1" noChangeArrowheads="1"/>
+          </p:cNvPicPr>
+          <p:nvPr/>
+        </p:nvPicPr>
+        <p:blipFill>
+          <a:blip r:embed="rId5" cstate="print">
+            <a:extLst>
+              <a:ext uri="{28A0092B-C50C-407E-A947-70E740481C1C}">
+                <a14:useLocalDpi xmlns:a14="http://schemas.microsoft.com/office/drawing/2010/main" val="0"/>
+              </a:ext>
+            </a:extLst>
+          </a:blip>
+          <a:srcRect/>
+          <a:stretch>
+            <a:fillRect/>
+          </a:stretch>
+        </p:blipFill>
+        <p:spPr bwMode="auto">
+          <a:xfrm flipH="1">
+            <a:off x="5295898" y="3346409"/>
+            <a:ext cx="698951" cy="823913"/>
+          </a:xfrm>
+          <a:prstGeom prst="rect">
+            <a:avLst/>
+          </a:prstGeom>
+          <a:noFill/>
+          <a:ln>
+            <a:noFill/>
+          </a:ln>
+          <a:extLst>
+            <a:ext uri="{909E8E84-426E-40DD-AFC4-6F175D3DCCD1}">
+              <a14:hiddenFill xmlns:a14="http://schemas.microsoft.com/office/drawing/2010/main">
+                <a:solidFill>
+                  <a:schemeClr val="accent1"/>
+                </a:solidFill>
+              </a14:hiddenFill>
+            </a:ext>
+            <a:ext uri="{91240B29-F687-4F45-9708-019B960494DF}">
+              <a14:hiddenLine xmlns:a14="http://schemas.microsoft.com/office/drawing/2010/main" w="9525">
+                <a:solidFill>
+                  <a:schemeClr val="tx1"/>
+                </a:solidFill>
+                <a:miter lim="800000"/>
+                <a:headEnd/>
+                <a:tailEnd/>
+              </a14:hiddenLine>
+            </a:ext>
+          </a:extLst>
+        </p:spPr>
+      </p:pic>
+      <p:sp>
+        <p:nvSpPr>
+          <p:cNvPr id="2" name="TextBox 1"/>
+          <p:cNvSpPr txBox="1"/>
+          <p:nvPr/>
+        </p:nvSpPr>
+        <p:spPr>
+          <a:xfrm>
+            <a:off x="2362200" y="922436"/>
+            <a:ext cx="1606530" cy="307777"/>
+          </a:xfrm>
+          <a:prstGeom prst="rect">
+            <a:avLst/>
+          </a:prstGeom>
+          <a:noFill/>
+        </p:spPr>
+        <p:txBody>
+          <a:bodyPr wrap="none" rtlCol="0">
+            <a:spAutoFit/>
+          </a:bodyPr>
+          <a:lstStyle/>
+          <a:p>
+            <a:r>
+              <a:rPr lang="en-US" sz="1400" dirty="0"/>
+              <a:t>Flags Captured: 0</a:t>
+            </a:r>
+          </a:p>
+        </p:txBody>
+      </p:sp>
+      <p:sp>
+        <p:nvSpPr>
+          <p:cNvPr id="34" name="TextBox 33"/>
+          <p:cNvSpPr txBox="1"/>
+          <p:nvPr/>
+        </p:nvSpPr>
+        <p:spPr>
+          <a:xfrm>
+            <a:off x="4880208" y="920947"/>
+            <a:ext cx="1606530" cy="307777"/>
+          </a:xfrm>
+          <a:prstGeom prst="rect">
+            <a:avLst/>
+          </a:prstGeom>
+          <a:noFill/>
+        </p:spPr>
+        <p:txBody>
+          <a:bodyPr wrap="none" rtlCol="0">
+            <a:spAutoFit/>
+          </a:bodyPr>
+          <a:lstStyle/>
+          <a:p>
+            <a:r>
+              <a:rPr lang="en-US" sz="1400" dirty="0"/>
+              <a:t>Flags Captured: 0</a:t>
+            </a:r>
+          </a:p>
+        </p:txBody>
+      </p:sp>
+      <p:pic>
+        <p:nvPicPr>
+          <p:cNvPr id="2054" name="Picture 6"/>
+          <p:cNvPicPr>
+            <a:picLocks noChangeAspect="1" noChangeArrowheads="1"/>
+          </p:cNvPicPr>
+          <p:nvPr/>
+        </p:nvPicPr>
+        <p:blipFill>
+          <a:blip r:embed="rId6" cstate="print">
+            <a:extLst>
+              <a:ext uri="{28A0092B-C50C-407E-A947-70E740481C1C}">
+                <a14:useLocalDpi xmlns:a14="http://schemas.microsoft.com/office/drawing/2010/main" val="0"/>
+              </a:ext>
+            </a:extLst>
+          </a:blip>
+          <a:srcRect/>
+          <a:stretch>
+            <a:fillRect/>
+          </a:stretch>
+        </p:blipFill>
+        <p:spPr bwMode="auto">
+          <a:xfrm>
+            <a:off x="2762221" y="1609725"/>
+            <a:ext cx="914400" cy="836692"/>
+          </a:xfrm>
+          <a:prstGeom prst="rect">
+            <a:avLst/>
+          </a:prstGeom>
+          <a:noFill/>
+          <a:ln>
+            <a:noFill/>
+          </a:ln>
+          <a:extLst>
+            <a:ext uri="{909E8E84-426E-40DD-AFC4-6F175D3DCCD1}">
+              <a14:hiddenFill xmlns:a14="http://schemas.microsoft.com/office/drawing/2010/main">
+                <a:solidFill>
+                  <a:schemeClr val="accent1"/>
+                </a:solidFill>
+              </a14:hiddenFill>
+            </a:ext>
+            <a:ext uri="{91240B29-F687-4F45-9708-019B960494DF}">
+              <a14:hiddenLine xmlns:a14="http://schemas.microsoft.com/office/drawing/2010/main" w="9525">
+                <a:solidFill>
+                  <a:schemeClr val="tx1"/>
+                </a:solidFill>
+                <a:miter lim="800000"/>
+                <a:headEnd/>
+                <a:tailEnd/>
+              </a14:hiddenLine>
+            </a:ext>
+          </a:extLst>
+        </p:spPr>
+      </p:pic>
+      <p:pic>
+        <p:nvPicPr>
+          <p:cNvPr id="2055" name="Picture 7"/>
+          <p:cNvPicPr>
+            <a:picLocks noChangeAspect="1" noChangeArrowheads="1"/>
+          </p:cNvPicPr>
+          <p:nvPr/>
+        </p:nvPicPr>
+        <p:blipFill>
+          <a:blip r:embed="rId6" cstate="print">
+            <a:extLst>
+              <a:ext uri="{28A0092B-C50C-407E-A947-70E740481C1C}">
+                <a14:useLocalDpi xmlns:a14="http://schemas.microsoft.com/office/drawing/2010/main" val="0"/>
+              </a:ext>
+            </a:extLst>
+          </a:blip>
+          <a:srcRect/>
+          <a:stretch>
+            <a:fillRect/>
+          </a:stretch>
+        </p:blipFill>
+        <p:spPr bwMode="auto">
+          <a:xfrm>
+            <a:off x="2708266" y="3340021"/>
+            <a:ext cx="914399" cy="836691"/>
+          </a:xfrm>
+          <a:prstGeom prst="rect">
+            <a:avLst/>
+          </a:prstGeom>
+          <a:noFill/>
+          <a:ln>
+            <a:noFill/>
+          </a:ln>
+          <a:extLst>
+            <a:ext uri="{909E8E84-426E-40DD-AFC4-6F175D3DCCD1}">
+              <a14:hiddenFill xmlns:a14="http://schemas.microsoft.com/office/drawing/2010/main">
+                <a:solidFill>
+                  <a:schemeClr val="accent1"/>
+                </a:solidFill>
+              </a14:hiddenFill>
+            </a:ext>
+            <a:ext uri="{91240B29-F687-4F45-9708-019B960494DF}">
+              <a14:hiddenLine xmlns:a14="http://schemas.microsoft.com/office/drawing/2010/main" w="9525">
+                <a:solidFill>
+                  <a:schemeClr val="tx1"/>
+                </a:solidFill>
+                <a:miter lim="800000"/>
+                <a:headEnd/>
+                <a:tailEnd/>
+              </a14:hiddenLine>
+            </a:ext>
+          </a:extLst>
+        </p:spPr>
+      </p:pic>
+      <p:pic>
+        <p:nvPicPr>
+          <p:cNvPr id="2056" name="Picture 8" descr="C:\Users\Owner\AppData\Local\Microsoft\Windows\Temporary Internet Files\Content.IE5\BNDWTQE3\Flag[1].png"/>
+          <p:cNvPicPr>
+            <a:picLocks noChangeAspect="1" noChangeArrowheads="1"/>
+          </p:cNvPicPr>
+          <p:nvPr/>
+        </p:nvPicPr>
+        <p:blipFill>
+          <a:blip r:embed="rId7" cstate="print">
+            <a:extLst>
+              <a:ext uri="{28A0092B-C50C-407E-A947-70E740481C1C}">
+                <a14:useLocalDpi xmlns:a14="http://schemas.microsoft.com/office/drawing/2010/main" val="0"/>
+              </a:ext>
+            </a:extLst>
+          </a:blip>
+          <a:srcRect/>
+          <a:stretch>
+            <a:fillRect/>
+          </a:stretch>
+        </p:blipFill>
+        <p:spPr bwMode="auto">
+          <a:xfrm>
+            <a:off x="2374734" y="1685343"/>
+            <a:ext cx="333532" cy="653625"/>
+          </a:xfrm>
+          <a:prstGeom prst="rect">
+            <a:avLst/>
+          </a:prstGeom>
+          <a:noFill/>
+          <a:extLst>
+            <a:ext uri="{909E8E84-426E-40DD-AFC4-6F175D3DCCD1}">
+              <a14:hiddenFill xmlns:a14="http://schemas.microsoft.com/office/drawing/2010/main">
+                <a:solidFill>
+                  <a:srgbClr val="FFFFFF"/>
+                </a:solidFill>
+              </a14:hiddenFill>
+            </a:ext>
+          </a:extLst>
+        </p:spPr>
+      </p:pic>
+      <p:pic>
+        <p:nvPicPr>
+          <p:cNvPr id="38" name="Picture 8" descr="C:\Users\Owner\AppData\Local\Microsoft\Windows\Temporary Internet Files\Content.IE5\BNDWTQE3\Flag[1].png"/>
+          <p:cNvPicPr>
+            <a:picLocks noChangeAspect="1" noChangeArrowheads="1"/>
+          </p:cNvPicPr>
+          <p:nvPr/>
+        </p:nvPicPr>
+        <p:blipFill>
+          <a:blip r:embed="rId8" cstate="print">
+            <a:extLst>
+              <a:ext uri="{28A0092B-C50C-407E-A947-70E740481C1C}">
+                <a14:useLocalDpi xmlns:a14="http://schemas.microsoft.com/office/drawing/2010/main" val="0"/>
+              </a:ext>
+            </a:extLst>
+          </a:blip>
+          <a:srcRect/>
+          <a:stretch>
+            <a:fillRect/>
+          </a:stretch>
+        </p:blipFill>
+        <p:spPr bwMode="auto">
+          <a:xfrm flipH="1">
+            <a:off x="6181938" y="3431552"/>
+            <a:ext cx="304799" cy="653625"/>
+          </a:xfrm>
+          <a:prstGeom prst="rect">
+            <a:avLst/>
+          </a:prstGeom>
+          <a:noFill/>
+          <a:extLst>
+            <a:ext uri="{909E8E84-426E-40DD-AFC4-6F175D3DCCD1}">
+              <a14:hiddenFill xmlns:a14="http://schemas.microsoft.com/office/drawing/2010/main">
+                <a:solidFill>
+                  <a:srgbClr val="FFFFFF"/>
+                </a:solidFill>
+              </a14:hiddenFill>
+            </a:ext>
+          </a:extLst>
+        </p:spPr>
+      </p:pic>
+    </p:spTree>
+    <p:extLst>
+      <p:ext uri="{BB962C8B-B14F-4D97-AF65-F5344CB8AC3E}">
+        <p14:creationId xmlns:p14="http://schemas.microsoft.com/office/powerpoint/2010/main" val="3673936679"/>
+      </p:ext>
+    </p:extLst>
+  </p:cSld>
+  <p:clrMapOvr>
+    <a:masterClrMapping/>
+  </p:clrMapOvr>
+</p:sld>
+</file>
+
+<file path=ppt/slides/slide26.xml><?xml version="1.0" encoding="utf-8"?>
+<p:sld xmlns:a="http://schemas.openxmlformats.org/drawingml/2006/main" xmlns:r="http://schemas.openxmlformats.org/officeDocument/2006/relationships" xmlns:p="http://schemas.openxmlformats.org/presentationml/2006/main">
+  <p:cSld>
+    <p:spTree>
+      <p:nvGrpSpPr>
+        <p:cNvPr id="1" name=""/>
+        <p:cNvGrpSpPr/>
+        <p:nvPr/>
+      </p:nvGrpSpPr>
+      <p:grpSpPr>
+        <a:xfrm>
+          <a:off x="0" y="0"/>
+          <a:ext cx="0" cy="0"/>
+          <a:chOff x="0" y="0"/>
+          <a:chExt cx="0" cy="0"/>
+        </a:xfrm>
+      </p:grpSpPr>
       <p:sp>
         <p:nvSpPr>
           <p:cNvPr id="2" name="Rectangle 1"/>
@@ -14218,7 +12689,7 @@
           <a:p>
             <a:pPr algn="ctr"/>
             <a:r>
-              <a:rPr lang="en-US" sz="5400" b="1" dirty="0" smtClean="0">
+              <a:rPr lang="en-US" sz="5400" b="1" dirty="0">
                 <a:ln w="1905"/>
                 <a:gradFill>
                   <a:gsLst>
@@ -14254,40 +12725,6 @@
               </a:rPr>
               <a:t>Questions?</a:t>
             </a:r>
-            <a:endParaRPr lang="en-US" sz="5400" b="1" dirty="0">
-              <a:ln w="1905"/>
-              <a:gradFill>
-                <a:gsLst>
-                  <a:gs pos="0">
-                    <a:schemeClr val="accent6">
-                      <a:shade val="20000"/>
-                      <a:satMod val="200000"/>
-                    </a:schemeClr>
-                  </a:gs>
-                  <a:gs pos="78000">
-                    <a:schemeClr val="accent6">
-                      <a:tint val="90000"/>
-                      <a:shade val="89000"/>
-                      <a:satMod val="220000"/>
-                    </a:schemeClr>
-                  </a:gs>
-                  <a:gs pos="100000">
-                    <a:schemeClr val="accent6">
-                      <a:tint val="12000"/>
-                      <a:satMod val="255000"/>
-                    </a:schemeClr>
-                  </a:gs>
-                </a:gsLst>
-                <a:lin ang="5400000"/>
-              </a:gradFill>
-              <a:effectLst>
-                <a:innerShdw blurRad="69850" dist="43180" dir="5400000">
-                  <a:srgbClr val="000000">
-                    <a:alpha val="65000"/>
-                  </a:srgbClr>
-                </a:innerShdw>
-              </a:effectLst>
-            </a:endParaRPr>
           </a:p>
         </p:txBody>
       </p:sp>
@@ -14301,13 +12738,6 @@
   <p:clrMapOvr>
     <a:masterClrMapping/>
   </p:clrMapOvr>
-  <p:timing>
-    <p:tnLst>
-      <p:par>
-        <p:cTn id="1" dur="indefinite" restart="never" nodeType="tmRoot"/>
-      </p:par>
-    </p:tnLst>
-  </p:timing>
 </p:sld>
 </file>
 
@@ -14352,7 +12782,7 @@
           <a:p>
             <a:pPr algn="ctr"/>
             <a:r>
-              <a:rPr lang="en-US" sz="5400" b="1" dirty="0" smtClean="0">
+              <a:rPr lang="en-US" sz="5400" b="1" dirty="0">
                 <a:ln w="1905"/>
                 <a:gradFill>
                   <a:gsLst>
@@ -14388,40 +12818,6 @@
               </a:rPr>
               <a:t>Three Main Tasks</a:t>
             </a:r>
-            <a:endParaRPr lang="en-US" sz="5400" b="1" dirty="0">
-              <a:ln w="1905"/>
-              <a:gradFill>
-                <a:gsLst>
-                  <a:gs pos="0">
-                    <a:schemeClr val="accent6">
-                      <a:shade val="20000"/>
-                      <a:satMod val="200000"/>
-                    </a:schemeClr>
-                  </a:gs>
-                  <a:gs pos="78000">
-                    <a:schemeClr val="accent6">
-                      <a:tint val="90000"/>
-                      <a:shade val="89000"/>
-                      <a:satMod val="220000"/>
-                    </a:schemeClr>
-                  </a:gs>
-                  <a:gs pos="100000">
-                    <a:schemeClr val="accent6">
-                      <a:tint val="12000"/>
-                      <a:satMod val="255000"/>
-                    </a:schemeClr>
-                  </a:gs>
-                </a:gsLst>
-                <a:lin ang="5400000"/>
-              </a:gradFill>
-              <a:effectLst>
-                <a:innerShdw blurRad="69850" dist="43180" dir="5400000">
-                  <a:srgbClr val="000000">
-                    <a:alpha val="65000"/>
-                  </a:srgbClr>
-                </a:innerShdw>
-              </a:effectLst>
-            </a:endParaRPr>
           </a:p>
         </p:txBody>
       </p:sp>
@@ -14493,66 +12889,12 @@
               <a:buChar char="•"/>
             </a:pPr>
             <a:r>
-              <a:rPr lang="en-US" sz="2800" b="1" dirty="0" smtClean="0"/>
+              <a:rPr lang="en-US" sz="2800" b="1" dirty="0"/>
               <a:t>Game Evaluation</a:t>
             </a:r>
           </a:p>
         </p:txBody>
       </p:sp>
-      <p:pic>
-        <p:nvPicPr>
-          <p:cNvPr id="2051" name="Picture 3"/>
-          <p:cNvPicPr>
-            <a:picLocks noChangeAspect="1" noChangeArrowheads="1"/>
-          </p:cNvPicPr>
-          <p:nvPr/>
-        </p:nvPicPr>
-        <p:blipFill>
-          <a:blip r:embed="rId3">
-            <a:extLst>
-              <a:ext uri="{28A0092B-C50C-407E-A947-70E740481C1C}">
-                <a14:useLocalDpi xmlns:a14="http://schemas.microsoft.com/office/drawing/2010/main" val="0"/>
-              </a:ext>
-            </a:extLst>
-          </a:blip>
-          <a:srcRect/>
-          <a:stretch>
-            <a:fillRect/>
-          </a:stretch>
-        </p:blipFill>
-        <p:spPr bwMode="auto">
-          <a:xfrm>
-            <a:off x="371474" y="4267200"/>
-            <a:ext cx="3476625" cy="1352550"/>
-          </a:xfrm>
-          <a:prstGeom prst="rect">
-            <a:avLst/>
-          </a:prstGeom>
-          <a:noFill/>
-          <a:ln>
-            <a:noFill/>
-          </a:ln>
-          <a:extLst>
-            <a:ext uri="{909E8E84-426E-40DD-AFC4-6F175D3DCCD1}">
-              <a14:hiddenFill xmlns:a14="http://schemas.microsoft.com/office/drawing/2010/main">
-                <a:solidFill>
-                  <a:schemeClr val="accent1"/>
-                </a:solidFill>
-              </a14:hiddenFill>
-            </a:ext>
-            <a:ext uri="{91240B29-F687-4F45-9708-019B960494DF}">
-              <a14:hiddenLine xmlns:a14="http://schemas.microsoft.com/office/drawing/2010/main" w="9525">
-                <a:solidFill>
-                  <a:schemeClr val="tx1"/>
-                </a:solidFill>
-                <a:miter lim="800000"/>
-                <a:headEnd/>
-                <a:tailEnd/>
-              </a14:hiddenLine>
-            </a:ext>
-          </a:extLst>
-        </p:spPr>
-      </p:pic>
       <p:sp>
         <p:nvSpPr>
           <p:cNvPr id="7" name="TextBox 6"/>
@@ -14576,7 +12918,7 @@
           <a:lstStyle/>
           <a:p>
             <a:r>
-              <a:rPr lang="en-US" sz="2800" b="1" dirty="0" smtClean="0"/>
+              <a:rPr lang="en-US" sz="2800" b="1" dirty="0"/>
               <a:t>Game Display</a:t>
             </a:r>
           </a:p>
@@ -14609,7 +12951,7 @@
               <a:buChar char="•"/>
             </a:pPr>
             <a:r>
-              <a:rPr lang="en-US" sz="2800" b="1" dirty="0" smtClean="0"/>
+              <a:rPr lang="en-US" sz="2800" b="1" dirty="0"/>
               <a:t>Web Service</a:t>
             </a:r>
           </a:p>
@@ -14642,7 +12984,7 @@
               <a:buChar char="•"/>
             </a:pPr>
             <a:r>
-              <a:rPr lang="en-US" sz="2800" b="1" dirty="0" smtClean="0"/>
+              <a:rPr lang="en-US" sz="2800" b="1" dirty="0"/>
               <a:t> </a:t>
             </a:r>
           </a:p>
@@ -14657,7 +12999,7 @@
           <p:nvPr/>
         </p:nvPicPr>
         <p:blipFill>
-          <a:blip r:embed="rId4">
+          <a:blip r:embed="rId3">
             <a:extLst>
               <a:ext uri="{28A0092B-C50C-407E-A947-70E740481C1C}">
                 <a14:useLocalDpi xmlns:a14="http://schemas.microsoft.com/office/drawing/2010/main" val="0"/>
@@ -14700,6 +13042,36 @@
               </a14:hiddenLine>
             </a:ext>
           </a:extLst>
+        </p:spPr>
+      </p:pic>
+      <p:pic>
+        <p:nvPicPr>
+          <p:cNvPr id="3" name="Picture 2" descr="... the functions of servers: fileserver, print server, web server"/>
+          <p:cNvPicPr>
+            <a:picLocks noChangeAspect="1"/>
+          </p:cNvPicPr>
+          <p:nvPr/>
+        </p:nvPicPr>
+        <p:blipFill>
+          <a:blip r:embed="rId4">
+            <a:extLst>
+              <a:ext uri="{28A0092B-C50C-407E-A947-70E740481C1C}">
+                <a14:useLocalDpi xmlns:a14="http://schemas.microsoft.com/office/drawing/2010/main" val="0"/>
+              </a:ext>
+            </a:extLst>
+          </a:blip>
+          <a:stretch>
+            <a:fillRect/>
+          </a:stretch>
+        </p:blipFill>
+        <p:spPr>
+          <a:xfrm>
+            <a:off x="1379347" y="4253417"/>
+            <a:ext cx="1524000" cy="1524000"/>
+          </a:xfrm>
+          <a:prstGeom prst="rect">
+            <a:avLst/>
+          </a:prstGeom>
         </p:spPr>
       </p:pic>
     </p:spTree>
@@ -14712,13 +13084,6 @@
   <p:clrMapOvr>
     <a:masterClrMapping/>
   </p:clrMapOvr>
-  <p:timing>
-    <p:tnLst>
-      <p:par>
-        <p:cTn id="1" dur="indefinite" restart="never" nodeType="tmRoot"/>
-      </p:par>
-    </p:tnLst>
-  </p:timing>
 </p:sld>
 </file>
 
@@ -14763,7 +13128,7 @@
           <a:p>
             <a:pPr algn="ctr"/>
             <a:r>
-              <a:rPr lang="en-US" sz="5400" b="1" dirty="0" smtClean="0">
+              <a:rPr lang="en-US" sz="5400" b="1" dirty="0">
                 <a:ln w="1905"/>
                 <a:gradFill>
                   <a:gsLst>
@@ -14799,40 +13164,6 @@
               </a:rPr>
               <a:t>Our Job</a:t>
             </a:r>
-            <a:endParaRPr lang="en-US" sz="5400" b="1" dirty="0">
-              <a:ln w="1905"/>
-              <a:gradFill>
-                <a:gsLst>
-                  <a:gs pos="0">
-                    <a:schemeClr val="accent6">
-                      <a:shade val="20000"/>
-                      <a:satMod val="200000"/>
-                    </a:schemeClr>
-                  </a:gs>
-                  <a:gs pos="78000">
-                    <a:schemeClr val="accent6">
-                      <a:tint val="90000"/>
-                      <a:shade val="89000"/>
-                      <a:satMod val="220000"/>
-                    </a:schemeClr>
-                  </a:gs>
-                  <a:gs pos="100000">
-                    <a:schemeClr val="accent6">
-                      <a:tint val="12000"/>
-                      <a:satMod val="255000"/>
-                    </a:schemeClr>
-                  </a:gs>
-                </a:gsLst>
-                <a:lin ang="5400000"/>
-              </a:gradFill>
-              <a:effectLst>
-                <a:innerShdw blurRad="69850" dist="43180" dir="5400000">
-                  <a:srgbClr val="000000">
-                    <a:alpha val="65000"/>
-                  </a:srgbClr>
-                </a:innerShdw>
-              </a:effectLst>
-            </a:endParaRPr>
           </a:p>
         </p:txBody>
       </p:sp>
@@ -14863,7 +13194,7 @@
               <a:buChar char="•"/>
             </a:pPr>
             <a:r>
-              <a:rPr lang="en-US" sz="2800" b="1" dirty="0" smtClean="0"/>
+              <a:rPr lang="en-US" sz="2800" b="1" dirty="0"/>
               <a:t>Flexible animation commands</a:t>
             </a:r>
           </a:p>
@@ -14873,7 +13204,7 @@
               <a:buChar char="•"/>
             </a:pPr>
             <a:r>
-              <a:rPr lang="en-US" sz="2800" b="1" dirty="0" smtClean="0"/>
+              <a:rPr lang="en-US" sz="2800" b="1" dirty="0"/>
               <a:t>Intuitive replay screen</a:t>
             </a:r>
           </a:p>
@@ -14883,7 +13214,7 @@
               <a:buChar char="•"/>
             </a:pPr>
             <a:r>
-              <a:rPr lang="en-US" sz="2800" b="1" dirty="0" smtClean="0"/>
+              <a:rPr lang="en-US" sz="2800" b="1" dirty="0"/>
               <a:t>A space for users to test code</a:t>
             </a:r>
           </a:p>
@@ -14893,7 +13224,7 @@
               <a:buChar char="•"/>
             </a:pPr>
             <a:r>
-              <a:rPr lang="en-US" sz="2800" b="1" dirty="0" smtClean="0"/>
+              <a:rPr lang="en-US" sz="2800" b="1" dirty="0"/>
               <a:t>Creation of a Game Challenge</a:t>
             </a:r>
           </a:p>
@@ -14902,7 +13233,7 @@
               <a:buFont typeface="Arial" panose="020B0604020202020204" pitchFamily="34" charset="0"/>
               <a:buChar char="•"/>
             </a:pPr>
-            <a:endParaRPr lang="en-US" sz="2800" b="1" dirty="0" smtClean="0"/>
+            <a:endParaRPr lang="en-US" sz="2800" b="1" dirty="0"/>
           </a:p>
         </p:txBody>
       </p:sp>
@@ -14916,13 +13247,6 @@
   <p:clrMapOvr>
     <a:masterClrMapping/>
   </p:clrMapOvr>
-  <p:timing>
-    <p:tnLst>
-      <p:par>
-        <p:cTn id="1" dur="indefinite" restart="never" nodeType="tmRoot"/>
-      </p:par>
-    </p:tnLst>
-  </p:timing>
 </p:sld>
 </file>
 
@@ -14967,7 +13291,7 @@
           <a:p>
             <a:pPr algn="ctr"/>
             <a:r>
-              <a:rPr lang="en-US" sz="5400" b="1" dirty="0" smtClean="0">
+              <a:rPr lang="en-US" sz="5400" b="1" dirty="0">
                 <a:ln w="1905"/>
                 <a:gradFill>
                   <a:gsLst>
@@ -15003,40 +13327,6 @@
               </a:rPr>
               <a:t>Design Phase</a:t>
             </a:r>
-            <a:endParaRPr lang="en-US" sz="5400" b="1" dirty="0">
-              <a:ln w="1905"/>
-              <a:gradFill>
-                <a:gsLst>
-                  <a:gs pos="0">
-                    <a:schemeClr val="accent6">
-                      <a:shade val="20000"/>
-                      <a:satMod val="200000"/>
-                    </a:schemeClr>
-                  </a:gs>
-                  <a:gs pos="78000">
-                    <a:schemeClr val="accent6">
-                      <a:tint val="90000"/>
-                      <a:shade val="89000"/>
-                      <a:satMod val="220000"/>
-                    </a:schemeClr>
-                  </a:gs>
-                  <a:gs pos="100000">
-                    <a:schemeClr val="accent6">
-                      <a:tint val="12000"/>
-                      <a:satMod val="255000"/>
-                    </a:schemeClr>
-                  </a:gs>
-                </a:gsLst>
-                <a:lin ang="5400000"/>
-              </a:gradFill>
-              <a:effectLst>
-                <a:innerShdw blurRad="69850" dist="43180" dir="5400000">
-                  <a:srgbClr val="000000">
-                    <a:alpha val="65000"/>
-                  </a:srgbClr>
-                </a:innerShdw>
-              </a:effectLst>
-            </a:endParaRPr>
           </a:p>
         </p:txBody>
       </p:sp>
@@ -15050,13 +13340,6 @@
   <p:clrMapOvr>
     <a:masterClrMapping/>
   </p:clrMapOvr>
-  <p:timing>
-    <p:tnLst>
-      <p:par>
-        <p:cTn id="1" dur="indefinite" restart="never" nodeType="tmRoot"/>
-      </p:par>
-    </p:tnLst>
-  </p:timing>
 </p:sld>
 </file>
 
@@ -15077,116 +13360,34 @@
           <a:chExt cx="0" cy="0"/>
         </a:xfrm>
       </p:grpSpPr>
-      <p:sp>
-        <p:nvSpPr>
-          <p:cNvPr id="4" name="TextBox 3"/>
-          <p:cNvSpPr txBox="1"/>
-          <p:nvPr/>
-        </p:nvSpPr>
+      <p:pic>
+        <p:nvPicPr>
+          <p:cNvPr id="2" name="Picture 1"/>
+          <p:cNvPicPr>
+            <a:picLocks noChangeAspect="1"/>
+          </p:cNvPicPr>
+          <p:nvPr/>
+        </p:nvPicPr>
+        <p:blipFill>
+          <a:blip r:embed="rId2">
+            <a:extLst>
+              <a:ext uri="{28A0092B-C50C-407E-A947-70E740481C1C}">
+                <a14:useLocalDpi xmlns:a14="http://schemas.microsoft.com/office/drawing/2010/main" val="0"/>
+              </a:ext>
+            </a:extLst>
+          </a:blip>
+          <a:stretch>
+            <a:fillRect/>
+          </a:stretch>
+        </p:blipFill>
         <p:spPr>
           <a:xfrm>
-            <a:off x="76200" y="1752599"/>
-            <a:ext cx="7628318" cy="769441"/>
-          </a:xfrm>
-          <a:prstGeom prst="rect">
-            <a:avLst/>
-          </a:prstGeom>
-          <a:noFill/>
-        </p:spPr>
-        <p:txBody>
-          <a:bodyPr wrap="square" rtlCol="0">
-            <a:spAutoFit/>
-          </a:bodyPr>
-          <a:lstStyle/>
-          <a:p>
-            <a:r>
-              <a:rPr lang="en-US" sz="4400" b="1" dirty="0" smtClean="0"/>
-              <a:t>Testing Arena</a:t>
-            </a:r>
-          </a:p>
-        </p:txBody>
-      </p:sp>
-      <p:sp>
-        <p:nvSpPr>
-          <p:cNvPr id="5" name="TextBox 4"/>
-          <p:cNvSpPr txBox="1"/>
-          <p:nvPr/>
-        </p:nvSpPr>
-        <p:spPr>
-          <a:xfrm>
-            <a:off x="4572000" y="1752600"/>
-            <a:ext cx="4876800" cy="769441"/>
-          </a:xfrm>
-          <a:prstGeom prst="rect">
-            <a:avLst/>
-          </a:prstGeom>
-          <a:noFill/>
-        </p:spPr>
-        <p:txBody>
-          <a:bodyPr wrap="square" rtlCol="0">
-            <a:spAutoFit/>
-          </a:bodyPr>
-          <a:lstStyle/>
-          <a:p>
-            <a:r>
-              <a:rPr lang="en-US" sz="4400" b="1" dirty="0" smtClean="0"/>
-              <a:t>Playback Mode</a:t>
-            </a:r>
-          </a:p>
-        </p:txBody>
-      </p:sp>
-      <p:pic>
-        <p:nvPicPr>
-          <p:cNvPr id="1026" name="Picture 2"/>
-          <p:cNvPicPr>
-            <a:picLocks noChangeAspect="1" noChangeArrowheads="1"/>
-          </p:cNvPicPr>
-          <p:nvPr/>
-        </p:nvPicPr>
-        <p:blipFill>
-          <a:blip r:embed="rId2">
-            <a:extLst>
-              <a:ext uri="{28A0092B-C50C-407E-A947-70E740481C1C}">
-                <a14:useLocalDpi xmlns:a14="http://schemas.microsoft.com/office/drawing/2010/main" val="0"/>
-              </a:ext>
-            </a:extLst>
-          </a:blip>
-          <a:srcRect/>
-          <a:stretch>
-            <a:fillRect/>
-          </a:stretch>
-        </p:blipFill>
-        <p:spPr bwMode="auto">
-          <a:xfrm>
-            <a:off x="-1" y="76200"/>
-            <a:ext cx="9136379" cy="5685465"/>
-          </a:xfrm>
-          <a:prstGeom prst="rect">
-            <a:avLst/>
-          </a:prstGeom>
-          <a:noFill/>
-          <a:ln>
-            <a:noFill/>
-          </a:ln>
-          <a:extLst>
-            <a:ext uri="{909E8E84-426E-40DD-AFC4-6F175D3DCCD1}">
-              <a14:hiddenFill xmlns:a14="http://schemas.microsoft.com/office/drawing/2010/main">
-                <a:solidFill>
-                  <a:schemeClr val="accent1"/>
-                </a:solidFill>
-              </a14:hiddenFill>
-            </a:ext>
-            <a:ext uri="{91240B29-F687-4F45-9708-019B960494DF}">
-              <a14:hiddenLine xmlns:a14="http://schemas.microsoft.com/office/drawing/2010/main" w="9525">
-                <a:solidFill>
-                  <a:schemeClr val="tx1"/>
-                </a:solidFill>
-                <a:miter lim="800000"/>
-                <a:headEnd/>
-                <a:tailEnd/>
-              </a14:hiddenLine>
-            </a:ext>
-          </a:extLst>
+            <a:off x="76200" y="1828800"/>
+            <a:ext cx="8943105" cy="2650334"/>
+          </a:xfrm>
+          <a:prstGeom prst="rect">
+            <a:avLst/>
+          </a:prstGeom>
         </p:spPr>
       </p:pic>
     </p:spTree>
@@ -15199,13 +13400,6 @@
   <p:clrMapOvr>
     <a:masterClrMapping/>
   </p:clrMapOvr>
-  <p:timing>
-    <p:tnLst>
-      <p:par>
-        <p:cTn id="1" dur="indefinite" restart="never" nodeType="tmRoot"/>
-      </p:par>
-    </p:tnLst>
-  </p:timing>
 </p:sld>
 </file>
 
@@ -15250,7 +13444,7 @@
           <a:p>
             <a:pPr algn="ctr"/>
             <a:r>
-              <a:rPr lang="en-US" sz="5400" b="1" dirty="0" smtClean="0">
+              <a:rPr lang="en-US" sz="5400" b="1" dirty="0">
                 <a:ln w="1905"/>
                 <a:gradFill>
                   <a:gsLst>
@@ -15286,40 +13480,6 @@
               </a:rPr>
               <a:t>Displaying A Game</a:t>
             </a:r>
-            <a:endParaRPr lang="en-US" sz="5400" b="1" dirty="0">
-              <a:ln w="1905"/>
-              <a:gradFill>
-                <a:gsLst>
-                  <a:gs pos="0">
-                    <a:schemeClr val="accent6">
-                      <a:shade val="20000"/>
-                      <a:satMod val="200000"/>
-                    </a:schemeClr>
-                  </a:gs>
-                  <a:gs pos="78000">
-                    <a:schemeClr val="accent6">
-                      <a:tint val="90000"/>
-                      <a:shade val="89000"/>
-                      <a:satMod val="220000"/>
-                    </a:schemeClr>
-                  </a:gs>
-                  <a:gs pos="100000">
-                    <a:schemeClr val="accent6">
-                      <a:tint val="12000"/>
-                      <a:satMod val="255000"/>
-                    </a:schemeClr>
-                  </a:gs>
-                </a:gsLst>
-                <a:lin ang="5400000"/>
-              </a:gradFill>
-              <a:effectLst>
-                <a:innerShdw blurRad="69850" dist="43180" dir="5400000">
-                  <a:srgbClr val="000000">
-                    <a:alpha val="65000"/>
-                  </a:srgbClr>
-                </a:innerShdw>
-              </a:effectLst>
-            </a:endParaRPr>
           </a:p>
         </p:txBody>
       </p:sp>
@@ -15346,7 +13506,7 @@
           <a:lstStyle/>
           <a:p>
             <a:r>
-              <a:rPr lang="en-US" sz="4400" b="1" dirty="0" smtClean="0"/>
+              <a:rPr lang="en-US" sz="4400" b="1" dirty="0"/>
               <a:t>Playback Mode</a:t>
             </a:r>
           </a:p>
@@ -15375,7 +13535,7 @@
           <a:lstStyle/>
           <a:p>
             <a:r>
-              <a:rPr lang="en-US" sz="4400" b="1" dirty="0" smtClean="0"/>
+              <a:rPr lang="en-US" sz="4400" b="1" dirty="0"/>
               <a:t>Testing Arena</a:t>
             </a:r>
           </a:p>
@@ -15437,13 +13597,13 @@
       </p:pic>
       <p:pic>
         <p:nvPicPr>
-          <p:cNvPr id="7" name="Picture 2" descr="C:\Users\Owner\Desktop\TestingArena.png"/>
-          <p:cNvPicPr>
-            <a:picLocks noChangeAspect="1" noChangeArrowheads="1"/>
-          </p:cNvPicPr>
-          <p:nvPr/>
-        </p:nvPicPr>
-        <p:blipFill>
+          <p:cNvPr id="3" name="Picture 2"/>
+          <p:cNvPicPr>
+            <a:picLocks noChangeAspect="1"/>
+          </p:cNvPicPr>
+          <p:nvPr/>
+        </p:nvPicPr>
+        <p:blipFill rotWithShape="1">
           <a:blip r:embed="rId3" cstate="print">
             <a:extLst>
               <a:ext uri="{28A0092B-C50C-407E-A947-70E740481C1C}">
@@ -15451,29 +13611,17 @@
               </a:ext>
             </a:extLst>
           </a:blip>
-          <a:srcRect/>
-          <a:stretch>
-            <a:fillRect/>
-          </a:stretch>
-        </p:blipFill>
-        <p:spPr bwMode="auto">
-          <a:xfrm>
-            <a:off x="381000" y="2681669"/>
-            <a:ext cx="3813926" cy="2363805"/>
-          </a:xfrm>
-          <a:prstGeom prst="rect">
-            <a:avLst/>
-          </a:prstGeom>
-          <a:noFill/>
-          <a:extLst>
-            <a:ext uri="{909E8E84-426E-40DD-AFC4-6F175D3DCCD1}">
-              <a14:hiddenFill xmlns:a14="http://schemas.microsoft.com/office/drawing/2010/main">
-                <a:solidFill>
-                  <a:srgbClr val="FFFFFF"/>
-                </a:solidFill>
-              </a14:hiddenFill>
-            </a:ext>
-          </a:extLst>
+          <a:srcRect l="9628" t="8462" r="6779"/>
+          <a:stretch/>
+        </p:blipFill>
+        <p:spPr>
+          <a:xfrm>
+            <a:off x="381000" y="2705355"/>
+            <a:ext cx="3905278" cy="2316435"/>
+          </a:xfrm>
+          <a:prstGeom prst="rect">
+            <a:avLst/>
+          </a:prstGeom>
         </p:spPr>
       </p:pic>
     </p:spTree>
@@ -15486,13 +13634,6 @@
   <p:clrMapOvr>
     <a:masterClrMapping/>
   </p:clrMapOvr>
-  <p:timing>
-    <p:tnLst>
-      <p:par>
-        <p:cTn id="1" dur="indefinite" restart="never" nodeType="tmRoot"/>
-      </p:par>
-    </p:tnLst>
-  </p:timing>
 </p:sld>
 </file>
 
@@ -15537,7 +13678,7 @@
           <a:p>
             <a:pPr algn="ctr"/>
             <a:r>
-              <a:rPr lang="en-US" sz="5400" b="1" dirty="0" smtClean="0">
+              <a:rPr lang="en-US" sz="5400" b="1" dirty="0">
                 <a:ln w="1905"/>
                 <a:gradFill>
                   <a:gsLst>
@@ -15573,40 +13714,6 @@
               </a:rPr>
               <a:t>Playback Mode</a:t>
             </a:r>
-            <a:endParaRPr lang="en-US" sz="5400" b="1" dirty="0">
-              <a:ln w="1905"/>
-              <a:gradFill>
-                <a:gsLst>
-                  <a:gs pos="0">
-                    <a:schemeClr val="accent6">
-                      <a:shade val="20000"/>
-                      <a:satMod val="200000"/>
-                    </a:schemeClr>
-                  </a:gs>
-                  <a:gs pos="78000">
-                    <a:schemeClr val="accent6">
-                      <a:tint val="90000"/>
-                      <a:shade val="89000"/>
-                      <a:satMod val="220000"/>
-                    </a:schemeClr>
-                  </a:gs>
-                  <a:gs pos="100000">
-                    <a:schemeClr val="accent6">
-                      <a:tint val="12000"/>
-                      <a:satMod val="255000"/>
-                    </a:schemeClr>
-                  </a:gs>
-                </a:gsLst>
-                <a:lin ang="5400000"/>
-              </a:gradFill>
-              <a:effectLst>
-                <a:innerShdw blurRad="69850" dist="43180" dir="5400000">
-                  <a:srgbClr val="000000">
-                    <a:alpha val="65000"/>
-                  </a:srgbClr>
-                </a:innerShdw>
-              </a:effectLst>
-            </a:endParaRPr>
           </a:p>
         </p:txBody>
       </p:sp>
@@ -15637,7 +13744,7 @@
               <a:buChar char="•"/>
             </a:pPr>
             <a:r>
-              <a:rPr lang="en-US" sz="3600" b="1" dirty="0" smtClean="0"/>
+              <a:rPr lang="en-US" sz="3600" b="1" dirty="0"/>
               <a:t>View completed matches</a:t>
             </a:r>
           </a:p>
@@ -15647,7 +13754,7 @@
               <a:buChar char="•"/>
             </a:pPr>
             <a:r>
-              <a:rPr lang="en-US" sz="3600" b="1" dirty="0" smtClean="0"/>
+              <a:rPr lang="en-US" sz="3600" b="1" dirty="0"/>
               <a:t>Speed Slider</a:t>
             </a:r>
           </a:p>
@@ -15657,7 +13764,7 @@
               <a:buChar char="•"/>
             </a:pPr>
             <a:r>
-              <a:rPr lang="en-US" sz="3600" b="1" dirty="0" smtClean="0"/>
+              <a:rPr lang="en-US" sz="3600" b="1" dirty="0"/>
               <a:t>Turn by turn</a:t>
             </a:r>
           </a:p>
@@ -15667,7 +13774,7 @@
               <a:buChar char="•"/>
             </a:pPr>
             <a:r>
-              <a:rPr lang="en-US" sz="3600" b="1" dirty="0" smtClean="0"/>
+              <a:rPr lang="en-US" sz="3600" b="1" dirty="0"/>
               <a:t>Easy to use</a:t>
             </a:r>
           </a:p>
@@ -15676,7 +13783,7 @@
               <a:buFont typeface="Arial" panose="020B0604020202020204" pitchFamily="34" charset="0"/>
               <a:buChar char="•"/>
             </a:pPr>
-            <a:endParaRPr lang="en-US" sz="3600" b="1" dirty="0" smtClean="0"/>
+            <a:endParaRPr lang="en-US" sz="3600" b="1" dirty="0"/>
           </a:p>
         </p:txBody>
       </p:sp>
@@ -15690,13 +13797,6 @@
   <p:clrMapOvr>
     <a:masterClrMapping/>
   </p:clrMapOvr>
-  <p:timing>
-    <p:tnLst>
-      <p:par>
-        <p:cTn id="1" dur="indefinite" restart="never" nodeType="tmRoot"/>
-      </p:par>
-    </p:tnLst>
-  </p:timing>
 </p:sld>
 </file>
 
@@ -16806,13 +14906,6 @@
   <p:clrMapOvr>
     <a:masterClrMapping/>
   </p:clrMapOvr>
-  <p:timing>
-    <p:tnLst>
-      <p:par>
-        <p:cTn id="1" dur="indefinite" restart="never" nodeType="tmRoot"/>
-      </p:par>
-    </p:tnLst>
-  </p:timing>
 </p:sld>
 </file>
 

--- a/Presentation Materials/Capstone Presentation.pptx
+++ b/Presentation Materials/Capstone Presentation.pptx
@@ -131,7 +131,7 @@
   </p:defaultTextStyle>
   <p:extLst>
     <p:ext uri="{EFAFB233-063F-42B5-8137-9DF3F51BA10A}">
-      <p15:sldGuideLst xmlns:p15="http://schemas.microsoft.com/office/powerpoint/2012/main">
+      <p15:sldGuideLst xmlns:p15="http://schemas.microsoft.com/office/powerpoint/2012/main" xmlns="">
         <p15:guide id="1" orient="horz" pos="2160">
           <p15:clr>
             <a:srgbClr val="A4A3A4"/>
@@ -4228,6 +4228,13 @@
   <p:clrMapOvr>
     <a:masterClrMapping/>
   </p:clrMapOvr>
+  <p:timing>
+    <p:tnLst>
+      <p:par>
+        <p:cTn id="1" dur="indefinite" restart="never" nodeType="tmRoot"/>
+      </p:par>
+    </p:tnLst>
+  </p:timing>
 </p:sld>
 </file>
 
@@ -11002,6 +11009,13 @@
   <p:clrMapOvr>
     <a:masterClrMapping/>
   </p:clrMapOvr>
+  <p:timing>
+    <p:tnLst>
+      <p:par>
+        <p:cTn id="1" dur="indefinite" restart="never" nodeType="tmRoot"/>
+      </p:par>
+    </p:tnLst>
+  </p:timing>
 </p:sld>
 </file>
 
@@ -11195,6 +11209,13 @@
   <p:clrMapOvr>
     <a:masterClrMapping/>
   </p:clrMapOvr>
+  <p:timing>
+    <p:tnLst>
+      <p:par>
+        <p:cTn id="1" dur="indefinite" restart="never" nodeType="tmRoot"/>
+      </p:par>
+    </p:tnLst>
+  </p:timing>
 </p:sld>
 </file>
 
@@ -11277,8 +11298,8 @@
         </p:blipFill>
         <p:spPr>
           <a:xfrm>
-            <a:off x="0" y="304800"/>
-            <a:ext cx="9133755" cy="5225562"/>
+            <a:off x="0" y="76200"/>
+            <a:ext cx="9133755" cy="5715000"/>
           </a:xfrm>
           <a:prstGeom prst="rect">
             <a:avLst/>
@@ -11295,6 +11316,13 @@
   <p:clrMapOvr>
     <a:masterClrMapping/>
   </p:clrMapOvr>
+  <p:timing>
+    <p:tnLst>
+      <p:par>
+        <p:cTn id="1" dur="indefinite" restart="never" nodeType="tmRoot"/>
+      </p:par>
+    </p:tnLst>
+  </p:timing>
 </p:sld>
 </file>
 
@@ -11339,7 +11367,7 @@
         <p:spPr bwMode="auto">
           <a:xfrm>
             <a:off x="0" y="76200"/>
-            <a:ext cx="9144000" cy="5667292"/>
+            <a:ext cx="9144000" cy="5715000"/>
           </a:xfrm>
           <a:prstGeom prst="rect">
             <a:avLst/>
@@ -11422,6 +11450,114 @@
           <a:xfrm>
             <a:off x="2590800" y="1524000"/>
             <a:ext cx="5363003" cy="3581400"/>
+          </a:xfrm>
+          <a:prstGeom prst="rect">
+            <a:avLst/>
+          </a:prstGeom>
+          <a:noFill/>
+          <a:ln>
+            <a:noFill/>
+          </a:ln>
+          <a:extLst>
+            <a:ext uri="{909E8E84-426E-40DD-AFC4-6F175D3DCCD1}">
+              <a14:hiddenFill xmlns:a14="http://schemas.microsoft.com/office/drawing/2010/main">
+                <a:solidFill>
+                  <a:schemeClr val="accent1"/>
+                </a:solidFill>
+              </a14:hiddenFill>
+            </a:ext>
+            <a:ext uri="{91240B29-F687-4F45-9708-019B960494DF}">
+              <a14:hiddenLine xmlns:a14="http://schemas.microsoft.com/office/drawing/2010/main" w="9525">
+                <a:solidFill>
+                  <a:schemeClr val="tx1"/>
+                </a:solidFill>
+                <a:miter lim="800000"/>
+                <a:headEnd/>
+                <a:tailEnd/>
+              </a14:hiddenLine>
+            </a:ext>
+          </a:extLst>
+        </p:spPr>
+      </p:pic>
+      <p:pic>
+        <p:nvPicPr>
+          <p:cNvPr id="3074" name="Picture 2"/>
+          <p:cNvPicPr>
+            <a:picLocks noChangeAspect="1" noChangeArrowheads="1"/>
+          </p:cNvPicPr>
+          <p:nvPr/>
+        </p:nvPicPr>
+        <p:blipFill>
+          <a:blip r:embed="rId5">
+            <a:extLst>
+              <a:ext uri="{28A0092B-C50C-407E-A947-70E740481C1C}">
+                <a14:useLocalDpi xmlns:a14="http://schemas.microsoft.com/office/drawing/2010/main" val="0"/>
+              </a:ext>
+            </a:extLst>
+          </a:blip>
+          <a:srcRect/>
+          <a:stretch>
+            <a:fillRect/>
+          </a:stretch>
+        </p:blipFill>
+        <p:spPr bwMode="auto">
+          <a:xfrm>
+            <a:off x="0" y="457200"/>
+            <a:ext cx="9144000" cy="142875"/>
+          </a:xfrm>
+          <a:prstGeom prst="rect">
+            <a:avLst/>
+          </a:prstGeom>
+          <a:noFill/>
+          <a:ln>
+            <a:noFill/>
+          </a:ln>
+          <a:extLst>
+            <a:ext uri="{909E8E84-426E-40DD-AFC4-6F175D3DCCD1}">
+              <a14:hiddenFill xmlns:a14="http://schemas.microsoft.com/office/drawing/2010/main">
+                <a:solidFill>
+                  <a:schemeClr val="accent1"/>
+                </a:solidFill>
+              </a14:hiddenFill>
+            </a:ext>
+            <a:ext uri="{91240B29-F687-4F45-9708-019B960494DF}">
+              <a14:hiddenLine xmlns:a14="http://schemas.microsoft.com/office/drawing/2010/main" w="9525">
+                <a:solidFill>
+                  <a:schemeClr val="tx1"/>
+                </a:solidFill>
+                <a:miter lim="800000"/>
+                <a:headEnd/>
+                <a:tailEnd/>
+              </a14:hiddenLine>
+            </a:ext>
+          </a:extLst>
+        </p:spPr>
+      </p:pic>
+      <p:pic>
+        <p:nvPicPr>
+          <p:cNvPr id="3076" name="Picture 4"/>
+          <p:cNvPicPr>
+            <a:picLocks noChangeAspect="1" noChangeArrowheads="1"/>
+          </p:cNvPicPr>
+          <p:nvPr/>
+        </p:nvPicPr>
+        <p:blipFill>
+          <a:blip r:embed="rId6">
+            <a:extLst>
+              <a:ext uri="{28A0092B-C50C-407E-A947-70E740481C1C}">
+                <a14:useLocalDpi xmlns:a14="http://schemas.microsoft.com/office/drawing/2010/main" val="0"/>
+              </a:ext>
+            </a:extLst>
+          </a:blip>
+          <a:srcRect/>
+          <a:stretch>
+            <a:fillRect/>
+          </a:stretch>
+        </p:blipFill>
+        <p:spPr bwMode="auto">
+          <a:xfrm>
+            <a:off x="0" y="5585164"/>
+            <a:ext cx="9144000" cy="190500"/>
           </a:xfrm>
           <a:prstGeom prst="rect">
             <a:avLst/>
@@ -11461,6 +11597,13 @@
   <p:clrMapOvr>
     <a:masterClrMapping/>
   </p:clrMapOvr>
+  <p:timing>
+    <p:tnLst>
+      <p:par>
+        <p:cTn id="1" dur="indefinite" restart="never" nodeType="tmRoot"/>
+      </p:par>
+    </p:tnLst>
+  </p:timing>
 </p:sld>
 </file>
 
@@ -11503,7 +11646,7 @@
         <p:spPr>
           <a:xfrm>
             <a:off x="0" y="76200"/>
-            <a:ext cx="9144000" cy="5727032"/>
+            <a:ext cx="9144000" cy="5715000"/>
           </a:xfrm>
           <a:prstGeom prst="rect">
             <a:avLst/>
@@ -11520,6 +11663,13 @@
   <p:clrMapOvr>
     <a:masterClrMapping/>
   </p:clrMapOvr>
+  <p:timing>
+    <p:tnLst>
+      <p:par>
+        <p:cTn id="1" dur="indefinite" restart="never" nodeType="tmRoot"/>
+      </p:par>
+    </p:tnLst>
+  </p:timing>
 </p:sld>
 </file>
 
@@ -11654,6 +11804,13 @@
   <p:clrMapOvr>
     <a:masterClrMapping/>
   </p:clrMapOvr>
+  <p:timing>
+    <p:tnLst>
+      <p:par>
+        <p:cTn id="1" dur="indefinite" restart="never" nodeType="tmRoot"/>
+      </p:par>
+    </p:tnLst>
+  </p:timing>
 </p:sld>
 </file>
 
@@ -11695,8 +11852,8 @@
         </p:blipFill>
         <p:spPr>
           <a:xfrm>
-            <a:off x="0" y="5179"/>
-            <a:ext cx="9144000" cy="5850194"/>
+            <a:off x="0" y="76201"/>
+            <a:ext cx="9144000" cy="5714999"/>
           </a:xfrm>
           <a:prstGeom prst="rect">
             <a:avLst/>
@@ -11713,6 +11870,13 @@
   <p:clrMapOvr>
     <a:masterClrMapping/>
   </p:clrMapOvr>
+  <p:timing>
+    <p:tnLst>
+      <p:par>
+        <p:cTn id="1" dur="indefinite" restart="never" nodeType="tmRoot"/>
+      </p:par>
+    </p:tnLst>
+  </p:timing>
 </p:sld>
 </file>
 
@@ -11754,12 +11918,66 @@
         </p:blipFill>
         <p:spPr>
           <a:xfrm>
-            <a:off x="0" y="152400"/>
-            <a:ext cx="9144000" cy="5608949"/>
-          </a:xfrm>
-          <a:prstGeom prst="rect">
-            <a:avLst/>
-          </a:prstGeom>
+            <a:off x="0" y="76200"/>
+            <a:ext cx="9144000" cy="5715000"/>
+          </a:xfrm>
+          <a:prstGeom prst="rect">
+            <a:avLst/>
+          </a:prstGeom>
+        </p:spPr>
+      </p:pic>
+      <p:pic>
+        <p:nvPicPr>
+          <p:cNvPr id="2050" name="Picture 2"/>
+          <p:cNvPicPr>
+            <a:picLocks noChangeAspect="1" noChangeArrowheads="1"/>
+          </p:cNvPicPr>
+          <p:nvPr/>
+        </p:nvPicPr>
+        <p:blipFill>
+          <a:blip r:embed="rId3">
+            <a:extLst>
+              <a:ext uri="{28A0092B-C50C-407E-A947-70E740481C1C}">
+                <a14:useLocalDpi xmlns:a14="http://schemas.microsoft.com/office/drawing/2010/main" val="0"/>
+              </a:ext>
+            </a:extLst>
+          </a:blip>
+          <a:srcRect/>
+          <a:stretch>
+            <a:fillRect/>
+          </a:stretch>
+        </p:blipFill>
+        <p:spPr bwMode="auto">
+          <a:xfrm>
+            <a:off x="0" y="381000"/>
+            <a:ext cx="9144000" cy="142875"/>
+          </a:xfrm>
+          <a:prstGeom prst="rect">
+            <a:avLst/>
+          </a:prstGeom>
+          <a:noFill/>
+          <a:ln>
+            <a:noFill/>
+          </a:ln>
+          <a:extLst>
+            <a:ext uri="{909E8E84-426E-40DD-AFC4-6F175D3DCCD1}">
+              <a14:hiddenFill xmlns:a14="http://schemas.microsoft.com/office/drawing/2010/main">
+                <a:solidFill>
+                  <a:schemeClr val="accent1"/>
+                </a:solidFill>
+              </a14:hiddenFill>
+            </a:ext>
+            <a:ext uri="{91240B29-F687-4F45-9708-019B960494DF}">
+              <a14:hiddenLine xmlns:a14="http://schemas.microsoft.com/office/drawing/2010/main" w="9525">
+                <a:solidFill>
+                  <a:schemeClr val="tx1"/>
+                </a:solidFill>
+                <a:miter lim="800000"/>
+                <a:headEnd/>
+                <a:tailEnd/>
+              </a14:hiddenLine>
+            </a:ext>
+          </a:extLst>
         </p:spPr>
       </p:pic>
     </p:spTree>
@@ -11772,6 +11990,13 @@
   <p:clrMapOvr>
     <a:masterClrMapping/>
   </p:clrMapOvr>
+  <p:timing>
+    <p:tnLst>
+      <p:par>
+        <p:cTn id="1" dur="indefinite" restart="never" nodeType="tmRoot"/>
+      </p:par>
+    </p:tnLst>
+  </p:timing>
 </p:sld>
 </file>
 
@@ -11867,6 +12092,13 @@
   <p:clrMapOvr>
     <a:masterClrMapping/>
   </p:clrMapOvr>
+  <p:timing>
+    <p:tnLst>
+      <p:par>
+        <p:cTn id="1" dur="indefinite" restart="never" nodeType="tmRoot"/>
+      </p:par>
+    </p:tnLst>
+  </p:timing>
 </p:sld>
 </file>
 
@@ -11960,6 +12192,13 @@
   <p:clrMapOvr>
     <a:masterClrMapping/>
   </p:clrMapOvr>
+  <p:timing>
+    <p:tnLst>
+      <p:par>
+        <p:cTn id="1" dur="indefinite" restart="never" nodeType="tmRoot"/>
+      </p:par>
+    </p:tnLst>
+  </p:timing>
 </p:sld>
 </file>
 
@@ -12123,6 +12362,13 @@
   <p:clrMapOvr>
     <a:masterClrMapping/>
   </p:clrMapOvr>
+  <p:timing>
+    <p:tnLst>
+      <p:par>
+        <p:cTn id="1" dur="indefinite" restart="never" nodeType="tmRoot"/>
+      </p:par>
+    </p:tnLst>
+  </p:timing>
 </p:sld>
 </file>
 
@@ -12199,47 +12445,6 @@
       </p:pic>
       <p:pic>
         <p:nvPicPr>
-          <p:cNvPr id="1034" name="Picture 10" descr="C:\Users\Owner\AppData\Local\Microsoft\Windows\Temporary Internet Files\Content.IE5\4SKU0K12\White-Pixel-Mouse-Cursor-Arow-Fixed[1].png"/>
-          <p:cNvPicPr>
-            <a:picLocks noChangeAspect="1" noChangeArrowheads="1"/>
-          </p:cNvPicPr>
-          <p:nvPr/>
-        </p:nvPicPr>
-        <p:blipFill>
-          <a:blip r:embed="rId3" cstate="print">
-            <a:extLst>
-              <a:ext uri="{28A0092B-C50C-407E-A947-70E740481C1C}">
-                <a14:useLocalDpi xmlns:a14="http://schemas.microsoft.com/office/drawing/2010/main" val="0"/>
-              </a:ext>
-            </a:extLst>
-          </a:blip>
-          <a:srcRect/>
-          <a:stretch>
-            <a:fillRect/>
-          </a:stretch>
-        </p:blipFill>
-        <p:spPr bwMode="auto">
-          <a:xfrm>
-            <a:off x="1539116" y="5315449"/>
-            <a:ext cx="126873" cy="201386"/>
-          </a:xfrm>
-          <a:prstGeom prst="rect">
-            <a:avLst/>
-          </a:prstGeom>
-          <a:noFill/>
-          <a:extLst>
-            <a:ext uri="{909E8E84-426E-40DD-AFC4-6F175D3DCCD1}">
-              <a14:hiddenFill xmlns:a14="http://schemas.microsoft.com/office/drawing/2010/main">
-                <a:solidFill>
-                  <a:srgbClr val="FFFFFF"/>
-                </a:solidFill>
-              </a14:hiddenFill>
-            </a:ext>
-          </a:extLst>
-        </p:spPr>
-      </p:pic>
-      <p:pic>
-        <p:nvPicPr>
           <p:cNvPr id="2050" name="Picture 2" descr="C:\Users\Owner\Documents\GitHub\psh_sp16_cmpsc488_flaggers\botbattle\botbattle\assets\images\background.png"/>
           <p:cNvPicPr>
             <a:picLocks noChangeAspect="1" noChangeArrowheads="1"/>
@@ -12247,7 +12452,7 @@
           <p:nvPr/>
         </p:nvPicPr>
         <p:blipFill>
-          <a:blip r:embed="rId4">
+          <a:blip r:embed="rId3">
             <a:extLst>
               <a:ext uri="{28A0092B-C50C-407E-A947-70E740481C1C}">
                 <a14:useLocalDpi xmlns:a14="http://schemas.microsoft.com/office/drawing/2010/main" val="0"/>
@@ -12288,7 +12493,7 @@
           <p:nvPr/>
         </p:nvPicPr>
         <p:blipFill>
-          <a:blip r:embed="rId5" cstate="print">
+          <a:blip r:embed="rId4" cstate="print">
             <a:extLst>
               <a:ext uri="{28A0092B-C50C-407E-A947-70E740481C1C}">
                 <a14:useLocalDpi xmlns:a14="http://schemas.microsoft.com/office/drawing/2010/main" val="0"/>
@@ -12342,7 +12547,7 @@
           <p:nvPr/>
         </p:nvPicPr>
         <p:blipFill>
-          <a:blip r:embed="rId5" cstate="print">
+          <a:blip r:embed="rId4" cstate="print">
             <a:extLst>
               <a:ext uri="{28A0092B-C50C-407E-A947-70E740481C1C}">
                 <a14:useLocalDpi xmlns:a14="http://schemas.microsoft.com/office/drawing/2010/main" val="0"/>
@@ -12454,7 +12659,7 @@
           <p:nvPr/>
         </p:nvPicPr>
         <p:blipFill>
-          <a:blip r:embed="rId6" cstate="print">
+          <a:blip r:embed="rId5" cstate="print">
             <a:extLst>
               <a:ext uri="{28A0092B-C50C-407E-A947-70E740481C1C}">
                 <a14:useLocalDpi xmlns:a14="http://schemas.microsoft.com/office/drawing/2010/main" val="0"/>
@@ -12508,7 +12713,7 @@
           <p:nvPr/>
         </p:nvPicPr>
         <p:blipFill>
-          <a:blip r:embed="rId6" cstate="print">
+          <a:blip r:embed="rId5" cstate="print">
             <a:extLst>
               <a:ext uri="{28A0092B-C50C-407E-A947-70E740481C1C}">
                 <a14:useLocalDpi xmlns:a14="http://schemas.microsoft.com/office/drawing/2010/main" val="0"/>
@@ -12562,7 +12767,7 @@
           <p:nvPr/>
         </p:nvPicPr>
         <p:blipFill>
-          <a:blip r:embed="rId7" cstate="print">
+          <a:blip r:embed="rId6" cstate="print">
             <a:extLst>
               <a:ext uri="{28A0092B-C50C-407E-A947-70E740481C1C}">
                 <a14:useLocalDpi xmlns:a14="http://schemas.microsoft.com/office/drawing/2010/main" val="0"/>
@@ -12603,7 +12808,7 @@
           <p:nvPr/>
         </p:nvPicPr>
         <p:blipFill>
-          <a:blip r:embed="rId8" cstate="print">
+          <a:blip r:embed="rId7" cstate="print">
             <a:extLst>
               <a:ext uri="{28A0092B-C50C-407E-A947-70E740481C1C}">
                 <a14:useLocalDpi xmlns:a14="http://schemas.microsoft.com/office/drawing/2010/main" val="0"/>
@@ -12645,6 +12850,13 @@
   <p:clrMapOvr>
     <a:masterClrMapping/>
   </p:clrMapOvr>
+  <p:timing>
+    <p:tnLst>
+      <p:par>
+        <p:cTn id="1" dur="indefinite" restart="never" nodeType="tmRoot"/>
+      </p:par>
+    </p:tnLst>
+  </p:timing>
 </p:sld>
 </file>
 
@@ -12738,6 +12950,13 @@
   <p:clrMapOvr>
     <a:masterClrMapping/>
   </p:clrMapOvr>
+  <p:timing>
+    <p:tnLst>
+      <p:par>
+        <p:cTn id="1" dur="indefinite" restart="never" nodeType="tmRoot"/>
+      </p:par>
+    </p:tnLst>
+  </p:timing>
 </p:sld>
 </file>
 
@@ -12903,7 +13122,7 @@
         </p:nvSpPr>
         <p:spPr>
           <a:xfrm>
-            <a:off x="1815116" y="3524250"/>
+            <a:off x="1981200" y="3524250"/>
             <a:ext cx="4580318" cy="523220"/>
           </a:xfrm>
           <a:prstGeom prst="rect">
@@ -12932,7 +13151,7 @@
         </p:nvSpPr>
         <p:spPr>
           <a:xfrm>
-            <a:off x="3920744" y="5172075"/>
+            <a:off x="2971800" y="5196766"/>
             <a:ext cx="4580318" cy="523220"/>
           </a:xfrm>
           <a:prstGeom prst="rect">
@@ -12965,7 +13184,7 @@
         </p:nvSpPr>
         <p:spPr>
           <a:xfrm rot="10800000">
-            <a:off x="371474" y="3588198"/>
+            <a:off x="395056" y="3606966"/>
             <a:ext cx="4580318" cy="523220"/>
           </a:xfrm>
           <a:prstGeom prst="rect">
@@ -13013,7 +13232,7 @@
         </p:blipFill>
         <p:spPr bwMode="auto">
           <a:xfrm>
-            <a:off x="371475" y="1600200"/>
+            <a:off x="457200" y="1568388"/>
             <a:ext cx="3539744" cy="1608336"/>
           </a:xfrm>
           <a:prstGeom prst="rect">
@@ -13066,7 +13285,7 @@
         </p:blipFill>
         <p:spPr>
           <a:xfrm>
-            <a:off x="1379347" y="4253417"/>
+            <a:off x="1219200" y="4195986"/>
             <a:ext cx="1524000" cy="1524000"/>
           </a:xfrm>
           <a:prstGeom prst="rect">
@@ -13084,6 +13303,182 @@
   <p:clrMapOvr>
     <a:masterClrMapping/>
   </p:clrMapOvr>
+  <p:timing>
+    <p:tnLst>
+      <p:par>
+        <p:cTn id="1" dur="indefinite" restart="never" nodeType="tmRoot">
+          <p:childTnLst>
+            <p:seq concurrent="1" nextAc="seek">
+              <p:cTn id="2" dur="indefinite" nodeType="mainSeq">
+                <p:childTnLst>
+                  <p:par>
+                    <p:cTn id="3" fill="hold">
+                      <p:stCondLst>
+                        <p:cond delay="indefinite"/>
+                      </p:stCondLst>
+                      <p:childTnLst>
+                        <p:par>
+                          <p:cTn id="4" fill="hold">
+                            <p:stCondLst>
+                              <p:cond delay="0"/>
+                            </p:stCondLst>
+                            <p:childTnLst>
+                              <p:par>
+                                <p:cTn id="5" presetID="9" presetClass="emph" presetSubtype="0" grpId="0" nodeType="clickEffect">
+                                  <p:stCondLst>
+                                    <p:cond delay="0"/>
+                                  </p:stCondLst>
+                                  <p:childTnLst>
+                                    <p:set>
+                                      <p:cBhvr rctx="PPT">
+                                        <p:cTn id="6" dur="indefinite"/>
+                                        <p:tgtEl>
+                                          <p:spTgt spid="5"/>
+                                        </p:tgtEl>
+                                        <p:attrNameLst>
+                                          <p:attrName>style.opacity</p:attrName>
+                                        </p:attrNameLst>
+                                      </p:cBhvr>
+                                      <p:to>
+                                        <p:strVal val="0.15"/>
+                                      </p:to>
+                                    </p:set>
+                                    <p:animEffect filter="image" prLst="opacity: 0.15">
+                                      <p:cBhvr rctx="IE">
+                                        <p:cTn id="7" dur="indefinite"/>
+                                        <p:tgtEl>
+                                          <p:spTgt spid="5"/>
+                                        </p:tgtEl>
+                                      </p:cBhvr>
+                                    </p:animEffect>
+                                  </p:childTnLst>
+                                </p:cTn>
+                              </p:par>
+                              <p:par>
+                                <p:cTn id="8" presetID="9" presetClass="emph" presetSubtype="0" nodeType="withEffect">
+                                  <p:stCondLst>
+                                    <p:cond delay="0"/>
+                                  </p:stCondLst>
+                                  <p:childTnLst>
+                                    <p:set>
+                                      <p:cBhvr rctx="PPT">
+                                        <p:cTn id="9" dur="indefinite"/>
+                                        <p:tgtEl>
+                                          <p:spTgt spid="2052"/>
+                                        </p:tgtEl>
+                                        <p:attrNameLst>
+                                          <p:attrName>style.opacity</p:attrName>
+                                        </p:attrNameLst>
+                                      </p:cBhvr>
+                                      <p:to>
+                                        <p:strVal val="0.25"/>
+                                      </p:to>
+                                    </p:set>
+                                    <p:animEffect filter="image" prLst="opacity: 0.25">
+                                      <p:cBhvr rctx="IE">
+                                        <p:cTn id="10" dur="indefinite"/>
+                                        <p:tgtEl>
+                                          <p:spTgt spid="2052"/>
+                                        </p:tgtEl>
+                                      </p:cBhvr>
+                                    </p:animEffect>
+                                  </p:childTnLst>
+                                </p:cTn>
+                              </p:par>
+                              <p:par>
+                                <p:cTn id="11" presetID="9" presetClass="emph" presetSubtype="0" grpId="0" nodeType="withEffect">
+                                  <p:stCondLst>
+                                    <p:cond delay="0"/>
+                                  </p:stCondLst>
+                                  <p:childTnLst>
+                                    <p:set>
+                                      <p:cBhvr rctx="PPT">
+                                        <p:cTn id="12" dur="indefinite"/>
+                                        <p:tgtEl>
+                                          <p:spTgt spid="8"/>
+                                        </p:tgtEl>
+                                        <p:attrNameLst>
+                                          <p:attrName>style.opacity</p:attrName>
+                                        </p:attrNameLst>
+                                      </p:cBhvr>
+                                      <p:to>
+                                        <p:strVal val="0.15"/>
+                                      </p:to>
+                                    </p:set>
+                                    <p:animEffect filter="image" prLst="opacity: 0.15">
+                                      <p:cBhvr rctx="IE">
+                                        <p:cTn id="13" dur="indefinite"/>
+                                        <p:tgtEl>
+                                          <p:spTgt spid="8"/>
+                                        </p:tgtEl>
+                                      </p:cBhvr>
+                                    </p:animEffect>
+                                  </p:childTnLst>
+                                </p:cTn>
+                              </p:par>
+                              <p:par>
+                                <p:cTn id="14" presetID="9" presetClass="emph" presetSubtype="0" nodeType="withEffect">
+                                  <p:stCondLst>
+                                    <p:cond delay="0"/>
+                                  </p:stCondLst>
+                                  <p:childTnLst>
+                                    <p:set>
+                                      <p:cBhvr rctx="PPT">
+                                        <p:cTn id="15" dur="indefinite"/>
+                                        <p:tgtEl>
+                                          <p:spTgt spid="3"/>
+                                        </p:tgtEl>
+                                        <p:attrNameLst>
+                                          <p:attrName>style.opacity</p:attrName>
+                                        </p:attrNameLst>
+                                      </p:cBhvr>
+                                      <p:to>
+                                        <p:strVal val="0.25"/>
+                                      </p:to>
+                                    </p:set>
+                                    <p:animEffect filter="image" prLst="opacity: 0.25">
+                                      <p:cBhvr rctx="IE">
+                                        <p:cTn id="16" dur="indefinite"/>
+                                        <p:tgtEl>
+                                          <p:spTgt spid="3"/>
+                                        </p:tgtEl>
+                                      </p:cBhvr>
+                                    </p:animEffect>
+                                  </p:childTnLst>
+                                </p:cTn>
+                              </p:par>
+                            </p:childTnLst>
+                          </p:cTn>
+                        </p:par>
+                      </p:childTnLst>
+                    </p:cTn>
+                  </p:par>
+                </p:childTnLst>
+              </p:cTn>
+              <p:prevCondLst>
+                <p:cond evt="onPrev" delay="0">
+                  <p:tgtEl>
+                    <p:sldTgt/>
+                  </p:tgtEl>
+                </p:cond>
+              </p:prevCondLst>
+              <p:nextCondLst>
+                <p:cond evt="onNext" delay="0">
+                  <p:tgtEl>
+                    <p:sldTgt/>
+                  </p:tgtEl>
+                </p:cond>
+              </p:nextCondLst>
+            </p:seq>
+          </p:childTnLst>
+        </p:cTn>
+      </p:par>
+    </p:tnLst>
+    <p:bldLst>
+      <p:bldP spid="5" grpId="0"/>
+      <p:bldP spid="8" grpId="0"/>
+    </p:bldLst>
+  </p:timing>
 </p:sld>
 </file>
 
@@ -13112,8 +13507,8 @@
         </p:nvSpPr>
         <p:spPr>
           <a:xfrm>
-            <a:off x="2981482" y="317335"/>
-            <a:ext cx="2839240" cy="923330"/>
+            <a:off x="2000447" y="317335"/>
+            <a:ext cx="4801315" cy="923330"/>
           </a:xfrm>
           <a:prstGeom prst="rect">
             <a:avLst/>
@@ -13128,7 +13523,7 @@
           <a:p>
             <a:pPr algn="ctr"/>
             <a:r>
-              <a:rPr lang="en-US" sz="5400" b="1" dirty="0">
+              <a:rPr lang="en-US" sz="5400" b="1" dirty="0" smtClean="0">
                 <a:ln w="1905"/>
                 <a:gradFill>
                   <a:gsLst>
@@ -13162,8 +13557,42 @@
                   </a:innerShdw>
                 </a:effectLst>
               </a:rPr>
-              <a:t>Our Job</a:t>
+              <a:t>Requirements</a:t>
             </a:r>
+            <a:endParaRPr lang="en-US" sz="5400" b="1" dirty="0">
+              <a:ln w="1905"/>
+              <a:gradFill>
+                <a:gsLst>
+                  <a:gs pos="0">
+                    <a:schemeClr val="accent6">
+                      <a:shade val="20000"/>
+                      <a:satMod val="200000"/>
+                    </a:schemeClr>
+                  </a:gs>
+                  <a:gs pos="78000">
+                    <a:schemeClr val="accent6">
+                      <a:tint val="90000"/>
+                      <a:shade val="89000"/>
+                      <a:satMod val="220000"/>
+                    </a:schemeClr>
+                  </a:gs>
+                  <a:gs pos="100000">
+                    <a:schemeClr val="accent6">
+                      <a:tint val="12000"/>
+                      <a:satMod val="255000"/>
+                    </a:schemeClr>
+                  </a:gs>
+                </a:gsLst>
+                <a:lin ang="5400000"/>
+              </a:gradFill>
+              <a:effectLst>
+                <a:innerShdw blurRad="69850" dist="43180" dir="5400000">
+                  <a:srgbClr val="000000">
+                    <a:alpha val="65000"/>
+                  </a:srgbClr>
+                </a:innerShdw>
+              </a:effectLst>
+            </a:endParaRPr>
           </a:p>
         </p:txBody>
       </p:sp>
@@ -13247,6 +13676,13 @@
   <p:clrMapOvr>
     <a:masterClrMapping/>
   </p:clrMapOvr>
+  <p:timing>
+    <p:tnLst>
+      <p:par>
+        <p:cTn id="1" dur="indefinite" restart="never" nodeType="tmRoot"/>
+      </p:par>
+    </p:tnLst>
+  </p:timing>
 </p:sld>
 </file>
 
@@ -13340,6 +13776,13 @@
   <p:clrMapOvr>
     <a:masterClrMapping/>
   </p:clrMapOvr>
+  <p:timing>
+    <p:tnLst>
+      <p:par>
+        <p:cTn id="1" dur="indefinite" restart="never" nodeType="tmRoot"/>
+      </p:par>
+    </p:tnLst>
+  </p:timing>
 </p:sld>
 </file>
 
@@ -13400,6 +13843,13 @@
   <p:clrMapOvr>
     <a:masterClrMapping/>
   </p:clrMapOvr>
+  <p:timing>
+    <p:tnLst>
+      <p:par>
+        <p:cTn id="1" dur="indefinite" restart="never" nodeType="tmRoot"/>
+      </p:par>
+    </p:tnLst>
+  </p:timing>
 </p:sld>
 </file>
 
@@ -13634,6 +14084,13 @@
   <p:clrMapOvr>
     <a:masterClrMapping/>
   </p:clrMapOvr>
+  <p:timing>
+    <p:tnLst>
+      <p:par>
+        <p:cTn id="1" dur="indefinite" restart="never" nodeType="tmRoot"/>
+      </p:par>
+    </p:tnLst>
+  </p:timing>
 </p:sld>
 </file>
 
@@ -13754,9 +14211,10 @@
               <a:buChar char="•"/>
             </a:pPr>
             <a:r>
-              <a:rPr lang="en-US" sz="3600" b="1" dirty="0"/>
-              <a:t>Speed Slider</a:t>
+              <a:rPr lang="en-US" sz="3600" b="1" dirty="0" smtClean="0"/>
+              <a:t>Variable Speed</a:t>
             </a:r>
+            <a:endParaRPr lang="en-US" sz="3600" b="1" dirty="0"/>
           </a:p>
           <a:p>
             <a:pPr marL="914400" lvl="1" indent="-457200">
@@ -13797,6 +14255,13 @@
   <p:clrMapOvr>
     <a:masterClrMapping/>
   </p:clrMapOvr>
+  <p:timing>
+    <p:tnLst>
+      <p:par>
+        <p:cTn id="1" dur="indefinite" restart="never" nodeType="tmRoot"/>
+      </p:par>
+    </p:tnLst>
+  </p:timing>
 </p:sld>
 </file>
 
@@ -14906,6 +15371,13 @@
   <p:clrMapOvr>
     <a:masterClrMapping/>
   </p:clrMapOvr>
+  <p:timing>
+    <p:tnLst>
+      <p:par>
+        <p:cTn id="1" dur="indefinite" restart="never" nodeType="tmRoot"/>
+      </p:par>
+    </p:tnLst>
+  </p:timing>
 </p:sld>
 </file>
 

--- a/Presentation Materials/Capstone Presentation.pptx
+++ b/Presentation Materials/Capstone Presentation.pptx
@@ -11317,47 +11317,6 @@
       </p:grpSpPr>
       <p:pic>
         <p:nvPicPr>
-          <p:cNvPr id="4098" name="Picture 2" descr="C:\Users\Owner\Desktop\TestingArena.png"/>
-          <p:cNvPicPr>
-            <a:picLocks noChangeAspect="1" noChangeArrowheads="1"/>
-          </p:cNvPicPr>
-          <p:nvPr/>
-        </p:nvPicPr>
-        <p:blipFill>
-          <a:blip r:embed="rId2">
-            <a:extLst>
-              <a:ext uri="{28A0092B-C50C-407E-A947-70E740481C1C}">
-                <a14:useLocalDpi xmlns:a14="http://schemas.microsoft.com/office/drawing/2010/main" val="0"/>
-              </a:ext>
-            </a:extLst>
-          </a:blip>
-          <a:srcRect/>
-          <a:stretch>
-            <a:fillRect/>
-          </a:stretch>
-        </p:blipFill>
-        <p:spPr bwMode="auto">
-          <a:xfrm>
-            <a:off x="0" y="76200"/>
-            <a:ext cx="9144000" cy="5667292"/>
-          </a:xfrm>
-          <a:prstGeom prst="rect">
-            <a:avLst/>
-          </a:prstGeom>
-          <a:noFill/>
-          <a:extLst>
-            <a:ext uri="{909E8E84-426E-40DD-AFC4-6F175D3DCCD1}">
-              <a14:hiddenFill xmlns:a14="http://schemas.microsoft.com/office/drawing/2010/main">
-                <a:solidFill>
-                  <a:srgbClr val="FFFFFF"/>
-                </a:solidFill>
-              </a14:hiddenFill>
-            </a:ext>
-          </a:extLst>
-        </p:spPr>
-      </p:pic>
-      <p:pic>
-        <p:nvPicPr>
           <p:cNvPr id="6" name="Picture 10" descr="C:\Users\Owner\AppData\Local\Microsoft\Windows\Temporary Internet Files\Content.IE5\4SKU0K12\White-Pixel-Mouse-Cursor-Arow-Fixed[1].png"/>
           <p:cNvPicPr>
             <a:picLocks noChangeAspect="1" noChangeArrowheads="1"/>
@@ -11365,7 +11324,7 @@
           <p:nvPr/>
         </p:nvPicPr>
         <p:blipFill>
-          <a:blip r:embed="rId3" cstate="print">
+          <a:blip r:embed="rId2" cstate="print">
             <a:extLst>
               <a:ext uri="{28A0092B-C50C-407E-A947-70E740481C1C}">
                 <a14:useLocalDpi xmlns:a14="http://schemas.microsoft.com/office/drawing/2010/main" val="0"/>
@@ -11406,7 +11365,7 @@
           <p:nvPr/>
         </p:nvPicPr>
         <p:blipFill>
-          <a:blip r:embed="rId4">
+          <a:blip r:embed="rId3">
             <a:extLst>
               <a:ext uri="{28A0092B-C50C-407E-A947-70E740481C1C}">
                 <a14:useLocalDpi xmlns:a14="http://schemas.microsoft.com/office/drawing/2010/main" val="0"/>
@@ -11449,6 +11408,35 @@
               </a14:hiddenLine>
             </a:ext>
           </a:extLst>
+        </p:spPr>
+      </p:pic>
+      <p:pic>
+        <p:nvPicPr>
+          <p:cNvPr id="2" name="Picture 1" descr="Screen Clipping"/>
+          <p:cNvPicPr>
+            <a:picLocks noChangeAspect="1"/>
+          </p:cNvPicPr>
+          <p:nvPr/>
+        </p:nvPicPr>
+        <p:blipFill rotWithShape="1">
+          <a:blip r:embed="rId4">
+            <a:extLst>
+              <a:ext uri="{28A0092B-C50C-407E-A947-70E740481C1C}">
+                <a14:useLocalDpi xmlns:a14="http://schemas.microsoft.com/office/drawing/2010/main" val="0"/>
+              </a:ext>
+            </a:extLst>
+          </a:blip>
+          <a:srcRect l="10884" t="8602" r="10834"/>
+          <a:stretch/>
+        </p:blipFill>
+        <p:spPr>
+          <a:xfrm>
+            <a:off x="0" y="14796"/>
+            <a:ext cx="9144000" cy="5802432"/>
+          </a:xfrm>
+          <a:prstGeom prst="rect">
+            <a:avLst/>
+          </a:prstGeom>
         </p:spPr>
       </p:pic>
     </p:spTree>
@@ -11792,71 +11780,34 @@
           <a:chExt cx="0" cy="0"/>
         </a:xfrm>
       </p:grpSpPr>
-      <p:sp>
-        <p:nvSpPr>
-          <p:cNvPr id="2" name="Title 1"/>
-          <p:cNvSpPr>
-            <a:spLocks noGrp="1"/>
-          </p:cNvSpPr>
-          <p:nvPr>
-            <p:ph type="title"/>
-          </p:nvPr>
-        </p:nvSpPr>
-        <p:spPr/>
-        <p:txBody>
-          <a:bodyPr/>
-          <a:lstStyle/>
-          <a:p>
-            <a:r>
-              <a:rPr lang="en-US" dirty="0"/>
-              <a:t>Tom put TA game display picture here</a:t>
-            </a:r>
-          </a:p>
-        </p:txBody>
-      </p:sp>
-      <p:sp>
-        <p:nvSpPr>
-          <p:cNvPr id="3" name="Content Placeholder 2"/>
-          <p:cNvSpPr>
-            <a:spLocks noGrp="1"/>
-          </p:cNvSpPr>
+      <p:pic>
+        <p:nvPicPr>
+          <p:cNvPr id="6" name="Content Placeholder 5"/>
+          <p:cNvPicPr>
+            <a:picLocks noGrp="1" noChangeAspect="1"/>
+          </p:cNvPicPr>
           <p:nvPr>
             <p:ph idx="1"/>
           </p:nvPr>
-        </p:nvSpPr>
-        <p:spPr/>
-        <p:txBody>
-          <a:bodyPr/>
-          <a:lstStyle/>
-          <a:p>
-            <a:r>
-              <a:rPr lang="en-US" dirty="0"/>
-              <a:t>TODO </a:t>
-            </a:r>
-            <a:r>
-              <a:rPr lang="en-US" dirty="0" err="1"/>
-              <a:t>TODO</a:t>
-            </a:r>
-            <a:r>
-              <a:rPr lang="en-US" dirty="0"/>
-              <a:t> </a:t>
-            </a:r>
-            <a:r>
-              <a:rPr lang="en-US" dirty="0" err="1"/>
-              <a:t>TODO</a:t>
-            </a:r>
-            <a:r>
-              <a:rPr lang="en-US" dirty="0"/>
-              <a:t> </a:t>
-            </a:r>
-            <a:r>
-              <a:rPr lang="en-US" dirty="0" err="1"/>
-              <a:t>TODO</a:t>
-            </a:r>
-            <a:endParaRPr lang="en-US" dirty="0"/>
-          </a:p>
-        </p:txBody>
-      </p:sp>
+        </p:nvPicPr>
+        <p:blipFill rotWithShape="1">
+          <a:blip r:embed="rId2">
+            <a:extLst>
+              <a:ext uri="{28A0092B-C50C-407E-A947-70E740481C1C}">
+                <a14:useLocalDpi xmlns:a14="http://schemas.microsoft.com/office/drawing/2010/main" val="0"/>
+              </a:ext>
+            </a:extLst>
+          </a:blip>
+          <a:srcRect l="10185" t="8369" r="11109"/>
+          <a:stretch/>
+        </p:blipFill>
+        <p:spPr>
+          <a:xfrm>
+            <a:off x="0" y="0"/>
+            <a:ext cx="9144000" cy="5766548"/>
+          </a:xfrm>
+        </p:spPr>
+      </p:pic>
     </p:spTree>
     <p:extLst>
       <p:ext uri="{BB962C8B-B14F-4D97-AF65-F5344CB8AC3E}">
